--- a/figures/guigay1.pptx
+++ b/figures/guigay1.pptx
@@ -6,10 +6,13 @@
   </p:sldMasterIdLst>
   <p:sldIdLst>
     <p:sldId id="256" r:id="rId2"/>
-    <p:sldId id="257" r:id="rId3"/>
+    <p:sldId id="259" r:id="rId3"/>
+    <p:sldId id="257" r:id="rId4"/>
+    <p:sldId id="258" r:id="rId5"/>
+    <p:sldId id="260" r:id="rId6"/>
   </p:sldIdLst>
   <p:sldSz cx="12192000" cy="6858000"/>
-  <p:notesSz cx="6858000" cy="9144000"/>
+  <p:notesSz cx="6794500" cy="9931400"/>
   <p:defaultTextStyle>
     <a:defPPr>
       <a:defRPr lang="en-US"/>
@@ -262,7 +265,7 @@
           <a:p>
             <a:fld id="{6A919233-DC6C-415D-B22E-B834F03CD681}" type="datetimeFigureOut">
               <a:rPr lang="en-GB" smtClean="0"/>
-              <a:t>25/01/2021</a:t>
+              <a:t>27/01/2021</a:t>
             </a:fld>
             <a:endParaRPr lang="en-GB"/>
           </a:p>
@@ -462,7 +465,7 @@
           <a:p>
             <a:fld id="{6A919233-DC6C-415D-B22E-B834F03CD681}" type="datetimeFigureOut">
               <a:rPr lang="en-GB" smtClean="0"/>
-              <a:t>25/01/2021</a:t>
+              <a:t>27/01/2021</a:t>
             </a:fld>
             <a:endParaRPr lang="en-GB"/>
           </a:p>
@@ -672,7 +675,7 @@
           <a:p>
             <a:fld id="{6A919233-DC6C-415D-B22E-B834F03CD681}" type="datetimeFigureOut">
               <a:rPr lang="en-GB" smtClean="0"/>
-              <a:t>25/01/2021</a:t>
+              <a:t>27/01/2021</a:t>
             </a:fld>
             <a:endParaRPr lang="en-GB"/>
           </a:p>
@@ -872,7 +875,7 @@
           <a:p>
             <a:fld id="{6A919233-DC6C-415D-B22E-B834F03CD681}" type="datetimeFigureOut">
               <a:rPr lang="en-GB" smtClean="0"/>
-              <a:t>25/01/2021</a:t>
+              <a:t>27/01/2021</a:t>
             </a:fld>
             <a:endParaRPr lang="en-GB"/>
           </a:p>
@@ -1148,7 +1151,7 @@
           <a:p>
             <a:fld id="{6A919233-DC6C-415D-B22E-B834F03CD681}" type="datetimeFigureOut">
               <a:rPr lang="en-GB" smtClean="0"/>
-              <a:t>25/01/2021</a:t>
+              <a:t>27/01/2021</a:t>
             </a:fld>
             <a:endParaRPr lang="en-GB"/>
           </a:p>
@@ -1416,7 +1419,7 @@
           <a:p>
             <a:fld id="{6A919233-DC6C-415D-B22E-B834F03CD681}" type="datetimeFigureOut">
               <a:rPr lang="en-GB" smtClean="0"/>
-              <a:t>25/01/2021</a:t>
+              <a:t>27/01/2021</a:t>
             </a:fld>
             <a:endParaRPr lang="en-GB"/>
           </a:p>
@@ -1831,7 +1834,7 @@
           <a:p>
             <a:fld id="{6A919233-DC6C-415D-B22E-B834F03CD681}" type="datetimeFigureOut">
               <a:rPr lang="en-GB" smtClean="0"/>
-              <a:t>25/01/2021</a:t>
+              <a:t>27/01/2021</a:t>
             </a:fld>
             <a:endParaRPr lang="en-GB"/>
           </a:p>
@@ -1973,7 +1976,7 @@
           <a:p>
             <a:fld id="{6A919233-DC6C-415D-B22E-B834F03CD681}" type="datetimeFigureOut">
               <a:rPr lang="en-GB" smtClean="0"/>
-              <a:t>25/01/2021</a:t>
+              <a:t>27/01/2021</a:t>
             </a:fld>
             <a:endParaRPr lang="en-GB"/>
           </a:p>
@@ -2086,7 +2089,7 @@
           <a:p>
             <a:fld id="{6A919233-DC6C-415D-B22E-B834F03CD681}" type="datetimeFigureOut">
               <a:rPr lang="en-GB" smtClean="0"/>
-              <a:t>25/01/2021</a:t>
+              <a:t>27/01/2021</a:t>
             </a:fld>
             <a:endParaRPr lang="en-GB"/>
           </a:p>
@@ -2399,7 +2402,7 @@
           <a:p>
             <a:fld id="{6A919233-DC6C-415D-B22E-B834F03CD681}" type="datetimeFigureOut">
               <a:rPr lang="en-GB" smtClean="0"/>
-              <a:t>25/01/2021</a:t>
+              <a:t>27/01/2021</a:t>
             </a:fld>
             <a:endParaRPr lang="en-GB"/>
           </a:p>
@@ -2688,7 +2691,7 @@
           <a:p>
             <a:fld id="{6A919233-DC6C-415D-B22E-B834F03CD681}" type="datetimeFigureOut">
               <a:rPr lang="en-GB" smtClean="0"/>
-              <a:t>25/01/2021</a:t>
+              <a:t>27/01/2021</a:t>
             </a:fld>
             <a:endParaRPr lang="en-GB"/>
           </a:p>
@@ -2931,7 +2934,7 @@
           <a:p>
             <a:fld id="{6A919233-DC6C-415D-B22E-B834F03CD681}" type="datetimeFigureOut">
               <a:rPr lang="en-GB" smtClean="0"/>
-              <a:t>25/01/2021</a:t>
+              <a:t>27/01/2021</a:t>
             </a:fld>
             <a:endParaRPr lang="en-GB"/>
           </a:p>
@@ -3478,6 +3481,2832 @@
         </p:nvSpPr>
         <p:spPr bwMode="auto">
           <a:xfrm>
+            <a:off x="2984146" y="2016895"/>
+            <a:ext cx="1656246" cy="0"/>
+          </a:xfrm>
+          <a:prstGeom prst="line">
+            <a:avLst/>
+          </a:prstGeom>
+          <a:noFill/>
+          <a:ln w="9525">
+            <a:solidFill>
+              <a:srgbClr val="000000"/>
+            </a:solidFill>
+            <a:round/>
+            <a:headEnd/>
+            <a:tailEnd/>
+          </a:ln>
+          <a:extLst>
+            <a:ext uri="{909E8E84-426E-40DD-AFC4-6F175D3DCCD1}">
+              <a14:hiddenFill xmlns:a14="http://schemas.microsoft.com/office/drawing/2010/main">
+                <a:noFill/>
+              </a14:hiddenFill>
+            </a:ext>
+          </a:extLst>
+        </p:spPr>
+        <p:txBody>
+          <a:bodyPr vert="horz" wrap="square" lIns="91440" tIns="45720" rIns="91440" bIns="45720" numCol="1" anchor="t" anchorCtr="0" compatLnSpc="1">
+            <a:prstTxWarp prst="textNoShape">
+              <a:avLst/>
+            </a:prstTxWarp>
+          </a:bodyPr>
+          <a:lstStyle/>
+          <a:p>
+            <a:endParaRPr lang="en-GB"/>
+          </a:p>
+        </p:txBody>
+      </p:sp>
+      <p:sp>
+        <p:nvSpPr>
+          <p:cNvPr id="9" name="Line 22">
+            <a:extLst>
+              <a:ext uri="{FF2B5EF4-FFF2-40B4-BE49-F238E27FC236}">
+                <a16:creationId xmlns:a16="http://schemas.microsoft.com/office/drawing/2014/main" id="{1F926620-0375-451A-A1DA-ECAF09CBF352}"/>
+              </a:ext>
+            </a:extLst>
+          </p:cNvPr>
+          <p:cNvSpPr>
+            <a:spLocks noChangeShapeType="1"/>
+          </p:cNvSpPr>
+          <p:nvPr/>
+        </p:nvSpPr>
+        <p:spPr bwMode="auto">
+          <a:xfrm>
+            <a:off x="3238953" y="615455"/>
+            <a:ext cx="891825" cy="2548071"/>
+          </a:xfrm>
+          <a:prstGeom prst="line">
+            <a:avLst/>
+          </a:prstGeom>
+          <a:noFill/>
+          <a:ln w="9525">
+            <a:solidFill>
+              <a:srgbClr val="000000"/>
+            </a:solidFill>
+            <a:round/>
+            <a:headEnd/>
+            <a:tailEnd type="triangle" w="med" len="med"/>
+          </a:ln>
+          <a:extLst>
+            <a:ext uri="{909E8E84-426E-40DD-AFC4-6F175D3DCCD1}">
+              <a14:hiddenFill xmlns:a14="http://schemas.microsoft.com/office/drawing/2010/main">
+                <a:noFill/>
+              </a14:hiddenFill>
+            </a:ext>
+          </a:extLst>
+        </p:spPr>
+        <p:txBody>
+          <a:bodyPr vert="horz" wrap="square" lIns="91440" tIns="45720" rIns="91440" bIns="45720" numCol="1" anchor="t" anchorCtr="0" compatLnSpc="1">
+            <a:prstTxWarp prst="textNoShape">
+              <a:avLst/>
+            </a:prstTxWarp>
+          </a:bodyPr>
+          <a:lstStyle/>
+          <a:p>
+            <a:endParaRPr lang="en-GB"/>
+          </a:p>
+        </p:txBody>
+      </p:sp>
+      <p:sp>
+        <p:nvSpPr>
+          <p:cNvPr id="10" name="Line 21">
+            <a:extLst>
+              <a:ext uri="{FF2B5EF4-FFF2-40B4-BE49-F238E27FC236}">
+                <a16:creationId xmlns:a16="http://schemas.microsoft.com/office/drawing/2014/main" id="{EC77E187-90E5-4621-9F7D-8B190E07FF29}"/>
+              </a:ext>
+            </a:extLst>
+          </p:cNvPr>
+          <p:cNvSpPr>
+            <a:spLocks noChangeShapeType="1"/>
+          </p:cNvSpPr>
+          <p:nvPr/>
+        </p:nvSpPr>
+        <p:spPr bwMode="auto">
+          <a:xfrm flipH="1">
+            <a:off x="2601935" y="2016895"/>
+            <a:ext cx="1146632" cy="1146632"/>
+          </a:xfrm>
+          <a:prstGeom prst="line">
+            <a:avLst/>
+          </a:prstGeom>
+          <a:noFill/>
+          <a:ln w="9525">
+            <a:solidFill>
+              <a:srgbClr val="FF0000"/>
+            </a:solidFill>
+            <a:round/>
+            <a:headEnd/>
+            <a:tailEnd type="triangle" w="med" len="med"/>
+          </a:ln>
+          <a:extLst>
+            <a:ext uri="{909E8E84-426E-40DD-AFC4-6F175D3DCCD1}">
+              <a14:hiddenFill xmlns:a14="http://schemas.microsoft.com/office/drawing/2010/main">
+                <a:noFill/>
+              </a14:hiddenFill>
+            </a:ext>
+          </a:extLst>
+        </p:spPr>
+        <p:txBody>
+          <a:bodyPr vert="horz" wrap="square" lIns="91440" tIns="45720" rIns="91440" bIns="45720" numCol="1" anchor="t" anchorCtr="0" compatLnSpc="1">
+            <a:prstTxWarp prst="textNoShape">
+              <a:avLst/>
+            </a:prstTxWarp>
+          </a:bodyPr>
+          <a:lstStyle/>
+          <a:p>
+            <a:endParaRPr lang="en-GB"/>
+          </a:p>
+        </p:txBody>
+      </p:sp>
+      <p:sp>
+        <p:nvSpPr>
+          <p:cNvPr id="11" name="Line 20">
+            <a:extLst>
+              <a:ext uri="{FF2B5EF4-FFF2-40B4-BE49-F238E27FC236}">
+                <a16:creationId xmlns:a16="http://schemas.microsoft.com/office/drawing/2014/main" id="{3230A7B8-0F2F-4F3B-8EF5-8590089952F9}"/>
+              </a:ext>
+            </a:extLst>
+          </p:cNvPr>
+          <p:cNvSpPr>
+            <a:spLocks noChangeShapeType="1"/>
+          </p:cNvSpPr>
+          <p:nvPr/>
+        </p:nvSpPr>
+        <p:spPr bwMode="auto">
+          <a:xfrm flipH="1">
+            <a:off x="2474532" y="2016894"/>
+            <a:ext cx="1783650" cy="891825"/>
+          </a:xfrm>
+          <a:prstGeom prst="line">
+            <a:avLst/>
+          </a:prstGeom>
+          <a:noFill/>
+          <a:ln w="9525">
+            <a:solidFill>
+              <a:srgbClr val="FF0000"/>
+            </a:solidFill>
+            <a:round/>
+            <a:headEnd/>
+            <a:tailEnd type="triangle" w="med" len="med"/>
+          </a:ln>
+          <a:extLst>
+            <a:ext uri="{909E8E84-426E-40DD-AFC4-6F175D3DCCD1}">
+              <a14:hiddenFill xmlns:a14="http://schemas.microsoft.com/office/drawing/2010/main">
+                <a:noFill/>
+              </a14:hiddenFill>
+            </a:ext>
+          </a:extLst>
+        </p:spPr>
+        <p:txBody>
+          <a:bodyPr vert="horz" wrap="square" lIns="91440" tIns="45720" rIns="91440" bIns="45720" numCol="1" anchor="t" anchorCtr="0" compatLnSpc="1">
+            <a:prstTxWarp prst="textNoShape">
+              <a:avLst/>
+            </a:prstTxWarp>
+          </a:bodyPr>
+          <a:lstStyle/>
+          <a:p>
+            <a:endParaRPr lang="en-GB"/>
+          </a:p>
+        </p:txBody>
+      </p:sp>
+      <p:sp>
+        <p:nvSpPr>
+          <p:cNvPr id="12" name="Line 19">
+            <a:extLst>
+              <a:ext uri="{FF2B5EF4-FFF2-40B4-BE49-F238E27FC236}">
+                <a16:creationId xmlns:a16="http://schemas.microsoft.com/office/drawing/2014/main" id="{B041088C-BF9D-48BC-8CCE-6A9DDD074778}"/>
+              </a:ext>
+            </a:extLst>
+          </p:cNvPr>
+          <p:cNvSpPr>
+            <a:spLocks noChangeShapeType="1"/>
+          </p:cNvSpPr>
+          <p:nvPr/>
+        </p:nvSpPr>
+        <p:spPr bwMode="auto">
+          <a:xfrm>
+            <a:off x="6715285" y="2016894"/>
+            <a:ext cx="2038457" cy="885"/>
+          </a:xfrm>
+          <a:prstGeom prst="line">
+            <a:avLst/>
+          </a:prstGeom>
+          <a:noFill/>
+          <a:ln w="9525">
+            <a:solidFill>
+              <a:srgbClr val="000000"/>
+            </a:solidFill>
+            <a:round/>
+            <a:headEnd/>
+            <a:tailEnd/>
+          </a:ln>
+          <a:extLst>
+            <a:ext uri="{909E8E84-426E-40DD-AFC4-6F175D3DCCD1}">
+              <a14:hiddenFill xmlns:a14="http://schemas.microsoft.com/office/drawing/2010/main">
+                <a:noFill/>
+              </a14:hiddenFill>
+            </a:ext>
+          </a:extLst>
+        </p:spPr>
+        <p:txBody>
+          <a:bodyPr vert="horz" wrap="square" lIns="91440" tIns="45720" rIns="91440" bIns="45720" numCol="1" anchor="t" anchorCtr="0" compatLnSpc="1">
+            <a:prstTxWarp prst="textNoShape">
+              <a:avLst/>
+            </a:prstTxWarp>
+          </a:bodyPr>
+          <a:lstStyle/>
+          <a:p>
+            <a:endParaRPr lang="en-GB"/>
+          </a:p>
+        </p:txBody>
+      </p:sp>
+      <p:sp>
+        <p:nvSpPr>
+          <p:cNvPr id="13" name="Line 18">
+            <a:extLst>
+              <a:ext uri="{FF2B5EF4-FFF2-40B4-BE49-F238E27FC236}">
+                <a16:creationId xmlns:a16="http://schemas.microsoft.com/office/drawing/2014/main" id="{2C85345E-606D-4131-A6CA-BD45F4F01713}"/>
+              </a:ext>
+            </a:extLst>
+          </p:cNvPr>
+          <p:cNvSpPr>
+            <a:spLocks noChangeShapeType="1"/>
+          </p:cNvSpPr>
+          <p:nvPr/>
+        </p:nvSpPr>
+        <p:spPr bwMode="auto">
+          <a:xfrm>
+            <a:off x="7097496" y="615455"/>
+            <a:ext cx="1146632" cy="2548071"/>
+          </a:xfrm>
+          <a:prstGeom prst="line">
+            <a:avLst/>
+          </a:prstGeom>
+          <a:noFill/>
+          <a:ln w="9525">
+            <a:solidFill>
+              <a:srgbClr val="000000"/>
+            </a:solidFill>
+            <a:round/>
+            <a:headEnd/>
+            <a:tailEnd type="triangle" w="med" len="med"/>
+          </a:ln>
+          <a:extLst>
+            <a:ext uri="{909E8E84-426E-40DD-AFC4-6F175D3DCCD1}">
+              <a14:hiddenFill xmlns:a14="http://schemas.microsoft.com/office/drawing/2010/main">
+                <a:noFill/>
+              </a14:hiddenFill>
+            </a:ext>
+          </a:extLst>
+        </p:spPr>
+        <p:txBody>
+          <a:bodyPr vert="horz" wrap="square" lIns="91440" tIns="45720" rIns="91440" bIns="45720" numCol="1" anchor="t" anchorCtr="0" compatLnSpc="1">
+            <a:prstTxWarp prst="textNoShape">
+              <a:avLst/>
+            </a:prstTxWarp>
+          </a:bodyPr>
+          <a:lstStyle/>
+          <a:p>
+            <a:endParaRPr lang="en-GB"/>
+          </a:p>
+        </p:txBody>
+      </p:sp>
+      <p:sp>
+        <p:nvSpPr>
+          <p:cNvPr id="14" name="Line 17">
+            <a:extLst>
+              <a:ext uri="{FF2B5EF4-FFF2-40B4-BE49-F238E27FC236}">
+                <a16:creationId xmlns:a16="http://schemas.microsoft.com/office/drawing/2014/main" id="{16095A91-2579-4F3F-95D5-6F3877D662DA}"/>
+              </a:ext>
+            </a:extLst>
+          </p:cNvPr>
+          <p:cNvSpPr>
+            <a:spLocks noChangeShapeType="1"/>
+          </p:cNvSpPr>
+          <p:nvPr/>
+        </p:nvSpPr>
+        <p:spPr bwMode="auto">
+          <a:xfrm flipH="1">
+            <a:off x="7352303" y="2016895"/>
+            <a:ext cx="891825" cy="1019229"/>
+          </a:xfrm>
+          <a:prstGeom prst="line">
+            <a:avLst/>
+          </a:prstGeom>
+          <a:noFill/>
+          <a:ln w="9525">
+            <a:solidFill>
+              <a:srgbClr val="FF0000"/>
+            </a:solidFill>
+            <a:round/>
+            <a:headEnd/>
+            <a:tailEnd type="triangle" w="med" len="med"/>
+          </a:ln>
+          <a:extLst>
+            <a:ext uri="{909E8E84-426E-40DD-AFC4-6F175D3DCCD1}">
+              <a14:hiddenFill xmlns:a14="http://schemas.microsoft.com/office/drawing/2010/main">
+                <a:noFill/>
+              </a14:hiddenFill>
+            </a:ext>
+          </a:extLst>
+        </p:spPr>
+        <p:txBody>
+          <a:bodyPr vert="horz" wrap="square" lIns="91440" tIns="45720" rIns="91440" bIns="45720" numCol="1" anchor="t" anchorCtr="0" compatLnSpc="1">
+            <a:prstTxWarp prst="textNoShape">
+              <a:avLst/>
+            </a:prstTxWarp>
+          </a:bodyPr>
+          <a:lstStyle/>
+          <a:p>
+            <a:endParaRPr lang="en-GB"/>
+          </a:p>
+        </p:txBody>
+      </p:sp>
+      <p:sp>
+        <p:nvSpPr>
+          <p:cNvPr id="15" name="Line 16">
+            <a:extLst>
+              <a:ext uri="{FF2B5EF4-FFF2-40B4-BE49-F238E27FC236}">
+                <a16:creationId xmlns:a16="http://schemas.microsoft.com/office/drawing/2014/main" id="{B538DC71-737B-4698-AE21-626C8A9E1461}"/>
+              </a:ext>
+            </a:extLst>
+          </p:cNvPr>
+          <p:cNvSpPr>
+            <a:spLocks noChangeShapeType="1"/>
+          </p:cNvSpPr>
+          <p:nvPr/>
+        </p:nvSpPr>
+        <p:spPr bwMode="auto">
+          <a:xfrm>
+            <a:off x="3238953" y="742859"/>
+            <a:ext cx="1528843" cy="1911054"/>
+          </a:xfrm>
+          <a:prstGeom prst="line">
+            <a:avLst/>
+          </a:prstGeom>
+          <a:noFill/>
+          <a:ln w="9525">
+            <a:solidFill>
+              <a:srgbClr val="000000"/>
+            </a:solidFill>
+            <a:round/>
+            <a:headEnd/>
+            <a:tailEnd type="triangle" w="med" len="med"/>
+          </a:ln>
+          <a:extLst>
+            <a:ext uri="{909E8E84-426E-40DD-AFC4-6F175D3DCCD1}">
+              <a14:hiddenFill xmlns:a14="http://schemas.microsoft.com/office/drawing/2010/main">
+                <a:noFill/>
+              </a14:hiddenFill>
+            </a:ext>
+          </a:extLst>
+        </p:spPr>
+        <p:txBody>
+          <a:bodyPr vert="horz" wrap="square" lIns="91440" tIns="45720" rIns="91440" bIns="45720" numCol="1" anchor="t" anchorCtr="0" compatLnSpc="1">
+            <a:prstTxWarp prst="textNoShape">
+              <a:avLst/>
+            </a:prstTxWarp>
+          </a:bodyPr>
+          <a:lstStyle/>
+          <a:p>
+            <a:endParaRPr lang="en-GB"/>
+          </a:p>
+        </p:txBody>
+      </p:sp>
+      <p:sp>
+        <p:nvSpPr>
+          <p:cNvPr id="16" name="Text Box 15">
+            <a:extLst>
+              <a:ext uri="{FF2B5EF4-FFF2-40B4-BE49-F238E27FC236}">
+                <a16:creationId xmlns:a16="http://schemas.microsoft.com/office/drawing/2014/main" id="{BF5C9283-8F57-4E41-A0E3-C994044A1D0C}"/>
+              </a:ext>
+            </a:extLst>
+          </p:cNvPr>
+          <p:cNvSpPr txBox="1">
+            <a:spLocks noChangeArrowheads="1"/>
+          </p:cNvSpPr>
+          <p:nvPr/>
+        </p:nvSpPr>
+        <p:spPr bwMode="auto">
+          <a:xfrm>
+            <a:off x="3238953" y="488052"/>
+            <a:ext cx="509614" cy="382211"/>
+          </a:xfrm>
+          <a:prstGeom prst="rect">
+            <a:avLst/>
+          </a:prstGeom>
+          <a:noFill/>
+          <a:ln>
+            <a:noFill/>
+          </a:ln>
+          <a:extLst>
+            <a:ext uri="{909E8E84-426E-40DD-AFC4-6F175D3DCCD1}">
+              <a14:hiddenFill xmlns:a14="http://schemas.microsoft.com/office/drawing/2010/main">
+                <a:solidFill>
+                  <a:srgbClr val="FFFFFF"/>
+                </a:solidFill>
+              </a14:hiddenFill>
+            </a:ext>
+            <a:ext uri="{91240B29-F687-4F45-9708-019B960494DF}">
+              <a14:hiddenLine xmlns:a14="http://schemas.microsoft.com/office/drawing/2010/main" w="9525">
+                <a:solidFill>
+                  <a:srgbClr val="000000"/>
+                </a:solidFill>
+                <a:miter lim="800000"/>
+                <a:headEnd/>
+                <a:tailEnd/>
+              </a14:hiddenLine>
+            </a:ext>
+          </a:extLst>
+        </p:spPr>
+        <p:txBody>
+          <a:bodyPr vert="horz" wrap="square" lIns="91440" tIns="45720" rIns="91440" bIns="45720" numCol="1" anchor="t" anchorCtr="0" compatLnSpc="1">
+            <a:prstTxWarp prst="textNoShape">
+              <a:avLst/>
+            </a:prstTxWarp>
+          </a:bodyPr>
+          <a:lstStyle/>
+          <a:p>
+            <a:pPr marL="0" marR="0" lvl="0" indent="0" algn="l" defTabSz="914400" rtl="0" eaLnBrk="0" fontAlgn="base" latinLnBrk="0" hangingPunct="0">
+              <a:lnSpc>
+                <a:spcPct val="100000"/>
+              </a:lnSpc>
+              <a:spcBef>
+                <a:spcPct val="0"/>
+              </a:spcBef>
+              <a:spcAft>
+                <a:spcPct val="0"/>
+              </a:spcAft>
+              <a:buClrTx/>
+              <a:buSzTx/>
+              <a:buFontTx/>
+              <a:buNone/>
+              <a:tabLst/>
+            </a:pPr>
+            <a:r>
+              <a:rPr kumimoji="0" lang="en-US" altLang="en-US" sz="1200" b="0" i="1" u="none" strike="noStrike" cap="none" normalizeH="0" baseline="0">
+                <a:ln>
+                  <a:noFill/>
+                </a:ln>
+                <a:solidFill>
+                  <a:schemeClr val="tx1"/>
+                </a:solidFill>
+                <a:effectLst/>
+                <a:latin typeface="Arial" panose="020B0604020202020204" pitchFamily="34" charset="0"/>
+                <a:ea typeface="Times New Roman" panose="02020603050405020304" pitchFamily="18" charset="0"/>
+              </a:rPr>
+              <a:t>S</a:t>
+            </a:r>
+            <a:endParaRPr kumimoji="0" lang="en-US" altLang="en-US" sz="1800" b="0" i="0" u="none" strike="noStrike" cap="none" normalizeH="0" baseline="0">
+              <a:ln>
+                <a:noFill/>
+              </a:ln>
+              <a:solidFill>
+                <a:schemeClr val="tx1"/>
+              </a:solidFill>
+              <a:effectLst/>
+              <a:latin typeface="Arial" panose="020B0604020202020204" pitchFamily="34" charset="0"/>
+            </a:endParaRPr>
+          </a:p>
+        </p:txBody>
+      </p:sp>
+      <p:sp>
+        <p:nvSpPr>
+          <p:cNvPr id="17" name="Text Box 14">
+            <a:extLst>
+              <a:ext uri="{FF2B5EF4-FFF2-40B4-BE49-F238E27FC236}">
+                <a16:creationId xmlns:a16="http://schemas.microsoft.com/office/drawing/2014/main" id="{DA1BCA4C-883A-4E07-8457-6D61DE7A25EF}"/>
+              </a:ext>
+            </a:extLst>
+          </p:cNvPr>
+          <p:cNvSpPr txBox="1">
+            <a:spLocks noChangeArrowheads="1"/>
+          </p:cNvSpPr>
+          <p:nvPr/>
+        </p:nvSpPr>
+        <p:spPr bwMode="auto">
+          <a:xfrm>
+            <a:off x="3238953" y="2526509"/>
+            <a:ext cx="382211" cy="382211"/>
+          </a:xfrm>
+          <a:prstGeom prst="rect">
+            <a:avLst/>
+          </a:prstGeom>
+          <a:noFill/>
+          <a:ln>
+            <a:noFill/>
+          </a:ln>
+          <a:extLst>
+            <a:ext uri="{909E8E84-426E-40DD-AFC4-6F175D3DCCD1}">
+              <a14:hiddenFill xmlns:a14="http://schemas.microsoft.com/office/drawing/2010/main">
+                <a:solidFill>
+                  <a:srgbClr val="FFFFFF"/>
+                </a:solidFill>
+              </a14:hiddenFill>
+            </a:ext>
+            <a:ext uri="{91240B29-F687-4F45-9708-019B960494DF}">
+              <a14:hiddenLine xmlns:a14="http://schemas.microsoft.com/office/drawing/2010/main" w="9525">
+                <a:solidFill>
+                  <a:srgbClr val="000000"/>
+                </a:solidFill>
+                <a:miter lim="800000"/>
+                <a:headEnd/>
+                <a:tailEnd/>
+              </a14:hiddenLine>
+            </a:ext>
+          </a:extLst>
+        </p:spPr>
+        <p:txBody>
+          <a:bodyPr vert="horz" wrap="square" lIns="91440" tIns="45720" rIns="91440" bIns="45720" numCol="1" anchor="t" anchorCtr="0" compatLnSpc="1">
+            <a:prstTxWarp prst="textNoShape">
+              <a:avLst/>
+            </a:prstTxWarp>
+          </a:bodyPr>
+          <a:lstStyle/>
+          <a:p>
+            <a:pPr marL="0" marR="0" lvl="0" indent="0" algn="l" defTabSz="914400" rtl="0" eaLnBrk="0" fontAlgn="base" latinLnBrk="0" hangingPunct="0">
+              <a:lnSpc>
+                <a:spcPct val="100000"/>
+              </a:lnSpc>
+              <a:spcBef>
+                <a:spcPct val="0"/>
+              </a:spcBef>
+              <a:spcAft>
+                <a:spcPct val="0"/>
+              </a:spcAft>
+              <a:buClrTx/>
+              <a:buSzTx/>
+              <a:buFontTx/>
+              <a:buNone/>
+              <a:tabLst/>
+            </a:pPr>
+            <a:r>
+              <a:rPr kumimoji="0" lang="en-US" altLang="en-US" sz="1200" b="0" i="1" u="none" strike="noStrike" cap="none" normalizeH="0" baseline="0">
+                <a:ln>
+                  <a:noFill/>
+                </a:ln>
+                <a:solidFill>
+                  <a:schemeClr val="tx1"/>
+                </a:solidFill>
+                <a:effectLst/>
+                <a:latin typeface="Arial" panose="020B0604020202020204" pitchFamily="34" charset="0"/>
+                <a:ea typeface="Times New Roman" panose="02020603050405020304" pitchFamily="18" charset="0"/>
+              </a:rPr>
+              <a:t>F</a:t>
+            </a:r>
+            <a:endParaRPr kumimoji="0" lang="en-US" altLang="en-US" sz="1800" b="0" i="0" u="none" strike="noStrike" cap="none" normalizeH="0" baseline="0">
+              <a:ln>
+                <a:noFill/>
+              </a:ln>
+              <a:solidFill>
+                <a:schemeClr val="tx1"/>
+              </a:solidFill>
+              <a:effectLst/>
+              <a:latin typeface="Arial" panose="020B0604020202020204" pitchFamily="34" charset="0"/>
+            </a:endParaRPr>
+          </a:p>
+        </p:txBody>
+      </p:sp>
+      <p:sp>
+        <p:nvSpPr>
+          <p:cNvPr id="18" name="Text Box 13">
+            <a:extLst>
+              <a:ext uri="{FF2B5EF4-FFF2-40B4-BE49-F238E27FC236}">
+                <a16:creationId xmlns:a16="http://schemas.microsoft.com/office/drawing/2014/main" id="{4FA02D9D-0812-4992-921E-F911C057316F}"/>
+              </a:ext>
+            </a:extLst>
+          </p:cNvPr>
+          <p:cNvSpPr txBox="1">
+            <a:spLocks noChangeArrowheads="1"/>
+          </p:cNvSpPr>
+          <p:nvPr/>
+        </p:nvSpPr>
+        <p:spPr bwMode="auto">
+          <a:xfrm>
+            <a:off x="6712278" y="488052"/>
+            <a:ext cx="382211" cy="382211"/>
+          </a:xfrm>
+          <a:prstGeom prst="rect">
+            <a:avLst/>
+          </a:prstGeom>
+          <a:noFill/>
+          <a:ln>
+            <a:noFill/>
+          </a:ln>
+          <a:extLst>
+            <a:ext uri="{909E8E84-426E-40DD-AFC4-6F175D3DCCD1}">
+              <a14:hiddenFill xmlns:a14="http://schemas.microsoft.com/office/drawing/2010/main">
+                <a:solidFill>
+                  <a:srgbClr val="FFFFFF"/>
+                </a:solidFill>
+              </a14:hiddenFill>
+            </a:ext>
+            <a:ext uri="{91240B29-F687-4F45-9708-019B960494DF}">
+              <a14:hiddenLine xmlns:a14="http://schemas.microsoft.com/office/drawing/2010/main" w="9525">
+                <a:solidFill>
+                  <a:srgbClr val="000000"/>
+                </a:solidFill>
+                <a:miter lim="800000"/>
+                <a:headEnd/>
+                <a:tailEnd/>
+              </a14:hiddenLine>
+            </a:ext>
+          </a:extLst>
+        </p:spPr>
+        <p:txBody>
+          <a:bodyPr vert="horz" wrap="square" lIns="91440" tIns="45720" rIns="91440" bIns="45720" numCol="1" anchor="t" anchorCtr="0" compatLnSpc="1">
+            <a:prstTxWarp prst="textNoShape">
+              <a:avLst/>
+            </a:prstTxWarp>
+          </a:bodyPr>
+          <a:lstStyle/>
+          <a:p>
+            <a:pPr marL="0" marR="0" lvl="0" indent="0" algn="l" defTabSz="914400" rtl="0" eaLnBrk="0" fontAlgn="base" latinLnBrk="0" hangingPunct="0">
+              <a:lnSpc>
+                <a:spcPct val="100000"/>
+              </a:lnSpc>
+              <a:spcBef>
+                <a:spcPct val="0"/>
+              </a:spcBef>
+              <a:spcAft>
+                <a:spcPct val="0"/>
+              </a:spcAft>
+              <a:buClrTx/>
+              <a:buSzTx/>
+              <a:buFontTx/>
+              <a:buNone/>
+              <a:tabLst/>
+            </a:pPr>
+            <a:r>
+              <a:rPr kumimoji="0" lang="en-US" altLang="en-US" sz="1200" b="0" i="1" u="none" strike="noStrike" cap="none" normalizeH="0" baseline="0">
+                <a:ln>
+                  <a:noFill/>
+                </a:ln>
+                <a:solidFill>
+                  <a:schemeClr val="tx1"/>
+                </a:solidFill>
+                <a:effectLst/>
+                <a:latin typeface="Arial" panose="020B0604020202020204" pitchFamily="34" charset="0"/>
+                <a:ea typeface="Times New Roman" panose="02020603050405020304" pitchFamily="18" charset="0"/>
+              </a:rPr>
+              <a:t>S</a:t>
+            </a:r>
+            <a:endParaRPr kumimoji="0" lang="en-US" altLang="en-US" sz="1800" b="0" i="0" u="none" strike="noStrike" cap="none" normalizeH="0" baseline="0">
+              <a:ln>
+                <a:noFill/>
+              </a:ln>
+              <a:solidFill>
+                <a:schemeClr val="tx1"/>
+              </a:solidFill>
+              <a:effectLst/>
+              <a:latin typeface="Arial" panose="020B0604020202020204" pitchFamily="34" charset="0"/>
+            </a:endParaRPr>
+          </a:p>
+        </p:txBody>
+      </p:sp>
+      <p:sp>
+        <p:nvSpPr>
+          <p:cNvPr id="19" name="Text Box 12">
+            <a:extLst>
+              <a:ext uri="{FF2B5EF4-FFF2-40B4-BE49-F238E27FC236}">
+                <a16:creationId xmlns:a16="http://schemas.microsoft.com/office/drawing/2014/main" id="{3FAD9539-5F1E-460A-A54B-4C5EB218908C}"/>
+              </a:ext>
+            </a:extLst>
+          </p:cNvPr>
+          <p:cNvSpPr txBox="1">
+            <a:spLocks noChangeArrowheads="1"/>
+          </p:cNvSpPr>
+          <p:nvPr/>
+        </p:nvSpPr>
+        <p:spPr bwMode="auto">
+          <a:xfrm>
+            <a:off x="8498935" y="1125070"/>
+            <a:ext cx="382211" cy="382211"/>
+          </a:xfrm>
+          <a:prstGeom prst="rect">
+            <a:avLst/>
+          </a:prstGeom>
+          <a:noFill/>
+          <a:ln>
+            <a:noFill/>
+          </a:ln>
+          <a:extLst>
+            <a:ext uri="{909E8E84-426E-40DD-AFC4-6F175D3DCCD1}">
+              <a14:hiddenFill xmlns:a14="http://schemas.microsoft.com/office/drawing/2010/main">
+                <a:solidFill>
+                  <a:srgbClr val="FFFFFF"/>
+                </a:solidFill>
+              </a14:hiddenFill>
+            </a:ext>
+            <a:ext uri="{91240B29-F687-4F45-9708-019B960494DF}">
+              <a14:hiddenLine xmlns:a14="http://schemas.microsoft.com/office/drawing/2010/main" w="9525">
+                <a:solidFill>
+                  <a:srgbClr val="000000"/>
+                </a:solidFill>
+                <a:miter lim="800000"/>
+                <a:headEnd/>
+                <a:tailEnd/>
+              </a14:hiddenLine>
+            </a:ext>
+          </a:extLst>
+        </p:spPr>
+        <p:txBody>
+          <a:bodyPr vert="horz" wrap="square" lIns="91440" tIns="45720" rIns="91440" bIns="45720" numCol="1" anchor="t" anchorCtr="0" compatLnSpc="1">
+            <a:prstTxWarp prst="textNoShape">
+              <a:avLst/>
+            </a:prstTxWarp>
+          </a:bodyPr>
+          <a:lstStyle/>
+          <a:p>
+            <a:endParaRPr lang="en-GB"/>
+          </a:p>
+        </p:txBody>
+      </p:sp>
+      <p:sp>
+        <p:nvSpPr>
+          <p:cNvPr id="22" name="Line 9">
+            <a:extLst>
+              <a:ext uri="{FF2B5EF4-FFF2-40B4-BE49-F238E27FC236}">
+                <a16:creationId xmlns:a16="http://schemas.microsoft.com/office/drawing/2014/main" id="{FF668DC0-E6EB-4D72-81AC-34C41BB5D615}"/>
+              </a:ext>
+            </a:extLst>
+          </p:cNvPr>
+          <p:cNvSpPr>
+            <a:spLocks noChangeShapeType="1"/>
+          </p:cNvSpPr>
+          <p:nvPr/>
+        </p:nvSpPr>
+        <p:spPr bwMode="auto">
+          <a:xfrm>
+            <a:off x="7097496" y="615455"/>
+            <a:ext cx="1783650" cy="2165861"/>
+          </a:xfrm>
+          <a:prstGeom prst="line">
+            <a:avLst/>
+          </a:prstGeom>
+          <a:noFill/>
+          <a:ln w="9525">
+            <a:solidFill>
+              <a:srgbClr val="000000"/>
+            </a:solidFill>
+            <a:round/>
+            <a:headEnd/>
+            <a:tailEnd type="triangle" w="med" len="med"/>
+          </a:ln>
+          <a:extLst>
+            <a:ext uri="{909E8E84-426E-40DD-AFC4-6F175D3DCCD1}">
+              <a14:hiddenFill xmlns:a14="http://schemas.microsoft.com/office/drawing/2010/main">
+                <a:noFill/>
+              </a14:hiddenFill>
+            </a:ext>
+          </a:extLst>
+        </p:spPr>
+        <p:txBody>
+          <a:bodyPr vert="horz" wrap="square" lIns="91440" tIns="45720" rIns="91440" bIns="45720" numCol="1" anchor="t" anchorCtr="0" compatLnSpc="1">
+            <a:prstTxWarp prst="textNoShape">
+              <a:avLst/>
+            </a:prstTxWarp>
+          </a:bodyPr>
+          <a:lstStyle/>
+          <a:p>
+            <a:endParaRPr lang="en-GB" dirty="0"/>
+          </a:p>
+        </p:txBody>
+      </p:sp>
+      <p:sp>
+        <p:nvSpPr>
+          <p:cNvPr id="23" name="Line 8">
+            <a:extLst>
+              <a:ext uri="{FF2B5EF4-FFF2-40B4-BE49-F238E27FC236}">
+                <a16:creationId xmlns:a16="http://schemas.microsoft.com/office/drawing/2014/main" id="{5B92F2A5-A0EF-4FCC-9F81-8A6B5FAF3D6A}"/>
+              </a:ext>
+            </a:extLst>
+          </p:cNvPr>
+          <p:cNvSpPr>
+            <a:spLocks noChangeShapeType="1"/>
+          </p:cNvSpPr>
+          <p:nvPr/>
+        </p:nvSpPr>
+        <p:spPr bwMode="auto">
+          <a:xfrm flipH="1">
+            <a:off x="6715285" y="2016894"/>
+            <a:ext cx="1019228" cy="509614"/>
+          </a:xfrm>
+          <a:prstGeom prst="line">
+            <a:avLst/>
+          </a:prstGeom>
+          <a:noFill/>
+          <a:ln w="9525">
+            <a:solidFill>
+              <a:srgbClr val="FF0000"/>
+            </a:solidFill>
+            <a:round/>
+            <a:headEnd/>
+            <a:tailEnd type="triangle" w="med" len="med"/>
+          </a:ln>
+          <a:extLst>
+            <a:ext uri="{909E8E84-426E-40DD-AFC4-6F175D3DCCD1}">
+              <a14:hiddenFill xmlns:a14="http://schemas.microsoft.com/office/drawing/2010/main">
+                <a:noFill/>
+              </a14:hiddenFill>
+            </a:ext>
+          </a:extLst>
+        </p:spPr>
+        <p:txBody>
+          <a:bodyPr vert="horz" wrap="square" lIns="91440" tIns="45720" rIns="91440" bIns="45720" numCol="1" anchor="t" anchorCtr="0" compatLnSpc="1">
+            <a:prstTxWarp prst="textNoShape">
+              <a:avLst/>
+            </a:prstTxWarp>
+          </a:bodyPr>
+          <a:lstStyle/>
+          <a:p>
+            <a:endParaRPr lang="en-GB"/>
+          </a:p>
+        </p:txBody>
+      </p:sp>
+      <p:sp>
+        <p:nvSpPr>
+          <p:cNvPr id="24" name="Line 7">
+            <a:extLst>
+              <a:ext uri="{FF2B5EF4-FFF2-40B4-BE49-F238E27FC236}">
+                <a16:creationId xmlns:a16="http://schemas.microsoft.com/office/drawing/2014/main" id="{CCB817B4-F7B2-4959-A556-892CF64F2AAD}"/>
+              </a:ext>
+            </a:extLst>
+          </p:cNvPr>
+          <p:cNvSpPr>
+            <a:spLocks noChangeShapeType="1"/>
+          </p:cNvSpPr>
+          <p:nvPr/>
+        </p:nvSpPr>
+        <p:spPr bwMode="auto">
+          <a:xfrm flipV="1">
+            <a:off x="3748567" y="870262"/>
+            <a:ext cx="1146632" cy="1146632"/>
+          </a:xfrm>
+          <a:prstGeom prst="line">
+            <a:avLst/>
+          </a:prstGeom>
+          <a:noFill/>
+          <a:ln w="9525">
+            <a:solidFill>
+              <a:srgbClr val="339966"/>
+            </a:solidFill>
+            <a:round/>
+            <a:headEnd/>
+            <a:tailEnd type="triangle" w="med" len="med"/>
+          </a:ln>
+          <a:extLst>
+            <a:ext uri="{909E8E84-426E-40DD-AFC4-6F175D3DCCD1}">
+              <a14:hiddenFill xmlns:a14="http://schemas.microsoft.com/office/drawing/2010/main">
+                <a:noFill/>
+              </a14:hiddenFill>
+            </a:ext>
+          </a:extLst>
+        </p:spPr>
+        <p:txBody>
+          <a:bodyPr vert="horz" wrap="square" lIns="91440" tIns="45720" rIns="91440" bIns="45720" numCol="1" anchor="t" anchorCtr="0" compatLnSpc="1">
+            <a:prstTxWarp prst="textNoShape">
+              <a:avLst/>
+            </a:prstTxWarp>
+          </a:bodyPr>
+          <a:lstStyle/>
+          <a:p>
+            <a:endParaRPr lang="en-GB"/>
+          </a:p>
+        </p:txBody>
+      </p:sp>
+      <p:sp>
+        <p:nvSpPr>
+          <p:cNvPr id="25" name="Line 6">
+            <a:extLst>
+              <a:ext uri="{FF2B5EF4-FFF2-40B4-BE49-F238E27FC236}">
+                <a16:creationId xmlns:a16="http://schemas.microsoft.com/office/drawing/2014/main" id="{8D762473-4725-472C-AB25-E2851BDA2DE9}"/>
+              </a:ext>
+            </a:extLst>
+          </p:cNvPr>
+          <p:cNvSpPr>
+            <a:spLocks noChangeShapeType="1"/>
+          </p:cNvSpPr>
+          <p:nvPr/>
+        </p:nvSpPr>
+        <p:spPr bwMode="auto">
+          <a:xfrm flipV="1">
+            <a:off x="4258181" y="1507280"/>
+            <a:ext cx="1146632" cy="509614"/>
+          </a:xfrm>
+          <a:prstGeom prst="line">
+            <a:avLst/>
+          </a:prstGeom>
+          <a:noFill/>
+          <a:ln w="9525">
+            <a:solidFill>
+              <a:srgbClr val="339966"/>
+            </a:solidFill>
+            <a:round/>
+            <a:headEnd/>
+            <a:tailEnd type="triangle" w="med" len="med"/>
+          </a:ln>
+          <a:extLst>
+            <a:ext uri="{909E8E84-426E-40DD-AFC4-6F175D3DCCD1}">
+              <a14:hiddenFill xmlns:a14="http://schemas.microsoft.com/office/drawing/2010/main">
+                <a:noFill/>
+              </a14:hiddenFill>
+            </a:ext>
+          </a:extLst>
+        </p:spPr>
+        <p:txBody>
+          <a:bodyPr vert="horz" wrap="square" lIns="91440" tIns="45720" rIns="91440" bIns="45720" numCol="1" anchor="t" anchorCtr="0" compatLnSpc="1">
+            <a:prstTxWarp prst="textNoShape">
+              <a:avLst/>
+            </a:prstTxWarp>
+          </a:bodyPr>
+          <a:lstStyle/>
+          <a:p>
+            <a:endParaRPr lang="en-GB"/>
+          </a:p>
+        </p:txBody>
+      </p:sp>
+      <p:sp>
+        <p:nvSpPr>
+          <p:cNvPr id="26" name="Line 5">
+            <a:extLst>
+              <a:ext uri="{FF2B5EF4-FFF2-40B4-BE49-F238E27FC236}">
+                <a16:creationId xmlns:a16="http://schemas.microsoft.com/office/drawing/2014/main" id="{33F3A8B0-A0C3-4330-952C-D0007BA3D21E}"/>
+              </a:ext>
+            </a:extLst>
+          </p:cNvPr>
+          <p:cNvSpPr>
+            <a:spLocks noChangeShapeType="1"/>
+          </p:cNvSpPr>
+          <p:nvPr/>
+        </p:nvSpPr>
+        <p:spPr bwMode="auto">
+          <a:xfrm flipV="1">
+            <a:off x="7734514" y="1252473"/>
+            <a:ext cx="1783650" cy="764421"/>
+          </a:xfrm>
+          <a:prstGeom prst="line">
+            <a:avLst/>
+          </a:prstGeom>
+          <a:noFill/>
+          <a:ln w="9525">
+            <a:solidFill>
+              <a:srgbClr val="339966"/>
+            </a:solidFill>
+            <a:round/>
+            <a:headEnd/>
+            <a:tailEnd type="triangle" w="med" len="med"/>
+          </a:ln>
+          <a:extLst>
+            <a:ext uri="{909E8E84-426E-40DD-AFC4-6F175D3DCCD1}">
+              <a14:hiddenFill xmlns:a14="http://schemas.microsoft.com/office/drawing/2010/main">
+                <a:noFill/>
+              </a14:hiddenFill>
+            </a:ext>
+          </a:extLst>
+        </p:spPr>
+        <p:txBody>
+          <a:bodyPr vert="horz" wrap="square" lIns="91440" tIns="45720" rIns="91440" bIns="45720" numCol="1" anchor="t" anchorCtr="0" compatLnSpc="1">
+            <a:prstTxWarp prst="textNoShape">
+              <a:avLst/>
+            </a:prstTxWarp>
+          </a:bodyPr>
+          <a:lstStyle/>
+          <a:p>
+            <a:endParaRPr lang="en-GB"/>
+          </a:p>
+        </p:txBody>
+      </p:sp>
+      <p:sp>
+        <p:nvSpPr>
+          <p:cNvPr id="27" name="Line 4">
+            <a:extLst>
+              <a:ext uri="{FF2B5EF4-FFF2-40B4-BE49-F238E27FC236}">
+                <a16:creationId xmlns:a16="http://schemas.microsoft.com/office/drawing/2014/main" id="{08DB5ED9-4E11-42DC-A183-1F83A61FD1A2}"/>
+              </a:ext>
+            </a:extLst>
+          </p:cNvPr>
+          <p:cNvSpPr>
+            <a:spLocks noChangeShapeType="1"/>
+          </p:cNvSpPr>
+          <p:nvPr/>
+        </p:nvSpPr>
+        <p:spPr bwMode="auto">
+          <a:xfrm flipV="1">
+            <a:off x="8244128" y="1125070"/>
+            <a:ext cx="891825" cy="891825"/>
+          </a:xfrm>
+          <a:prstGeom prst="line">
+            <a:avLst/>
+          </a:prstGeom>
+          <a:noFill/>
+          <a:ln w="9525">
+            <a:solidFill>
+              <a:srgbClr val="339966"/>
+            </a:solidFill>
+            <a:round/>
+            <a:headEnd/>
+            <a:tailEnd type="triangle" w="med" len="med"/>
+          </a:ln>
+          <a:extLst>
+            <a:ext uri="{909E8E84-426E-40DD-AFC4-6F175D3DCCD1}">
+              <a14:hiddenFill xmlns:a14="http://schemas.microsoft.com/office/drawing/2010/main">
+                <a:noFill/>
+              </a14:hiddenFill>
+            </a:ext>
+          </a:extLst>
+        </p:spPr>
+        <p:txBody>
+          <a:bodyPr vert="horz" wrap="square" lIns="91440" tIns="45720" rIns="91440" bIns="45720" numCol="1" anchor="t" anchorCtr="0" compatLnSpc="1">
+            <a:prstTxWarp prst="textNoShape">
+              <a:avLst/>
+            </a:prstTxWarp>
+          </a:bodyPr>
+          <a:lstStyle/>
+          <a:p>
+            <a:endParaRPr lang="en-GB"/>
+          </a:p>
+        </p:txBody>
+      </p:sp>
+      <p:sp>
+        <p:nvSpPr>
+          <p:cNvPr id="28" name="Rectangle 58">
+            <a:extLst>
+              <a:ext uri="{FF2B5EF4-FFF2-40B4-BE49-F238E27FC236}">
+                <a16:creationId xmlns:a16="http://schemas.microsoft.com/office/drawing/2014/main" id="{2E09DD24-CBB3-46CC-88D4-BB6E3DEC8959}"/>
+              </a:ext>
+            </a:extLst>
+          </p:cNvPr>
+          <p:cNvSpPr>
+            <a:spLocks noChangeArrowheads="1"/>
+          </p:cNvSpPr>
+          <p:nvPr/>
+        </p:nvSpPr>
+        <p:spPr bwMode="auto">
+          <a:xfrm>
+            <a:off x="5867400" y="3174423"/>
+            <a:ext cx="12192000" cy="0"/>
+          </a:xfrm>
+          <a:prstGeom prst="rect">
+            <a:avLst/>
+          </a:prstGeom>
+          <a:noFill/>
+          <a:ln>
+            <a:noFill/>
+          </a:ln>
+          <a:effectLst/>
+          <a:extLst>
+            <a:ext uri="{909E8E84-426E-40DD-AFC4-6F175D3DCCD1}">
+              <a14:hiddenFill xmlns:a14="http://schemas.microsoft.com/office/drawing/2010/main">
+                <a:solidFill>
+                  <a:schemeClr val="accent1"/>
+                </a:solidFill>
+              </a14:hiddenFill>
+            </a:ext>
+            <a:ext uri="{91240B29-F687-4F45-9708-019B960494DF}">
+              <a14:hiddenLine xmlns:a14="http://schemas.microsoft.com/office/drawing/2010/main" w="9525">
+                <a:solidFill>
+                  <a:schemeClr val="tx1"/>
+                </a:solidFill>
+                <a:miter lim="800000"/>
+                <a:headEnd/>
+                <a:tailEnd/>
+              </a14:hiddenLine>
+            </a:ext>
+            <a:ext uri="{AF507438-7753-43E0-B8FC-AC1667EBCBE1}">
+              <a14:hiddenEffects xmlns:a14="http://schemas.microsoft.com/office/drawing/2010/main">
+                <a:effectLst>
+                  <a:outerShdw dist="35921" dir="2700000" algn="ctr" rotWithShape="0">
+                    <a:schemeClr val="bg2"/>
+                  </a:outerShdw>
+                </a:effectLst>
+              </a14:hiddenEffects>
+            </a:ext>
+          </a:extLst>
+        </p:spPr>
+        <p:txBody>
+          <a:bodyPr vert="horz" wrap="none" lIns="91440" tIns="45720" rIns="91440" bIns="45720" numCol="1" anchor="ctr" anchorCtr="0" compatLnSpc="1">
+            <a:prstTxWarp prst="textNoShape">
+              <a:avLst/>
+            </a:prstTxWarp>
+            <a:spAutoFit/>
+          </a:bodyPr>
+          <a:lstStyle/>
+          <a:p>
+            <a:endParaRPr lang="en-GB"/>
+          </a:p>
+        </p:txBody>
+      </p:sp>
+      <p:sp>
+        <p:nvSpPr>
+          <p:cNvPr id="31" name="Line 56">
+            <a:extLst>
+              <a:ext uri="{FF2B5EF4-FFF2-40B4-BE49-F238E27FC236}">
+                <a16:creationId xmlns:a16="http://schemas.microsoft.com/office/drawing/2014/main" id="{DB1B032D-5E35-4C54-9A24-9F54AA44154A}"/>
+              </a:ext>
+            </a:extLst>
+          </p:cNvPr>
+          <p:cNvSpPr>
+            <a:spLocks noChangeShapeType="1"/>
+          </p:cNvSpPr>
+          <p:nvPr/>
+        </p:nvSpPr>
+        <p:spPr bwMode="auto">
+          <a:xfrm>
+            <a:off x="3446682" y="4880984"/>
+            <a:ext cx="1911053" cy="885"/>
+          </a:xfrm>
+          <a:prstGeom prst="line">
+            <a:avLst/>
+          </a:prstGeom>
+          <a:noFill/>
+          <a:ln w="9525">
+            <a:solidFill>
+              <a:srgbClr val="000000"/>
+            </a:solidFill>
+            <a:round/>
+            <a:headEnd/>
+            <a:tailEnd/>
+          </a:ln>
+          <a:extLst>
+            <a:ext uri="{909E8E84-426E-40DD-AFC4-6F175D3DCCD1}">
+              <a14:hiddenFill xmlns:a14="http://schemas.microsoft.com/office/drawing/2010/main">
+                <a:noFill/>
+              </a14:hiddenFill>
+            </a:ext>
+          </a:extLst>
+        </p:spPr>
+        <p:txBody>
+          <a:bodyPr vert="horz" wrap="square" lIns="91440" tIns="45720" rIns="91440" bIns="45720" numCol="1" anchor="t" anchorCtr="0" compatLnSpc="1">
+            <a:prstTxWarp prst="textNoShape">
+              <a:avLst/>
+            </a:prstTxWarp>
+          </a:bodyPr>
+          <a:lstStyle/>
+          <a:p>
+            <a:endParaRPr lang="en-GB"/>
+          </a:p>
+        </p:txBody>
+      </p:sp>
+      <p:sp>
+        <p:nvSpPr>
+          <p:cNvPr id="32" name="Line 55">
+            <a:extLst>
+              <a:ext uri="{FF2B5EF4-FFF2-40B4-BE49-F238E27FC236}">
+                <a16:creationId xmlns:a16="http://schemas.microsoft.com/office/drawing/2014/main" id="{6C50B838-2884-49DD-8531-9397E33AB7C8}"/>
+              </a:ext>
+            </a:extLst>
+          </p:cNvPr>
+          <p:cNvSpPr>
+            <a:spLocks noChangeShapeType="1"/>
+          </p:cNvSpPr>
+          <p:nvPr/>
+        </p:nvSpPr>
+        <p:spPr bwMode="auto">
+          <a:xfrm>
+            <a:off x="7177822" y="4880984"/>
+            <a:ext cx="2038457" cy="0"/>
+          </a:xfrm>
+          <a:prstGeom prst="line">
+            <a:avLst/>
+          </a:prstGeom>
+          <a:noFill/>
+          <a:ln w="9525">
+            <a:solidFill>
+              <a:srgbClr val="000000"/>
+            </a:solidFill>
+            <a:round/>
+            <a:headEnd/>
+            <a:tailEnd/>
+          </a:ln>
+          <a:extLst>
+            <a:ext uri="{909E8E84-426E-40DD-AFC4-6F175D3DCCD1}">
+              <a14:hiddenFill xmlns:a14="http://schemas.microsoft.com/office/drawing/2010/main">
+                <a:noFill/>
+              </a14:hiddenFill>
+            </a:ext>
+          </a:extLst>
+        </p:spPr>
+        <p:txBody>
+          <a:bodyPr vert="horz" wrap="square" lIns="91440" tIns="45720" rIns="91440" bIns="45720" numCol="1" anchor="t" anchorCtr="0" compatLnSpc="1">
+            <a:prstTxWarp prst="textNoShape">
+              <a:avLst/>
+            </a:prstTxWarp>
+          </a:bodyPr>
+          <a:lstStyle/>
+          <a:p>
+            <a:endParaRPr lang="en-GB"/>
+          </a:p>
+        </p:txBody>
+      </p:sp>
+      <p:sp>
+        <p:nvSpPr>
+          <p:cNvPr id="33" name="Line 54">
+            <a:extLst>
+              <a:ext uri="{FF2B5EF4-FFF2-40B4-BE49-F238E27FC236}">
+                <a16:creationId xmlns:a16="http://schemas.microsoft.com/office/drawing/2014/main" id="{D0D681F3-5093-4A63-9A54-9B1669D7DDBC}"/>
+              </a:ext>
+            </a:extLst>
+          </p:cNvPr>
+          <p:cNvSpPr>
+            <a:spLocks noChangeShapeType="1"/>
+          </p:cNvSpPr>
+          <p:nvPr/>
+        </p:nvSpPr>
+        <p:spPr bwMode="auto">
+          <a:xfrm flipV="1">
+            <a:off x="4083700" y="3861755"/>
+            <a:ext cx="1401439" cy="1019229"/>
+          </a:xfrm>
+          <a:prstGeom prst="line">
+            <a:avLst/>
+          </a:prstGeom>
+          <a:noFill/>
+          <a:ln w="9525">
+            <a:solidFill>
+              <a:srgbClr val="339966"/>
+            </a:solidFill>
+            <a:round/>
+            <a:headEnd/>
+            <a:tailEnd type="triangle" w="med" len="med"/>
+          </a:ln>
+          <a:extLst>
+            <a:ext uri="{909E8E84-426E-40DD-AFC4-6F175D3DCCD1}">
+              <a14:hiddenFill xmlns:a14="http://schemas.microsoft.com/office/drawing/2010/main">
+                <a:noFill/>
+              </a14:hiddenFill>
+            </a:ext>
+          </a:extLst>
+        </p:spPr>
+        <p:txBody>
+          <a:bodyPr vert="horz" wrap="square" lIns="91440" tIns="45720" rIns="91440" bIns="45720" numCol="1" anchor="t" anchorCtr="0" compatLnSpc="1">
+            <a:prstTxWarp prst="textNoShape">
+              <a:avLst/>
+            </a:prstTxWarp>
+          </a:bodyPr>
+          <a:lstStyle/>
+          <a:p>
+            <a:endParaRPr lang="en-GB"/>
+          </a:p>
+        </p:txBody>
+      </p:sp>
+      <p:sp>
+        <p:nvSpPr>
+          <p:cNvPr id="34" name="Text Box 53">
+            <a:extLst>
+              <a:ext uri="{FF2B5EF4-FFF2-40B4-BE49-F238E27FC236}">
+                <a16:creationId xmlns:a16="http://schemas.microsoft.com/office/drawing/2014/main" id="{3BBADA36-859B-4F85-989E-F63B21890E67}"/>
+              </a:ext>
+            </a:extLst>
+          </p:cNvPr>
+          <p:cNvSpPr txBox="1">
+            <a:spLocks noChangeArrowheads="1"/>
+          </p:cNvSpPr>
+          <p:nvPr/>
+        </p:nvSpPr>
+        <p:spPr bwMode="auto">
+          <a:xfrm>
+            <a:off x="3701489" y="3761766"/>
+            <a:ext cx="254807" cy="254807"/>
+          </a:xfrm>
+          <a:prstGeom prst="rect">
+            <a:avLst/>
+          </a:prstGeom>
+          <a:noFill/>
+          <a:ln>
+            <a:noFill/>
+          </a:ln>
+          <a:extLst>
+            <a:ext uri="{909E8E84-426E-40DD-AFC4-6F175D3DCCD1}">
+              <a14:hiddenFill xmlns:a14="http://schemas.microsoft.com/office/drawing/2010/main">
+                <a:solidFill>
+                  <a:srgbClr val="FFFFFF"/>
+                </a:solidFill>
+              </a14:hiddenFill>
+            </a:ext>
+            <a:ext uri="{91240B29-F687-4F45-9708-019B960494DF}">
+              <a14:hiddenLine xmlns:a14="http://schemas.microsoft.com/office/drawing/2010/main" w="9525">
+                <a:solidFill>
+                  <a:srgbClr val="000000"/>
+                </a:solidFill>
+                <a:miter lim="800000"/>
+                <a:headEnd/>
+                <a:tailEnd/>
+              </a14:hiddenLine>
+            </a:ext>
+          </a:extLst>
+        </p:spPr>
+        <p:txBody>
+          <a:bodyPr vert="horz" wrap="square" lIns="91440" tIns="45720" rIns="91440" bIns="45720" numCol="1" anchor="t" anchorCtr="0" compatLnSpc="1">
+            <a:prstTxWarp prst="textNoShape">
+              <a:avLst/>
+            </a:prstTxWarp>
+          </a:bodyPr>
+          <a:lstStyle/>
+          <a:p>
+            <a:endParaRPr lang="en-GB"/>
+          </a:p>
+        </p:txBody>
+      </p:sp>
+      <p:sp>
+        <p:nvSpPr>
+          <p:cNvPr id="35" name="Text Box 52">
+            <a:extLst>
+              <a:ext uri="{FF2B5EF4-FFF2-40B4-BE49-F238E27FC236}">
+                <a16:creationId xmlns:a16="http://schemas.microsoft.com/office/drawing/2014/main" id="{E33241CC-2B2D-4620-BD73-904EA13103D2}"/>
+              </a:ext>
+            </a:extLst>
+          </p:cNvPr>
+          <p:cNvSpPr txBox="1">
+            <a:spLocks noChangeArrowheads="1"/>
+          </p:cNvSpPr>
+          <p:nvPr/>
+        </p:nvSpPr>
+        <p:spPr bwMode="auto">
+          <a:xfrm>
+            <a:off x="5102929" y="4116562"/>
+            <a:ext cx="254807" cy="254807"/>
+          </a:xfrm>
+          <a:prstGeom prst="rect">
+            <a:avLst/>
+          </a:prstGeom>
+          <a:noFill/>
+          <a:ln>
+            <a:noFill/>
+          </a:ln>
+          <a:extLst>
+            <a:ext uri="{909E8E84-426E-40DD-AFC4-6F175D3DCCD1}">
+              <a14:hiddenFill xmlns:a14="http://schemas.microsoft.com/office/drawing/2010/main">
+                <a:solidFill>
+                  <a:srgbClr val="FFFFFF"/>
+                </a:solidFill>
+              </a14:hiddenFill>
+            </a:ext>
+            <a:ext uri="{91240B29-F687-4F45-9708-019B960494DF}">
+              <a14:hiddenLine xmlns:a14="http://schemas.microsoft.com/office/drawing/2010/main" w="9525">
+                <a:solidFill>
+                  <a:srgbClr val="000000"/>
+                </a:solidFill>
+                <a:miter lim="800000"/>
+                <a:headEnd/>
+                <a:tailEnd/>
+              </a14:hiddenLine>
+            </a:ext>
+          </a:extLst>
+        </p:spPr>
+        <p:txBody>
+          <a:bodyPr vert="horz" wrap="square" lIns="91440" tIns="45720" rIns="91440" bIns="45720" numCol="1" anchor="t" anchorCtr="0" compatLnSpc="1">
+            <a:prstTxWarp prst="textNoShape">
+              <a:avLst/>
+            </a:prstTxWarp>
+          </a:bodyPr>
+          <a:lstStyle/>
+          <a:p>
+            <a:endParaRPr lang="en-GB"/>
+          </a:p>
+        </p:txBody>
+      </p:sp>
+      <p:sp>
+        <p:nvSpPr>
+          <p:cNvPr id="36" name="Text Box 51">
+            <a:extLst>
+              <a:ext uri="{FF2B5EF4-FFF2-40B4-BE49-F238E27FC236}">
+                <a16:creationId xmlns:a16="http://schemas.microsoft.com/office/drawing/2014/main" id="{F8973DB3-53FD-4F43-816D-969921D0D99A}"/>
+              </a:ext>
+            </a:extLst>
+          </p:cNvPr>
+          <p:cNvSpPr txBox="1">
+            <a:spLocks noChangeArrowheads="1"/>
+          </p:cNvSpPr>
+          <p:nvPr/>
+        </p:nvSpPr>
+        <p:spPr bwMode="auto">
+          <a:xfrm>
+            <a:off x="7814839" y="4016573"/>
+            <a:ext cx="382211" cy="254807"/>
+          </a:xfrm>
+          <a:prstGeom prst="rect">
+            <a:avLst/>
+          </a:prstGeom>
+          <a:noFill/>
+          <a:ln>
+            <a:noFill/>
+          </a:ln>
+          <a:extLst>
+            <a:ext uri="{909E8E84-426E-40DD-AFC4-6F175D3DCCD1}">
+              <a14:hiddenFill xmlns:a14="http://schemas.microsoft.com/office/drawing/2010/main">
+                <a:solidFill>
+                  <a:srgbClr val="FFFFFF"/>
+                </a:solidFill>
+              </a14:hiddenFill>
+            </a:ext>
+            <a:ext uri="{91240B29-F687-4F45-9708-019B960494DF}">
+              <a14:hiddenLine xmlns:a14="http://schemas.microsoft.com/office/drawing/2010/main" w="9525">
+                <a:solidFill>
+                  <a:srgbClr val="000000"/>
+                </a:solidFill>
+                <a:miter lim="800000"/>
+                <a:headEnd/>
+                <a:tailEnd/>
+              </a14:hiddenLine>
+            </a:ext>
+          </a:extLst>
+        </p:spPr>
+        <p:txBody>
+          <a:bodyPr vert="horz" wrap="square" lIns="91440" tIns="45720" rIns="91440" bIns="45720" numCol="1" anchor="t" anchorCtr="0" compatLnSpc="1">
+            <a:prstTxWarp prst="textNoShape">
+              <a:avLst/>
+            </a:prstTxWarp>
+          </a:bodyPr>
+          <a:lstStyle/>
+          <a:p>
+            <a:endParaRPr lang="en-GB"/>
+          </a:p>
+        </p:txBody>
+      </p:sp>
+      <p:sp>
+        <p:nvSpPr>
+          <p:cNvPr id="37" name="Text Box 50">
+            <a:extLst>
+              <a:ext uri="{FF2B5EF4-FFF2-40B4-BE49-F238E27FC236}">
+                <a16:creationId xmlns:a16="http://schemas.microsoft.com/office/drawing/2014/main" id="{F0B3A113-AE2F-4B1C-991B-1C2A70F09DE1}"/>
+              </a:ext>
+            </a:extLst>
+          </p:cNvPr>
+          <p:cNvSpPr txBox="1">
+            <a:spLocks noChangeArrowheads="1"/>
+          </p:cNvSpPr>
+          <p:nvPr/>
+        </p:nvSpPr>
+        <p:spPr bwMode="auto">
+          <a:xfrm>
+            <a:off x="7432629" y="5390598"/>
+            <a:ext cx="382211" cy="382211"/>
+          </a:xfrm>
+          <a:prstGeom prst="rect">
+            <a:avLst/>
+          </a:prstGeom>
+          <a:noFill/>
+          <a:ln>
+            <a:noFill/>
+          </a:ln>
+          <a:extLst>
+            <a:ext uri="{909E8E84-426E-40DD-AFC4-6F175D3DCCD1}">
+              <a14:hiddenFill xmlns:a14="http://schemas.microsoft.com/office/drawing/2010/main">
+                <a:solidFill>
+                  <a:srgbClr val="FFFFFF"/>
+                </a:solidFill>
+              </a14:hiddenFill>
+            </a:ext>
+            <a:ext uri="{91240B29-F687-4F45-9708-019B960494DF}">
+              <a14:hiddenLine xmlns:a14="http://schemas.microsoft.com/office/drawing/2010/main" w="9525">
+                <a:solidFill>
+                  <a:srgbClr val="000000"/>
+                </a:solidFill>
+                <a:miter lim="800000"/>
+                <a:headEnd/>
+                <a:tailEnd/>
+              </a14:hiddenLine>
+            </a:ext>
+          </a:extLst>
+        </p:spPr>
+        <p:txBody>
+          <a:bodyPr vert="horz" wrap="square" lIns="91440" tIns="45720" rIns="91440" bIns="45720" numCol="1" anchor="t" anchorCtr="0" compatLnSpc="1">
+            <a:prstTxWarp prst="textNoShape">
+              <a:avLst/>
+            </a:prstTxWarp>
+          </a:bodyPr>
+          <a:lstStyle/>
+          <a:p>
+            <a:endParaRPr lang="en-GB"/>
+          </a:p>
+        </p:txBody>
+      </p:sp>
+      <p:sp>
+        <p:nvSpPr>
+          <p:cNvPr id="40" name="Line 47">
+            <a:extLst>
+              <a:ext uri="{FF2B5EF4-FFF2-40B4-BE49-F238E27FC236}">
+                <a16:creationId xmlns:a16="http://schemas.microsoft.com/office/drawing/2014/main" id="{C7B0BFC0-252F-45FC-9214-C88C20E417EC}"/>
+              </a:ext>
+            </a:extLst>
+          </p:cNvPr>
+          <p:cNvSpPr>
+            <a:spLocks noChangeShapeType="1"/>
+          </p:cNvSpPr>
+          <p:nvPr/>
+        </p:nvSpPr>
+        <p:spPr bwMode="auto">
+          <a:xfrm>
+            <a:off x="3446682" y="3989159"/>
+            <a:ext cx="637018" cy="891825"/>
+          </a:xfrm>
+          <a:prstGeom prst="line">
+            <a:avLst/>
+          </a:prstGeom>
+          <a:noFill/>
+          <a:ln w="9525">
+            <a:solidFill>
+              <a:srgbClr val="000000"/>
+            </a:solidFill>
+            <a:round/>
+            <a:headEnd/>
+            <a:tailEnd/>
+          </a:ln>
+          <a:extLst>
+            <a:ext uri="{909E8E84-426E-40DD-AFC4-6F175D3DCCD1}">
+              <a14:hiddenFill xmlns:a14="http://schemas.microsoft.com/office/drawing/2010/main">
+                <a:noFill/>
+              </a14:hiddenFill>
+            </a:ext>
+          </a:extLst>
+        </p:spPr>
+        <p:txBody>
+          <a:bodyPr vert="horz" wrap="square" lIns="91440" tIns="45720" rIns="91440" bIns="45720" numCol="1" anchor="t" anchorCtr="0" compatLnSpc="1">
+            <a:prstTxWarp prst="textNoShape">
+              <a:avLst/>
+            </a:prstTxWarp>
+          </a:bodyPr>
+          <a:lstStyle/>
+          <a:p>
+            <a:endParaRPr lang="en-GB"/>
+          </a:p>
+        </p:txBody>
+      </p:sp>
+      <p:sp>
+        <p:nvSpPr>
+          <p:cNvPr id="41" name="Line 46">
+            <a:extLst>
+              <a:ext uri="{FF2B5EF4-FFF2-40B4-BE49-F238E27FC236}">
+                <a16:creationId xmlns:a16="http://schemas.microsoft.com/office/drawing/2014/main" id="{320275BF-D01A-4C49-BE5E-1F4A457628FB}"/>
+              </a:ext>
+            </a:extLst>
+          </p:cNvPr>
+          <p:cNvSpPr>
+            <a:spLocks noChangeShapeType="1"/>
+          </p:cNvSpPr>
+          <p:nvPr/>
+        </p:nvSpPr>
+        <p:spPr bwMode="auto">
+          <a:xfrm>
+            <a:off x="4083700" y="4880984"/>
+            <a:ext cx="891825" cy="1274036"/>
+          </a:xfrm>
+          <a:prstGeom prst="line">
+            <a:avLst/>
+          </a:prstGeom>
+          <a:noFill/>
+          <a:ln w="9525">
+            <a:solidFill>
+              <a:srgbClr val="000000"/>
+            </a:solidFill>
+            <a:prstDash val="dash"/>
+            <a:round/>
+            <a:headEnd/>
+            <a:tailEnd type="triangle" w="med" len="med"/>
+          </a:ln>
+          <a:extLst>
+            <a:ext uri="{909E8E84-426E-40DD-AFC4-6F175D3DCCD1}">
+              <a14:hiddenFill xmlns:a14="http://schemas.microsoft.com/office/drawing/2010/main">
+                <a:noFill/>
+              </a14:hiddenFill>
+            </a:ext>
+          </a:extLst>
+        </p:spPr>
+        <p:txBody>
+          <a:bodyPr vert="horz" wrap="square" lIns="91440" tIns="45720" rIns="91440" bIns="45720" numCol="1" anchor="t" anchorCtr="0" compatLnSpc="1">
+            <a:prstTxWarp prst="textNoShape">
+              <a:avLst/>
+            </a:prstTxWarp>
+          </a:bodyPr>
+          <a:lstStyle/>
+          <a:p>
+            <a:endParaRPr lang="en-GB"/>
+          </a:p>
+        </p:txBody>
+      </p:sp>
+      <p:sp>
+        <p:nvSpPr>
+          <p:cNvPr id="42" name="Line 45">
+            <a:extLst>
+              <a:ext uri="{FF2B5EF4-FFF2-40B4-BE49-F238E27FC236}">
+                <a16:creationId xmlns:a16="http://schemas.microsoft.com/office/drawing/2014/main" id="{F220BE6F-F394-46CB-B3AD-DA32FCCA554A}"/>
+              </a:ext>
+            </a:extLst>
+          </p:cNvPr>
+          <p:cNvSpPr>
+            <a:spLocks noChangeShapeType="1"/>
+          </p:cNvSpPr>
+          <p:nvPr/>
+        </p:nvSpPr>
+        <p:spPr bwMode="auto">
+          <a:xfrm>
+            <a:off x="4083700" y="3734351"/>
+            <a:ext cx="382211" cy="1146632"/>
+          </a:xfrm>
+          <a:prstGeom prst="line">
+            <a:avLst/>
+          </a:prstGeom>
+          <a:noFill/>
+          <a:ln w="9525">
+            <a:solidFill>
+              <a:srgbClr val="000000"/>
+            </a:solidFill>
+            <a:round/>
+            <a:headEnd/>
+            <a:tailEnd/>
+          </a:ln>
+          <a:extLst>
+            <a:ext uri="{909E8E84-426E-40DD-AFC4-6F175D3DCCD1}">
+              <a14:hiddenFill xmlns:a14="http://schemas.microsoft.com/office/drawing/2010/main">
+                <a:noFill/>
+              </a14:hiddenFill>
+            </a:ext>
+          </a:extLst>
+        </p:spPr>
+        <p:txBody>
+          <a:bodyPr vert="horz" wrap="square" lIns="91440" tIns="45720" rIns="91440" bIns="45720" numCol="1" anchor="t" anchorCtr="0" compatLnSpc="1">
+            <a:prstTxWarp prst="textNoShape">
+              <a:avLst/>
+            </a:prstTxWarp>
+          </a:bodyPr>
+          <a:lstStyle/>
+          <a:p>
+            <a:endParaRPr lang="en-GB"/>
+          </a:p>
+        </p:txBody>
+      </p:sp>
+      <p:sp>
+        <p:nvSpPr>
+          <p:cNvPr id="43" name="Line 44">
+            <a:extLst>
+              <a:ext uri="{FF2B5EF4-FFF2-40B4-BE49-F238E27FC236}">
+                <a16:creationId xmlns:a16="http://schemas.microsoft.com/office/drawing/2014/main" id="{EE140C20-7EAC-40FB-9086-A715046D86E4}"/>
+              </a:ext>
+            </a:extLst>
+          </p:cNvPr>
+          <p:cNvSpPr>
+            <a:spLocks noChangeShapeType="1"/>
+          </p:cNvSpPr>
+          <p:nvPr/>
+        </p:nvSpPr>
+        <p:spPr bwMode="auto">
+          <a:xfrm>
+            <a:off x="4465911" y="4880984"/>
+            <a:ext cx="382211" cy="1274036"/>
+          </a:xfrm>
+          <a:prstGeom prst="line">
+            <a:avLst/>
+          </a:prstGeom>
+          <a:noFill/>
+          <a:ln w="9525">
+            <a:solidFill>
+              <a:srgbClr val="000000"/>
+            </a:solidFill>
+            <a:prstDash val="dash"/>
+            <a:round/>
+            <a:headEnd/>
+            <a:tailEnd type="triangle" w="med" len="med"/>
+          </a:ln>
+          <a:extLst>
+            <a:ext uri="{909E8E84-426E-40DD-AFC4-6F175D3DCCD1}">
+              <a14:hiddenFill xmlns:a14="http://schemas.microsoft.com/office/drawing/2010/main">
+                <a:noFill/>
+              </a14:hiddenFill>
+            </a:ext>
+          </a:extLst>
+        </p:spPr>
+        <p:txBody>
+          <a:bodyPr vert="horz" wrap="square" lIns="91440" tIns="45720" rIns="91440" bIns="45720" numCol="1" anchor="t" anchorCtr="0" compatLnSpc="1">
+            <a:prstTxWarp prst="textNoShape">
+              <a:avLst/>
+            </a:prstTxWarp>
+          </a:bodyPr>
+          <a:lstStyle/>
+          <a:p>
+            <a:endParaRPr lang="en-GB"/>
+          </a:p>
+        </p:txBody>
+      </p:sp>
+      <p:sp>
+        <p:nvSpPr>
+          <p:cNvPr id="44" name="Line 43">
+            <a:extLst>
+              <a:ext uri="{FF2B5EF4-FFF2-40B4-BE49-F238E27FC236}">
+                <a16:creationId xmlns:a16="http://schemas.microsoft.com/office/drawing/2014/main" id="{5D0AA9E6-FBE3-42AE-93E3-364DBF256BED}"/>
+              </a:ext>
+            </a:extLst>
+          </p:cNvPr>
+          <p:cNvSpPr>
+            <a:spLocks noChangeShapeType="1"/>
+          </p:cNvSpPr>
+          <p:nvPr/>
+        </p:nvSpPr>
+        <p:spPr bwMode="auto">
+          <a:xfrm flipH="1">
+            <a:off x="3064472" y="4880984"/>
+            <a:ext cx="1019228" cy="764421"/>
+          </a:xfrm>
+          <a:prstGeom prst="line">
+            <a:avLst/>
+          </a:prstGeom>
+          <a:noFill/>
+          <a:ln w="9525">
+            <a:solidFill>
+              <a:srgbClr val="FF0000"/>
+            </a:solidFill>
+            <a:round/>
+            <a:headEnd/>
+            <a:tailEnd type="triangle" w="med" len="med"/>
+          </a:ln>
+          <a:extLst>
+            <a:ext uri="{909E8E84-426E-40DD-AFC4-6F175D3DCCD1}">
+              <a14:hiddenFill xmlns:a14="http://schemas.microsoft.com/office/drawing/2010/main">
+                <a:noFill/>
+              </a14:hiddenFill>
+            </a:ext>
+          </a:extLst>
+        </p:spPr>
+        <p:txBody>
+          <a:bodyPr vert="horz" wrap="square" lIns="91440" tIns="45720" rIns="91440" bIns="45720" numCol="1" anchor="t" anchorCtr="0" compatLnSpc="1">
+            <a:prstTxWarp prst="textNoShape">
+              <a:avLst/>
+            </a:prstTxWarp>
+          </a:bodyPr>
+          <a:lstStyle/>
+          <a:p>
+            <a:endParaRPr lang="en-GB"/>
+          </a:p>
+        </p:txBody>
+      </p:sp>
+      <p:sp>
+        <p:nvSpPr>
+          <p:cNvPr id="45" name="Line 42">
+            <a:extLst>
+              <a:ext uri="{FF2B5EF4-FFF2-40B4-BE49-F238E27FC236}">
+                <a16:creationId xmlns:a16="http://schemas.microsoft.com/office/drawing/2014/main" id="{4A704C89-44A6-41E7-9D7F-DA036E148D5A}"/>
+              </a:ext>
+            </a:extLst>
+          </p:cNvPr>
+          <p:cNvSpPr>
+            <a:spLocks noChangeShapeType="1"/>
+          </p:cNvSpPr>
+          <p:nvPr/>
+        </p:nvSpPr>
+        <p:spPr bwMode="auto">
+          <a:xfrm flipH="1">
+            <a:off x="2809665" y="4880984"/>
+            <a:ext cx="1656246" cy="764421"/>
+          </a:xfrm>
+          <a:prstGeom prst="line">
+            <a:avLst/>
+          </a:prstGeom>
+          <a:noFill/>
+          <a:ln w="9525">
+            <a:solidFill>
+              <a:srgbClr val="FF0000"/>
+            </a:solidFill>
+            <a:round/>
+            <a:headEnd/>
+            <a:tailEnd type="triangle" w="med" len="med"/>
+          </a:ln>
+          <a:extLst>
+            <a:ext uri="{909E8E84-426E-40DD-AFC4-6F175D3DCCD1}">
+              <a14:hiddenFill xmlns:a14="http://schemas.microsoft.com/office/drawing/2010/main">
+                <a:noFill/>
+              </a14:hiddenFill>
+            </a:ext>
+          </a:extLst>
+        </p:spPr>
+        <p:txBody>
+          <a:bodyPr vert="horz" wrap="square" lIns="91440" tIns="45720" rIns="91440" bIns="45720" numCol="1" anchor="t" anchorCtr="0" compatLnSpc="1">
+            <a:prstTxWarp prst="textNoShape">
+              <a:avLst/>
+            </a:prstTxWarp>
+          </a:bodyPr>
+          <a:lstStyle/>
+          <a:p>
+            <a:endParaRPr lang="en-GB"/>
+          </a:p>
+        </p:txBody>
+      </p:sp>
+      <p:sp>
+        <p:nvSpPr>
+          <p:cNvPr id="46" name="Line 41">
+            <a:extLst>
+              <a:ext uri="{FF2B5EF4-FFF2-40B4-BE49-F238E27FC236}">
+                <a16:creationId xmlns:a16="http://schemas.microsoft.com/office/drawing/2014/main" id="{470918BC-666B-480C-848A-858B9D9C8C6A}"/>
+              </a:ext>
+            </a:extLst>
+          </p:cNvPr>
+          <p:cNvSpPr>
+            <a:spLocks noChangeShapeType="1"/>
+          </p:cNvSpPr>
+          <p:nvPr/>
+        </p:nvSpPr>
+        <p:spPr bwMode="auto">
+          <a:xfrm flipV="1">
+            <a:off x="4465911" y="4371369"/>
+            <a:ext cx="1146632" cy="509614"/>
+          </a:xfrm>
+          <a:prstGeom prst="line">
+            <a:avLst/>
+          </a:prstGeom>
+          <a:noFill/>
+          <a:ln w="9525">
+            <a:solidFill>
+              <a:srgbClr val="339966"/>
+            </a:solidFill>
+            <a:round/>
+            <a:headEnd/>
+            <a:tailEnd type="triangle" w="med" len="med"/>
+          </a:ln>
+          <a:extLst>
+            <a:ext uri="{909E8E84-426E-40DD-AFC4-6F175D3DCCD1}">
+              <a14:hiddenFill xmlns:a14="http://schemas.microsoft.com/office/drawing/2010/main">
+                <a:noFill/>
+              </a14:hiddenFill>
+            </a:ext>
+          </a:extLst>
+        </p:spPr>
+        <p:txBody>
+          <a:bodyPr vert="horz" wrap="square" lIns="91440" tIns="45720" rIns="91440" bIns="45720" numCol="1" anchor="t" anchorCtr="0" compatLnSpc="1">
+            <a:prstTxWarp prst="textNoShape">
+              <a:avLst/>
+            </a:prstTxWarp>
+          </a:bodyPr>
+          <a:lstStyle/>
+          <a:p>
+            <a:endParaRPr lang="en-GB"/>
+          </a:p>
+        </p:txBody>
+      </p:sp>
+      <p:sp>
+        <p:nvSpPr>
+          <p:cNvPr id="47" name="Line 40">
+            <a:extLst>
+              <a:ext uri="{FF2B5EF4-FFF2-40B4-BE49-F238E27FC236}">
+                <a16:creationId xmlns:a16="http://schemas.microsoft.com/office/drawing/2014/main" id="{89E4C087-B903-4AD2-9325-6E25B27C21D1}"/>
+              </a:ext>
+            </a:extLst>
+          </p:cNvPr>
+          <p:cNvSpPr>
+            <a:spLocks noChangeShapeType="1"/>
+          </p:cNvSpPr>
+          <p:nvPr/>
+        </p:nvSpPr>
+        <p:spPr bwMode="auto">
+          <a:xfrm>
+            <a:off x="7177822" y="3734351"/>
+            <a:ext cx="764421" cy="1146632"/>
+          </a:xfrm>
+          <a:prstGeom prst="line">
+            <a:avLst/>
+          </a:prstGeom>
+          <a:noFill/>
+          <a:ln w="9525">
+            <a:solidFill>
+              <a:srgbClr val="000000"/>
+            </a:solidFill>
+            <a:round/>
+            <a:headEnd/>
+            <a:tailEnd/>
+          </a:ln>
+          <a:extLst>
+            <a:ext uri="{909E8E84-426E-40DD-AFC4-6F175D3DCCD1}">
+              <a14:hiddenFill xmlns:a14="http://schemas.microsoft.com/office/drawing/2010/main">
+                <a:noFill/>
+              </a14:hiddenFill>
+            </a:ext>
+          </a:extLst>
+        </p:spPr>
+        <p:txBody>
+          <a:bodyPr vert="horz" wrap="square" lIns="91440" tIns="45720" rIns="91440" bIns="45720" numCol="1" anchor="t" anchorCtr="0" compatLnSpc="1">
+            <a:prstTxWarp prst="textNoShape">
+              <a:avLst/>
+            </a:prstTxWarp>
+          </a:bodyPr>
+          <a:lstStyle/>
+          <a:p>
+            <a:endParaRPr lang="en-GB"/>
+          </a:p>
+        </p:txBody>
+      </p:sp>
+      <p:sp>
+        <p:nvSpPr>
+          <p:cNvPr id="48" name="Line 39">
+            <a:extLst>
+              <a:ext uri="{FF2B5EF4-FFF2-40B4-BE49-F238E27FC236}">
+                <a16:creationId xmlns:a16="http://schemas.microsoft.com/office/drawing/2014/main" id="{07FA07CA-1566-4364-A54D-1A5B497EA5B9}"/>
+              </a:ext>
+            </a:extLst>
+          </p:cNvPr>
+          <p:cNvSpPr>
+            <a:spLocks noChangeShapeType="1"/>
+          </p:cNvSpPr>
+          <p:nvPr/>
+        </p:nvSpPr>
+        <p:spPr bwMode="auto">
+          <a:xfrm>
+            <a:off x="7942243" y="4880984"/>
+            <a:ext cx="764421" cy="1146632"/>
+          </a:xfrm>
+          <a:prstGeom prst="line">
+            <a:avLst/>
+          </a:prstGeom>
+          <a:noFill/>
+          <a:ln w="9525">
+            <a:solidFill>
+              <a:srgbClr val="000000"/>
+            </a:solidFill>
+            <a:prstDash val="dash"/>
+            <a:round/>
+            <a:headEnd/>
+            <a:tailEnd type="triangle" w="med" len="med"/>
+          </a:ln>
+          <a:extLst>
+            <a:ext uri="{909E8E84-426E-40DD-AFC4-6F175D3DCCD1}">
+              <a14:hiddenFill xmlns:a14="http://schemas.microsoft.com/office/drawing/2010/main">
+                <a:noFill/>
+              </a14:hiddenFill>
+            </a:ext>
+          </a:extLst>
+        </p:spPr>
+        <p:txBody>
+          <a:bodyPr vert="horz" wrap="square" lIns="91440" tIns="45720" rIns="91440" bIns="45720" numCol="1" anchor="t" anchorCtr="0" compatLnSpc="1">
+            <a:prstTxWarp prst="textNoShape">
+              <a:avLst/>
+            </a:prstTxWarp>
+          </a:bodyPr>
+          <a:lstStyle/>
+          <a:p>
+            <a:endParaRPr lang="en-GB"/>
+          </a:p>
+        </p:txBody>
+      </p:sp>
+      <p:sp>
+        <p:nvSpPr>
+          <p:cNvPr id="49" name="Line 38">
+            <a:extLst>
+              <a:ext uri="{FF2B5EF4-FFF2-40B4-BE49-F238E27FC236}">
+                <a16:creationId xmlns:a16="http://schemas.microsoft.com/office/drawing/2014/main" id="{CA6F931B-9A84-41DC-B26E-D2B2EFAA31F4}"/>
+              </a:ext>
+            </a:extLst>
+          </p:cNvPr>
+          <p:cNvSpPr>
+            <a:spLocks noChangeShapeType="1"/>
+          </p:cNvSpPr>
+          <p:nvPr/>
+        </p:nvSpPr>
+        <p:spPr bwMode="auto">
+          <a:xfrm>
+            <a:off x="6795611" y="4116562"/>
+            <a:ext cx="891825" cy="764421"/>
+          </a:xfrm>
+          <a:prstGeom prst="line">
+            <a:avLst/>
+          </a:prstGeom>
+          <a:noFill/>
+          <a:ln w="9525">
+            <a:solidFill>
+              <a:srgbClr val="000000"/>
+            </a:solidFill>
+            <a:round/>
+            <a:headEnd/>
+            <a:tailEnd/>
+          </a:ln>
+          <a:extLst>
+            <a:ext uri="{909E8E84-426E-40DD-AFC4-6F175D3DCCD1}">
+              <a14:hiddenFill xmlns:a14="http://schemas.microsoft.com/office/drawing/2010/main">
+                <a:noFill/>
+              </a14:hiddenFill>
+            </a:ext>
+          </a:extLst>
+        </p:spPr>
+        <p:txBody>
+          <a:bodyPr vert="horz" wrap="square" lIns="91440" tIns="45720" rIns="91440" bIns="45720" numCol="1" anchor="t" anchorCtr="0" compatLnSpc="1">
+            <a:prstTxWarp prst="textNoShape">
+              <a:avLst/>
+            </a:prstTxWarp>
+          </a:bodyPr>
+          <a:lstStyle/>
+          <a:p>
+            <a:endParaRPr lang="en-GB"/>
+          </a:p>
+        </p:txBody>
+      </p:sp>
+      <p:sp>
+        <p:nvSpPr>
+          <p:cNvPr id="50" name="Line 37">
+            <a:extLst>
+              <a:ext uri="{FF2B5EF4-FFF2-40B4-BE49-F238E27FC236}">
+                <a16:creationId xmlns:a16="http://schemas.microsoft.com/office/drawing/2014/main" id="{7512BECA-9DFF-439C-B2EE-E81006072570}"/>
+              </a:ext>
+            </a:extLst>
+          </p:cNvPr>
+          <p:cNvSpPr>
+            <a:spLocks noChangeShapeType="1"/>
+          </p:cNvSpPr>
+          <p:nvPr/>
+        </p:nvSpPr>
+        <p:spPr bwMode="auto">
+          <a:xfrm>
+            <a:off x="7687436" y="4880984"/>
+            <a:ext cx="1274036" cy="1019229"/>
+          </a:xfrm>
+          <a:prstGeom prst="line">
+            <a:avLst/>
+          </a:prstGeom>
+          <a:noFill/>
+          <a:ln w="9525">
+            <a:solidFill>
+              <a:srgbClr val="000000"/>
+            </a:solidFill>
+            <a:prstDash val="dash"/>
+            <a:round/>
+            <a:headEnd/>
+            <a:tailEnd type="triangle" w="med" len="med"/>
+          </a:ln>
+          <a:extLst>
+            <a:ext uri="{909E8E84-426E-40DD-AFC4-6F175D3DCCD1}">
+              <a14:hiddenFill xmlns:a14="http://schemas.microsoft.com/office/drawing/2010/main">
+                <a:noFill/>
+              </a14:hiddenFill>
+            </a:ext>
+          </a:extLst>
+        </p:spPr>
+        <p:txBody>
+          <a:bodyPr vert="horz" wrap="square" lIns="91440" tIns="45720" rIns="91440" bIns="45720" numCol="1" anchor="t" anchorCtr="0" compatLnSpc="1">
+            <a:prstTxWarp prst="textNoShape">
+              <a:avLst/>
+            </a:prstTxWarp>
+          </a:bodyPr>
+          <a:lstStyle/>
+          <a:p>
+            <a:endParaRPr lang="en-GB"/>
+          </a:p>
+        </p:txBody>
+      </p:sp>
+      <p:sp>
+        <p:nvSpPr>
+          <p:cNvPr id="51" name="Line 36">
+            <a:extLst>
+              <a:ext uri="{FF2B5EF4-FFF2-40B4-BE49-F238E27FC236}">
+                <a16:creationId xmlns:a16="http://schemas.microsoft.com/office/drawing/2014/main" id="{2F2C91F6-BA7B-4F7F-9B2C-2409B522F918}"/>
+              </a:ext>
+            </a:extLst>
+          </p:cNvPr>
+          <p:cNvSpPr>
+            <a:spLocks noChangeShapeType="1"/>
+          </p:cNvSpPr>
+          <p:nvPr/>
+        </p:nvSpPr>
+        <p:spPr bwMode="auto">
+          <a:xfrm flipH="1">
+            <a:off x="6795611" y="4880984"/>
+            <a:ext cx="891825" cy="637018"/>
+          </a:xfrm>
+          <a:prstGeom prst="line">
+            <a:avLst/>
+          </a:prstGeom>
+          <a:noFill/>
+          <a:ln w="9525">
+            <a:solidFill>
+              <a:srgbClr val="FF0000"/>
+            </a:solidFill>
+            <a:round/>
+            <a:headEnd/>
+            <a:tailEnd type="triangle" w="med" len="med"/>
+          </a:ln>
+          <a:extLst>
+            <a:ext uri="{909E8E84-426E-40DD-AFC4-6F175D3DCCD1}">
+              <a14:hiddenFill xmlns:a14="http://schemas.microsoft.com/office/drawing/2010/main">
+                <a:noFill/>
+              </a14:hiddenFill>
+            </a:ext>
+          </a:extLst>
+        </p:spPr>
+        <p:txBody>
+          <a:bodyPr vert="horz" wrap="square" lIns="91440" tIns="45720" rIns="91440" bIns="45720" numCol="1" anchor="t" anchorCtr="0" compatLnSpc="1">
+            <a:prstTxWarp prst="textNoShape">
+              <a:avLst/>
+            </a:prstTxWarp>
+          </a:bodyPr>
+          <a:lstStyle/>
+          <a:p>
+            <a:endParaRPr lang="en-GB"/>
+          </a:p>
+        </p:txBody>
+      </p:sp>
+      <p:sp>
+        <p:nvSpPr>
+          <p:cNvPr id="52" name="Line 35">
+            <a:extLst>
+              <a:ext uri="{FF2B5EF4-FFF2-40B4-BE49-F238E27FC236}">
+                <a16:creationId xmlns:a16="http://schemas.microsoft.com/office/drawing/2014/main" id="{6C4CA257-7F59-4B36-B400-CBD71711FD89}"/>
+              </a:ext>
+            </a:extLst>
+          </p:cNvPr>
+          <p:cNvSpPr>
+            <a:spLocks noChangeShapeType="1"/>
+          </p:cNvSpPr>
+          <p:nvPr/>
+        </p:nvSpPr>
+        <p:spPr bwMode="auto">
+          <a:xfrm flipH="1">
+            <a:off x="7432629" y="4880984"/>
+            <a:ext cx="509614" cy="891825"/>
+          </a:xfrm>
+          <a:prstGeom prst="line">
+            <a:avLst/>
+          </a:prstGeom>
+          <a:noFill/>
+          <a:ln w="9525">
+            <a:solidFill>
+              <a:srgbClr val="FF0000"/>
+            </a:solidFill>
+            <a:round/>
+            <a:headEnd/>
+            <a:tailEnd type="triangle" w="med" len="med"/>
+          </a:ln>
+          <a:extLst>
+            <a:ext uri="{909E8E84-426E-40DD-AFC4-6F175D3DCCD1}">
+              <a14:hiddenFill xmlns:a14="http://schemas.microsoft.com/office/drawing/2010/main">
+                <a:noFill/>
+              </a14:hiddenFill>
+            </a:ext>
+          </a:extLst>
+        </p:spPr>
+        <p:txBody>
+          <a:bodyPr vert="horz" wrap="square" lIns="91440" tIns="45720" rIns="91440" bIns="45720" numCol="1" anchor="t" anchorCtr="0" compatLnSpc="1">
+            <a:prstTxWarp prst="textNoShape">
+              <a:avLst/>
+            </a:prstTxWarp>
+          </a:bodyPr>
+          <a:lstStyle/>
+          <a:p>
+            <a:endParaRPr lang="en-GB"/>
+          </a:p>
+        </p:txBody>
+      </p:sp>
+      <p:sp>
+        <p:nvSpPr>
+          <p:cNvPr id="53" name="Line 34">
+            <a:extLst>
+              <a:ext uri="{FF2B5EF4-FFF2-40B4-BE49-F238E27FC236}">
+                <a16:creationId xmlns:a16="http://schemas.microsoft.com/office/drawing/2014/main" id="{B2FD892D-318F-4F5A-8724-0B5E09CF0C6D}"/>
+              </a:ext>
+            </a:extLst>
+          </p:cNvPr>
+          <p:cNvSpPr>
+            <a:spLocks noChangeShapeType="1"/>
+          </p:cNvSpPr>
+          <p:nvPr/>
+        </p:nvSpPr>
+        <p:spPr bwMode="auto">
+          <a:xfrm flipV="1">
+            <a:off x="7687436" y="3989159"/>
+            <a:ext cx="1146632" cy="891825"/>
+          </a:xfrm>
+          <a:prstGeom prst="line">
+            <a:avLst/>
+          </a:prstGeom>
+          <a:noFill/>
+          <a:ln w="9525">
+            <a:solidFill>
+              <a:srgbClr val="339966"/>
+            </a:solidFill>
+            <a:round/>
+            <a:headEnd/>
+            <a:tailEnd type="triangle" w="med" len="med"/>
+          </a:ln>
+          <a:extLst>
+            <a:ext uri="{909E8E84-426E-40DD-AFC4-6F175D3DCCD1}">
+              <a14:hiddenFill xmlns:a14="http://schemas.microsoft.com/office/drawing/2010/main">
+                <a:noFill/>
+              </a14:hiddenFill>
+            </a:ext>
+          </a:extLst>
+        </p:spPr>
+        <p:txBody>
+          <a:bodyPr vert="horz" wrap="square" lIns="91440" tIns="45720" rIns="91440" bIns="45720" numCol="1" anchor="t" anchorCtr="0" compatLnSpc="1">
+            <a:prstTxWarp prst="textNoShape">
+              <a:avLst/>
+            </a:prstTxWarp>
+          </a:bodyPr>
+          <a:lstStyle/>
+          <a:p>
+            <a:endParaRPr lang="en-GB"/>
+          </a:p>
+        </p:txBody>
+      </p:sp>
+      <p:sp>
+        <p:nvSpPr>
+          <p:cNvPr id="54" name="Line 33">
+            <a:extLst>
+              <a:ext uri="{FF2B5EF4-FFF2-40B4-BE49-F238E27FC236}">
+                <a16:creationId xmlns:a16="http://schemas.microsoft.com/office/drawing/2014/main" id="{BBF17187-AE9E-49EE-A709-92D2C2D63A35}"/>
+              </a:ext>
+            </a:extLst>
+          </p:cNvPr>
+          <p:cNvSpPr>
+            <a:spLocks noChangeShapeType="1"/>
+          </p:cNvSpPr>
+          <p:nvPr/>
+        </p:nvSpPr>
+        <p:spPr bwMode="auto">
+          <a:xfrm flipV="1">
+            <a:off x="7942243" y="3606948"/>
+            <a:ext cx="764421" cy="1274036"/>
+          </a:xfrm>
+          <a:prstGeom prst="line">
+            <a:avLst/>
+          </a:prstGeom>
+          <a:noFill/>
+          <a:ln w="9525">
+            <a:solidFill>
+              <a:srgbClr val="339966"/>
+            </a:solidFill>
+            <a:round/>
+            <a:headEnd/>
+            <a:tailEnd type="triangle" w="med" len="med"/>
+          </a:ln>
+          <a:extLst>
+            <a:ext uri="{909E8E84-426E-40DD-AFC4-6F175D3DCCD1}">
+              <a14:hiddenFill xmlns:a14="http://schemas.microsoft.com/office/drawing/2010/main">
+                <a:noFill/>
+              </a14:hiddenFill>
+            </a:ext>
+          </a:extLst>
+        </p:spPr>
+        <p:txBody>
+          <a:bodyPr vert="horz" wrap="square" lIns="91440" tIns="45720" rIns="91440" bIns="45720" numCol="1" anchor="t" anchorCtr="0" compatLnSpc="1">
+            <a:prstTxWarp prst="textNoShape">
+              <a:avLst/>
+            </a:prstTxWarp>
+          </a:bodyPr>
+          <a:lstStyle/>
+          <a:p>
+            <a:endParaRPr lang="en-GB"/>
+          </a:p>
+        </p:txBody>
+      </p:sp>
+      <p:sp>
+        <p:nvSpPr>
+          <p:cNvPr id="2" name="Rectangle 1">
+            <a:extLst>
+              <a:ext uri="{FF2B5EF4-FFF2-40B4-BE49-F238E27FC236}">
+                <a16:creationId xmlns:a16="http://schemas.microsoft.com/office/drawing/2014/main" id="{EF46FC6B-C291-4941-B27E-D3BC5AC78E1F}"/>
+              </a:ext>
+            </a:extLst>
+          </p:cNvPr>
+          <p:cNvSpPr/>
+          <p:nvPr/>
+        </p:nvSpPr>
+        <p:spPr>
+          <a:xfrm>
+            <a:off x="3480110" y="2024430"/>
+            <a:ext cx="1032877" cy="222043"/>
+          </a:xfrm>
+          <a:prstGeom prst="rect">
+            <a:avLst/>
+          </a:prstGeom>
+          <a:solidFill>
+            <a:schemeClr val="bg2">
+              <a:lumMod val="90000"/>
+              <a:alpha val="38000"/>
+            </a:schemeClr>
+          </a:solidFill>
+          <a:ln>
+            <a:solidFill>
+              <a:schemeClr val="accent1">
+                <a:shade val="50000"/>
+              </a:schemeClr>
+            </a:solidFill>
+          </a:ln>
+        </p:spPr>
+        <p:style>
+          <a:lnRef idx="2">
+            <a:schemeClr val="accent1">
+              <a:shade val="50000"/>
+            </a:schemeClr>
+          </a:lnRef>
+          <a:fillRef idx="1">
+            <a:schemeClr val="accent1"/>
+          </a:fillRef>
+          <a:effectRef idx="0">
+            <a:schemeClr val="accent1"/>
+          </a:effectRef>
+          <a:fontRef idx="minor">
+            <a:schemeClr val="lt1"/>
+          </a:fontRef>
+        </p:style>
+        <p:txBody>
+          <a:bodyPr rtlCol="0" anchor="ctr"/>
+          <a:lstStyle/>
+          <a:p>
+            <a:pPr algn="ctr"/>
+            <a:endParaRPr lang="en-GB"/>
+          </a:p>
+        </p:txBody>
+      </p:sp>
+      <p:sp>
+        <p:nvSpPr>
+          <p:cNvPr id="55" name="Rectangle 54">
+            <a:extLst>
+              <a:ext uri="{FF2B5EF4-FFF2-40B4-BE49-F238E27FC236}">
+                <a16:creationId xmlns:a16="http://schemas.microsoft.com/office/drawing/2014/main" id="{3EFF2B2A-F975-4622-8A8F-BC7083D58EB4}"/>
+              </a:ext>
+            </a:extLst>
+          </p:cNvPr>
+          <p:cNvSpPr/>
+          <p:nvPr/>
+        </p:nvSpPr>
+        <p:spPr>
+          <a:xfrm>
+            <a:off x="7466058" y="2016893"/>
+            <a:ext cx="1032877" cy="222043"/>
+          </a:xfrm>
+          <a:prstGeom prst="rect">
+            <a:avLst/>
+          </a:prstGeom>
+          <a:solidFill>
+            <a:schemeClr val="bg2">
+              <a:lumMod val="90000"/>
+              <a:alpha val="38000"/>
+            </a:schemeClr>
+          </a:solidFill>
+          <a:ln>
+            <a:solidFill>
+              <a:schemeClr val="accent1">
+                <a:shade val="50000"/>
+              </a:schemeClr>
+            </a:solidFill>
+          </a:ln>
+        </p:spPr>
+        <p:style>
+          <a:lnRef idx="2">
+            <a:schemeClr val="accent1">
+              <a:shade val="50000"/>
+            </a:schemeClr>
+          </a:lnRef>
+          <a:fillRef idx="1">
+            <a:schemeClr val="accent1"/>
+          </a:fillRef>
+          <a:effectRef idx="0">
+            <a:schemeClr val="accent1"/>
+          </a:effectRef>
+          <a:fontRef idx="minor">
+            <a:schemeClr val="lt1"/>
+          </a:fontRef>
+        </p:style>
+        <p:txBody>
+          <a:bodyPr rtlCol="0" anchor="ctr"/>
+          <a:lstStyle/>
+          <a:p>
+            <a:pPr algn="ctr"/>
+            <a:endParaRPr lang="en-GB"/>
+          </a:p>
+        </p:txBody>
+      </p:sp>
+      <p:sp>
+        <p:nvSpPr>
+          <p:cNvPr id="56" name="Rectangle 55">
+            <a:extLst>
+              <a:ext uri="{FF2B5EF4-FFF2-40B4-BE49-F238E27FC236}">
+                <a16:creationId xmlns:a16="http://schemas.microsoft.com/office/drawing/2014/main" id="{7A998F5C-A289-4096-B2E2-DEAD164BE0F2}"/>
+              </a:ext>
+            </a:extLst>
+          </p:cNvPr>
+          <p:cNvSpPr/>
+          <p:nvPr/>
+        </p:nvSpPr>
+        <p:spPr>
+          <a:xfrm>
+            <a:off x="3677303" y="4891467"/>
+            <a:ext cx="1032877" cy="222043"/>
+          </a:xfrm>
+          <a:prstGeom prst="rect">
+            <a:avLst/>
+          </a:prstGeom>
+          <a:solidFill>
+            <a:schemeClr val="bg2">
+              <a:lumMod val="90000"/>
+              <a:alpha val="38000"/>
+            </a:schemeClr>
+          </a:solidFill>
+          <a:ln>
+            <a:solidFill>
+              <a:schemeClr val="accent1">
+                <a:shade val="50000"/>
+              </a:schemeClr>
+            </a:solidFill>
+          </a:ln>
+        </p:spPr>
+        <p:style>
+          <a:lnRef idx="2">
+            <a:schemeClr val="accent1">
+              <a:shade val="50000"/>
+            </a:schemeClr>
+          </a:lnRef>
+          <a:fillRef idx="1">
+            <a:schemeClr val="accent1"/>
+          </a:fillRef>
+          <a:effectRef idx="0">
+            <a:schemeClr val="accent1"/>
+          </a:effectRef>
+          <a:fontRef idx="minor">
+            <a:schemeClr val="lt1"/>
+          </a:fontRef>
+        </p:style>
+        <p:txBody>
+          <a:bodyPr rtlCol="0" anchor="ctr"/>
+          <a:lstStyle/>
+          <a:p>
+            <a:pPr algn="ctr"/>
+            <a:endParaRPr lang="en-GB"/>
+          </a:p>
+        </p:txBody>
+      </p:sp>
+      <p:sp>
+        <p:nvSpPr>
+          <p:cNvPr id="57" name="TextBox 56">
+            <a:extLst>
+              <a:ext uri="{FF2B5EF4-FFF2-40B4-BE49-F238E27FC236}">
+                <a16:creationId xmlns:a16="http://schemas.microsoft.com/office/drawing/2014/main" id="{68603123-79B9-4226-B687-D036255779D2}"/>
+              </a:ext>
+            </a:extLst>
+          </p:cNvPr>
+          <p:cNvSpPr txBox="1"/>
+          <p:nvPr/>
+        </p:nvSpPr>
+        <p:spPr>
+          <a:xfrm>
+            <a:off x="2180817" y="618598"/>
+            <a:ext cx="426720" cy="523220"/>
+          </a:xfrm>
+          <a:prstGeom prst="rect">
+            <a:avLst/>
+          </a:prstGeom>
+          <a:noFill/>
+        </p:spPr>
+        <p:txBody>
+          <a:bodyPr wrap="none" rtlCol="0">
+            <a:spAutoFit/>
+          </a:bodyPr>
+          <a:lstStyle/>
+          <a:p>
+            <a:r>
+              <a:rPr lang="en-US" sz="2800" dirty="0"/>
+              <a:t>a</a:t>
+            </a:r>
+            <a:r>
+              <a:rPr lang="en-US" dirty="0"/>
+              <a:t>)</a:t>
+            </a:r>
+            <a:endParaRPr lang="en-GB" dirty="0"/>
+          </a:p>
+        </p:txBody>
+      </p:sp>
+      <p:sp>
+        <p:nvSpPr>
+          <p:cNvPr id="58" name="TextBox 57">
+            <a:extLst>
+              <a:ext uri="{FF2B5EF4-FFF2-40B4-BE49-F238E27FC236}">
+                <a16:creationId xmlns:a16="http://schemas.microsoft.com/office/drawing/2014/main" id="{3E7DE027-C777-4D6E-A144-4B961E1A53FF}"/>
+              </a:ext>
+            </a:extLst>
+          </p:cNvPr>
+          <p:cNvSpPr txBox="1"/>
+          <p:nvPr/>
+        </p:nvSpPr>
+        <p:spPr>
+          <a:xfrm>
+            <a:off x="6070694" y="629878"/>
+            <a:ext cx="517187" cy="523220"/>
+          </a:xfrm>
+          <a:prstGeom prst="rect">
+            <a:avLst/>
+          </a:prstGeom>
+          <a:noFill/>
+        </p:spPr>
+        <p:txBody>
+          <a:bodyPr wrap="square" rtlCol="0">
+            <a:spAutoFit/>
+          </a:bodyPr>
+          <a:lstStyle/>
+          <a:p>
+            <a:r>
+              <a:rPr lang="en-US" sz="2800" dirty="0"/>
+              <a:t>b</a:t>
+            </a:r>
+            <a:r>
+              <a:rPr lang="en-US" dirty="0"/>
+              <a:t>)</a:t>
+            </a:r>
+            <a:endParaRPr lang="en-GB" dirty="0"/>
+          </a:p>
+        </p:txBody>
+      </p:sp>
+      <p:sp>
+        <p:nvSpPr>
+          <p:cNvPr id="59" name="TextBox 58">
+            <a:extLst>
+              <a:ext uri="{FF2B5EF4-FFF2-40B4-BE49-F238E27FC236}">
+                <a16:creationId xmlns:a16="http://schemas.microsoft.com/office/drawing/2014/main" id="{8202596B-B67A-43A0-AB98-4A62C5277FA8}"/>
+              </a:ext>
+            </a:extLst>
+          </p:cNvPr>
+          <p:cNvSpPr txBox="1"/>
+          <p:nvPr/>
+        </p:nvSpPr>
+        <p:spPr>
+          <a:xfrm>
+            <a:off x="2334253" y="3606948"/>
+            <a:ext cx="407484" cy="523220"/>
+          </a:xfrm>
+          <a:prstGeom prst="rect">
+            <a:avLst/>
+          </a:prstGeom>
+          <a:noFill/>
+        </p:spPr>
+        <p:txBody>
+          <a:bodyPr wrap="none" rtlCol="0">
+            <a:spAutoFit/>
+          </a:bodyPr>
+          <a:lstStyle/>
+          <a:p>
+            <a:r>
+              <a:rPr lang="en-US" sz="2800" dirty="0"/>
+              <a:t>c</a:t>
+            </a:r>
+            <a:r>
+              <a:rPr lang="en-US" dirty="0"/>
+              <a:t>)</a:t>
+            </a:r>
+            <a:endParaRPr lang="en-GB" dirty="0"/>
+          </a:p>
+        </p:txBody>
+      </p:sp>
+      <p:sp>
+        <p:nvSpPr>
+          <p:cNvPr id="60" name="TextBox 59">
+            <a:extLst>
+              <a:ext uri="{FF2B5EF4-FFF2-40B4-BE49-F238E27FC236}">
+                <a16:creationId xmlns:a16="http://schemas.microsoft.com/office/drawing/2014/main" id="{DD206230-1938-4254-BAC6-9483064D2602}"/>
+              </a:ext>
+            </a:extLst>
+          </p:cNvPr>
+          <p:cNvSpPr txBox="1"/>
+          <p:nvPr/>
+        </p:nvSpPr>
+        <p:spPr>
+          <a:xfrm>
+            <a:off x="6282935" y="3593342"/>
+            <a:ext cx="444352" cy="523220"/>
+          </a:xfrm>
+          <a:prstGeom prst="rect">
+            <a:avLst/>
+          </a:prstGeom>
+          <a:noFill/>
+        </p:spPr>
+        <p:txBody>
+          <a:bodyPr wrap="none" rtlCol="0">
+            <a:spAutoFit/>
+          </a:bodyPr>
+          <a:lstStyle/>
+          <a:p>
+            <a:r>
+              <a:rPr lang="en-US" sz="2800" dirty="0"/>
+              <a:t>d</a:t>
+            </a:r>
+            <a:r>
+              <a:rPr lang="en-US" dirty="0"/>
+              <a:t>)</a:t>
+            </a:r>
+            <a:endParaRPr lang="en-GB" dirty="0"/>
+          </a:p>
+        </p:txBody>
+      </p:sp>
+      <p:sp>
+        <p:nvSpPr>
+          <p:cNvPr id="61" name="Rectangle 60">
+            <a:extLst>
+              <a:ext uri="{FF2B5EF4-FFF2-40B4-BE49-F238E27FC236}">
+                <a16:creationId xmlns:a16="http://schemas.microsoft.com/office/drawing/2014/main" id="{17542AB3-F3DC-46CE-9BAD-99F7FADA8D2B}"/>
+              </a:ext>
+            </a:extLst>
+          </p:cNvPr>
+          <p:cNvSpPr/>
+          <p:nvPr/>
+        </p:nvSpPr>
+        <p:spPr>
+          <a:xfrm>
+            <a:off x="7279210" y="4891467"/>
+            <a:ext cx="1032877" cy="222043"/>
+          </a:xfrm>
+          <a:prstGeom prst="rect">
+            <a:avLst/>
+          </a:prstGeom>
+          <a:solidFill>
+            <a:schemeClr val="bg2">
+              <a:lumMod val="90000"/>
+              <a:alpha val="38000"/>
+            </a:schemeClr>
+          </a:solidFill>
+          <a:ln>
+            <a:solidFill>
+              <a:schemeClr val="accent1">
+                <a:shade val="50000"/>
+              </a:schemeClr>
+            </a:solidFill>
+          </a:ln>
+        </p:spPr>
+        <p:style>
+          <a:lnRef idx="2">
+            <a:schemeClr val="accent1">
+              <a:shade val="50000"/>
+            </a:schemeClr>
+          </a:lnRef>
+          <a:fillRef idx="1">
+            <a:schemeClr val="accent1"/>
+          </a:fillRef>
+          <a:effectRef idx="0">
+            <a:schemeClr val="accent1"/>
+          </a:effectRef>
+          <a:fontRef idx="minor">
+            <a:schemeClr val="lt1"/>
+          </a:fontRef>
+        </p:style>
+        <p:txBody>
+          <a:bodyPr rtlCol="0" anchor="ctr"/>
+          <a:lstStyle/>
+          <a:p>
+            <a:pPr algn="ctr"/>
+            <a:endParaRPr lang="en-GB"/>
+          </a:p>
+        </p:txBody>
+      </p:sp>
+    </p:spTree>
+    <p:extLst>
+      <p:ext uri="{BB962C8B-B14F-4D97-AF65-F5344CB8AC3E}">
+        <p14:creationId xmlns:p14="http://schemas.microsoft.com/office/powerpoint/2010/main" val="3374945209"/>
+      </p:ext>
+    </p:extLst>
+  </p:cSld>
+  <p:clrMapOvr>
+    <a:masterClrMapping/>
+  </p:clrMapOvr>
+</p:sld>
+</file>
+
+<file path=ppt/slides/slide2.xml><?xml version="1.0" encoding="utf-8"?>
+<p:sld xmlns:a="http://schemas.openxmlformats.org/drawingml/2006/main" xmlns:r="http://schemas.openxmlformats.org/officeDocument/2006/relationships" xmlns:p="http://schemas.openxmlformats.org/presentationml/2006/main">
+  <p:cSld>
+    <p:spTree>
+      <p:nvGrpSpPr>
+        <p:cNvPr id="1" name=""/>
+        <p:cNvGrpSpPr/>
+        <p:nvPr/>
+      </p:nvGrpSpPr>
+      <p:grpSpPr>
+        <a:xfrm>
+          <a:off x="0" y="0"/>
+          <a:ext cx="0" cy="0"/>
+          <a:chOff x="0" y="0"/>
+          <a:chExt cx="0" cy="0"/>
+        </a:xfrm>
+      </p:grpSpPr>
+      <p:sp>
+        <p:nvSpPr>
+          <p:cNvPr id="5" name="Rectangle 25">
+            <a:extLst>
+              <a:ext uri="{FF2B5EF4-FFF2-40B4-BE49-F238E27FC236}">
+                <a16:creationId xmlns:a16="http://schemas.microsoft.com/office/drawing/2014/main" id="{14414293-1C66-4646-9E2A-8ACF2BDB346D}"/>
+              </a:ext>
+            </a:extLst>
+          </p:cNvPr>
+          <p:cNvSpPr>
+            <a:spLocks noChangeArrowheads="1"/>
+          </p:cNvSpPr>
+          <p:nvPr/>
+        </p:nvSpPr>
+        <p:spPr bwMode="auto">
+          <a:xfrm>
+            <a:off x="152400" y="152400"/>
+            <a:ext cx="12192000" cy="0"/>
+          </a:xfrm>
+          <a:prstGeom prst="rect">
+            <a:avLst/>
+          </a:prstGeom>
+          <a:noFill/>
+          <a:ln>
+            <a:noFill/>
+          </a:ln>
+          <a:effectLst/>
+          <a:extLst>
+            <a:ext uri="{909E8E84-426E-40DD-AFC4-6F175D3DCCD1}">
+              <a14:hiddenFill xmlns:a14="http://schemas.microsoft.com/office/drawing/2010/main">
+                <a:solidFill>
+                  <a:schemeClr val="accent1"/>
+                </a:solidFill>
+              </a14:hiddenFill>
+            </a:ext>
+            <a:ext uri="{91240B29-F687-4F45-9708-019B960494DF}">
+              <a14:hiddenLine xmlns:a14="http://schemas.microsoft.com/office/drawing/2010/main" w="9525">
+                <a:solidFill>
+                  <a:schemeClr val="tx1"/>
+                </a:solidFill>
+                <a:miter lim="800000"/>
+                <a:headEnd/>
+                <a:tailEnd/>
+              </a14:hiddenLine>
+            </a:ext>
+            <a:ext uri="{AF507438-7753-43E0-B8FC-AC1667EBCBE1}">
+              <a14:hiddenEffects xmlns:a14="http://schemas.microsoft.com/office/drawing/2010/main">
+                <a:effectLst>
+                  <a:outerShdw dist="35921" dir="2700000" algn="ctr" rotWithShape="0">
+                    <a:schemeClr val="bg2"/>
+                  </a:outerShdw>
+                </a:effectLst>
+              </a14:hiddenEffects>
+            </a:ext>
+          </a:extLst>
+        </p:spPr>
+        <p:txBody>
+          <a:bodyPr vert="horz" wrap="none" lIns="91440" tIns="45720" rIns="91440" bIns="45720" numCol="1" anchor="ctr" anchorCtr="0" compatLnSpc="1">
+            <a:prstTxWarp prst="textNoShape">
+              <a:avLst/>
+            </a:prstTxWarp>
+            <a:spAutoFit/>
+          </a:bodyPr>
+          <a:lstStyle/>
+          <a:p>
+            <a:endParaRPr lang="en-GB"/>
+          </a:p>
+        </p:txBody>
+      </p:sp>
+      <p:sp>
+        <p:nvSpPr>
+          <p:cNvPr id="7" name="AutoShape 24">
+            <a:extLst>
+              <a:ext uri="{FF2B5EF4-FFF2-40B4-BE49-F238E27FC236}">
+                <a16:creationId xmlns:a16="http://schemas.microsoft.com/office/drawing/2014/main" id="{483680DF-CCFC-4035-A959-0EB0D8D8D7D9}"/>
+              </a:ext>
+            </a:extLst>
+          </p:cNvPr>
+          <p:cNvSpPr>
+            <a:spLocks noChangeAspect="1" noChangeArrowheads="1"/>
+          </p:cNvSpPr>
+          <p:nvPr/>
+        </p:nvSpPr>
+        <p:spPr bwMode="auto">
+          <a:xfrm>
+            <a:off x="227390" y="105841"/>
+            <a:ext cx="6370178" cy="3822107"/>
+          </a:xfrm>
+          <a:prstGeom prst="rect">
+            <a:avLst/>
+          </a:prstGeom>
+          <a:noFill/>
+          <a:extLst>
+            <a:ext uri="{909E8E84-426E-40DD-AFC4-6F175D3DCCD1}">
+              <a14:hiddenFill xmlns:a14="http://schemas.microsoft.com/office/drawing/2010/main">
+                <a:solidFill>
+                  <a:srgbClr val="FFFFFF"/>
+                </a:solidFill>
+              </a14:hiddenFill>
+            </a:ext>
+          </a:extLst>
+        </p:spPr>
+        <p:txBody>
+          <a:bodyPr vert="horz" wrap="square" lIns="91440" tIns="45720" rIns="91440" bIns="45720" numCol="1" anchor="t" anchorCtr="0" compatLnSpc="1">
+            <a:prstTxWarp prst="textNoShape">
+              <a:avLst/>
+            </a:prstTxWarp>
+          </a:bodyPr>
+          <a:lstStyle/>
+          <a:p>
+            <a:endParaRPr lang="en-GB"/>
+          </a:p>
+        </p:txBody>
+      </p:sp>
+      <p:sp>
+        <p:nvSpPr>
+          <p:cNvPr id="8" name="Line 23">
+            <a:extLst>
+              <a:ext uri="{FF2B5EF4-FFF2-40B4-BE49-F238E27FC236}">
+                <a16:creationId xmlns:a16="http://schemas.microsoft.com/office/drawing/2014/main" id="{D697D410-4AEE-4718-9AAA-2D2A8952817A}"/>
+              </a:ext>
+            </a:extLst>
+          </p:cNvPr>
+          <p:cNvSpPr>
+            <a:spLocks noChangeShapeType="1"/>
+          </p:cNvSpPr>
+          <p:nvPr/>
+        </p:nvSpPr>
+        <p:spPr bwMode="auto">
+          <a:xfrm>
             <a:off x="864408" y="2016895"/>
             <a:ext cx="1656246" cy="0"/>
           </a:xfrm>
@@ -6739,7 +9568,7 @@
     </p:spTree>
     <p:extLst>
       <p:ext uri="{BB962C8B-B14F-4D97-AF65-F5344CB8AC3E}">
-        <p14:creationId xmlns:p14="http://schemas.microsoft.com/office/powerpoint/2010/main" val="3374945209"/>
+        <p14:creationId xmlns:p14="http://schemas.microsoft.com/office/powerpoint/2010/main" val="1008255385"/>
       </p:ext>
     </p:extLst>
   </p:cSld>
@@ -6749,7 +9578,7 @@
 </p:sld>
 </file>
 
-<file path=ppt/slides/slide2.xml><?xml version="1.0" encoding="utf-8"?>
+<file path=ppt/slides/slide3.xml><?xml version="1.0" encoding="utf-8"?>
 <p:sld xmlns:a="http://schemas.openxmlformats.org/drawingml/2006/main" xmlns:r="http://schemas.openxmlformats.org/officeDocument/2006/relationships" xmlns:p="http://schemas.openxmlformats.org/presentationml/2006/main">
   <p:cSld>
     <p:spTree>
@@ -6782,7 +9611,7 @@
         </p:nvSpPr>
         <p:spPr bwMode="auto">
           <a:xfrm>
-            <a:off x="152400" y="152400"/>
+            <a:off x="139336" y="-683623"/>
             <a:ext cx="12192000" cy="0"/>
           </a:xfrm>
           <a:prstGeom prst="rect">
@@ -6837,90 +9666,21 @@
       </p:sp>
       <p:sp>
         <p:nvSpPr>
-          <p:cNvPr id="28" name="Rectangle 58">
-            <a:extLst>
-              <a:ext uri="{FF2B5EF4-FFF2-40B4-BE49-F238E27FC236}">
-                <a16:creationId xmlns:a16="http://schemas.microsoft.com/office/drawing/2014/main" id="{2E09DD24-CBB3-46CC-88D4-BB6E3DEC8959}"/>
-              </a:ext>
-            </a:extLst>
-          </p:cNvPr>
-          <p:cNvSpPr>
-            <a:spLocks noChangeArrowheads="1"/>
+          <p:cNvPr id="30" name="AutoShape 57">
+            <a:extLst>
+              <a:ext uri="{FF2B5EF4-FFF2-40B4-BE49-F238E27FC236}">
+                <a16:creationId xmlns:a16="http://schemas.microsoft.com/office/drawing/2014/main" id="{67B166E1-9133-4109-B65E-51FED368F893}"/>
+              </a:ext>
+            </a:extLst>
+          </p:cNvPr>
+          <p:cNvSpPr>
+            <a:spLocks noChangeAspect="1" noChangeArrowheads="1"/>
           </p:cNvSpPr>
           <p:nvPr/>
         </p:nvSpPr>
         <p:spPr bwMode="auto">
           <a:xfrm>
-            <a:off x="5867400" y="3174423"/>
-            <a:ext cx="12192000" cy="0"/>
-          </a:xfrm>
-          <a:prstGeom prst="rect">
-            <a:avLst/>
-          </a:prstGeom>
-          <a:noFill/>
-          <a:ln>
-            <a:noFill/>
-          </a:ln>
-          <a:effectLst/>
-          <a:extLst>
-            <a:ext uri="{909E8E84-426E-40DD-AFC4-6F175D3DCCD1}">
-              <a14:hiddenFill xmlns:a14="http://schemas.microsoft.com/office/drawing/2010/main">
-                <a:solidFill>
-                  <a:schemeClr val="accent1"/>
-                </a:solidFill>
-              </a14:hiddenFill>
-            </a:ext>
-            <a:ext uri="{91240B29-F687-4F45-9708-019B960494DF}">
-              <a14:hiddenLine xmlns:a14="http://schemas.microsoft.com/office/drawing/2010/main" w="9525">
-                <a:solidFill>
-                  <a:schemeClr val="tx1"/>
-                </a:solidFill>
-                <a:miter lim="800000"/>
-                <a:headEnd/>
-                <a:tailEnd/>
-              </a14:hiddenLine>
-            </a:ext>
-            <a:ext uri="{AF507438-7753-43E0-B8FC-AC1667EBCBE1}">
-              <a14:hiddenEffects xmlns:a14="http://schemas.microsoft.com/office/drawing/2010/main">
-                <a:effectLst>
-                  <a:outerShdw dist="35921" dir="2700000" algn="ctr" rotWithShape="0">
-                    <a:schemeClr val="bg2"/>
-                  </a:outerShdw>
-                </a:effectLst>
-              </a14:hiddenEffects>
-            </a:ext>
-          </a:extLst>
-        </p:spPr>
-        <p:txBody>
-          <a:bodyPr vert="horz" wrap="none" lIns="91440" tIns="45720" rIns="91440" bIns="45720" numCol="1" anchor="ctr" anchorCtr="0" compatLnSpc="1">
-            <a:prstTxWarp prst="textNoShape">
-              <a:avLst/>
-            </a:prstTxWarp>
-            <a:spAutoFit/>
-          </a:bodyPr>
-          <a:lstStyle/>
-          <a:p>
-            <a:endParaRPr lang="en-GB"/>
-          </a:p>
-        </p:txBody>
-      </p:sp>
-      <p:sp>
-        <p:nvSpPr>
-          <p:cNvPr id="30" name="AutoShape 57">
-            <a:extLst>
-              <a:ext uri="{FF2B5EF4-FFF2-40B4-BE49-F238E27FC236}">
-                <a16:creationId xmlns:a16="http://schemas.microsoft.com/office/drawing/2014/main" id="{67B166E1-9133-4109-B65E-51FED368F893}"/>
-              </a:ext>
-            </a:extLst>
-          </p:cNvPr>
-          <p:cNvSpPr>
-            <a:spLocks noChangeAspect="1" noChangeArrowheads="1"/>
-          </p:cNvSpPr>
-          <p:nvPr/>
-        </p:nvSpPr>
-        <p:spPr bwMode="auto">
-          <a:xfrm>
-            <a:off x="520958" y="2883493"/>
+            <a:off x="507894" y="2047470"/>
             <a:ext cx="6370178" cy="3822107"/>
           </a:xfrm>
           <a:prstGeom prst="rect">
@@ -6963,7 +9723,7 @@
         </p:nvSpPr>
         <p:spPr>
           <a:xfrm rot="7824271">
-            <a:off x="2323781" y="291447"/>
+            <a:off x="2241522" y="-1064457"/>
             <a:ext cx="5407459" cy="5469909"/>
           </a:xfrm>
           <a:prstGeom prst="arc">
@@ -6994,27 +9754,906 @@
           </a:p>
         </p:txBody>
       </p:sp>
-      <p:cxnSp>
-        <p:nvCxnSpPr>
-          <p:cNvPr id="6" name="Straight Connector 5">
-            <a:extLst>
-              <a:ext uri="{FF2B5EF4-FFF2-40B4-BE49-F238E27FC236}">
-                <a16:creationId xmlns:a16="http://schemas.microsoft.com/office/drawing/2014/main" id="{079A3A58-AF06-4AA3-9B60-F9841C11200A}"/>
-              </a:ext>
-            </a:extLst>
-          </p:cNvPr>
-          <p:cNvCxnSpPr/>
-          <p:nvPr/>
-        </p:nvCxnSpPr>
+      <p:sp>
+        <p:nvSpPr>
+          <p:cNvPr id="7" name="Line 23">
+            <a:extLst>
+              <a:ext uri="{FF2B5EF4-FFF2-40B4-BE49-F238E27FC236}">
+                <a16:creationId xmlns:a16="http://schemas.microsoft.com/office/drawing/2014/main" id="{14C08A1B-5BAC-4650-B7FE-F885B688F66E}"/>
+              </a:ext>
+            </a:extLst>
+          </p:cNvPr>
+          <p:cNvSpPr>
+            <a:spLocks noChangeShapeType="1"/>
+          </p:cNvSpPr>
+          <p:nvPr/>
+        </p:nvSpPr>
+        <p:spPr bwMode="auto">
+          <a:xfrm>
+            <a:off x="3240119" y="4242712"/>
+            <a:ext cx="5377600" cy="32495"/>
+          </a:xfrm>
+          <a:prstGeom prst="line">
+            <a:avLst/>
+          </a:prstGeom>
+          <a:noFill/>
+          <a:ln w="9525">
+            <a:solidFill>
+              <a:srgbClr val="000000"/>
+            </a:solidFill>
+            <a:round/>
+            <a:headEnd/>
+            <a:tailEnd/>
+          </a:ln>
+          <a:extLst>
+            <a:ext uri="{909E8E84-426E-40DD-AFC4-6F175D3DCCD1}">
+              <a14:hiddenFill xmlns:a14="http://schemas.microsoft.com/office/drawing/2010/main">
+                <a:noFill/>
+              </a14:hiddenFill>
+            </a:ext>
+          </a:extLst>
+        </p:spPr>
+        <p:txBody>
+          <a:bodyPr vert="horz" wrap="square" lIns="91440" tIns="45720" rIns="91440" bIns="45720" numCol="1" anchor="t" anchorCtr="0" compatLnSpc="1">
+            <a:prstTxWarp prst="textNoShape">
+              <a:avLst/>
+            </a:prstTxWarp>
+          </a:bodyPr>
+          <a:lstStyle/>
+          <a:p>
+            <a:endParaRPr lang="en-GB"/>
+          </a:p>
+        </p:txBody>
+      </p:sp>
+      <p:sp>
+        <p:nvSpPr>
+          <p:cNvPr id="8" name="Line 22">
+            <a:extLst>
+              <a:ext uri="{FF2B5EF4-FFF2-40B4-BE49-F238E27FC236}">
+                <a16:creationId xmlns:a16="http://schemas.microsoft.com/office/drawing/2014/main" id="{132FAE8F-F2DC-4EC1-8513-4C24376EBFF0}"/>
+              </a:ext>
+            </a:extLst>
+          </p:cNvPr>
+          <p:cNvSpPr>
+            <a:spLocks noChangeShapeType="1"/>
+          </p:cNvSpPr>
+          <p:nvPr/>
+        </p:nvSpPr>
+        <p:spPr bwMode="auto">
+          <a:xfrm>
+            <a:off x="3808496" y="1116633"/>
+            <a:ext cx="1705148" cy="4547024"/>
+          </a:xfrm>
+          <a:prstGeom prst="line">
+            <a:avLst/>
+          </a:prstGeom>
+          <a:noFill/>
+          <a:ln w="9525">
+            <a:solidFill>
+              <a:srgbClr val="000000"/>
+            </a:solidFill>
+            <a:round/>
+            <a:headEnd/>
+            <a:tailEnd type="triangle" w="med" len="med"/>
+          </a:ln>
+          <a:extLst>
+            <a:ext uri="{909E8E84-426E-40DD-AFC4-6F175D3DCCD1}">
+              <a14:hiddenFill xmlns:a14="http://schemas.microsoft.com/office/drawing/2010/main">
+                <a:noFill/>
+              </a14:hiddenFill>
+            </a:ext>
+          </a:extLst>
+        </p:spPr>
+        <p:txBody>
+          <a:bodyPr vert="horz" wrap="square" lIns="91440" tIns="45720" rIns="91440" bIns="45720" numCol="1" anchor="t" anchorCtr="0" compatLnSpc="1">
+            <a:prstTxWarp prst="textNoShape">
+              <a:avLst/>
+            </a:prstTxWarp>
+          </a:bodyPr>
+          <a:lstStyle/>
+          <a:p>
+            <a:endParaRPr lang="en-GB" dirty="0"/>
+          </a:p>
+        </p:txBody>
+      </p:sp>
+      <p:sp>
+        <p:nvSpPr>
+          <p:cNvPr id="11" name="Line 16">
+            <a:extLst>
+              <a:ext uri="{FF2B5EF4-FFF2-40B4-BE49-F238E27FC236}">
+                <a16:creationId xmlns:a16="http://schemas.microsoft.com/office/drawing/2014/main" id="{193ED361-FC20-4C2B-B150-A66B5B43E367}"/>
+              </a:ext>
+            </a:extLst>
+          </p:cNvPr>
+          <p:cNvSpPr>
+            <a:spLocks noChangeShapeType="1"/>
+          </p:cNvSpPr>
+          <p:nvPr/>
+        </p:nvSpPr>
+        <p:spPr bwMode="auto">
+          <a:xfrm>
+            <a:off x="3808497" y="1400824"/>
+            <a:ext cx="3069576" cy="3822108"/>
+          </a:xfrm>
+          <a:prstGeom prst="line">
+            <a:avLst/>
+          </a:prstGeom>
+          <a:noFill/>
+          <a:ln w="9525">
+            <a:solidFill>
+              <a:srgbClr val="000000"/>
+            </a:solidFill>
+            <a:round/>
+            <a:headEnd/>
+            <a:tailEnd type="triangle" w="med" len="med"/>
+          </a:ln>
+          <a:extLst>
+            <a:ext uri="{909E8E84-426E-40DD-AFC4-6F175D3DCCD1}">
+              <a14:hiddenFill xmlns:a14="http://schemas.microsoft.com/office/drawing/2010/main">
+                <a:noFill/>
+              </a14:hiddenFill>
+            </a:ext>
+          </a:extLst>
+        </p:spPr>
+        <p:txBody>
+          <a:bodyPr vert="horz" wrap="square" lIns="91440" tIns="45720" rIns="91440" bIns="45720" numCol="1" anchor="t" anchorCtr="0" compatLnSpc="1">
+            <a:prstTxWarp prst="textNoShape">
+              <a:avLst/>
+            </a:prstTxWarp>
+          </a:bodyPr>
+          <a:lstStyle/>
+          <a:p>
+            <a:endParaRPr lang="en-GB"/>
+          </a:p>
+        </p:txBody>
+      </p:sp>
+      <p:sp>
+        <p:nvSpPr>
+          <p:cNvPr id="13" name="Line 7">
+            <a:extLst>
+              <a:ext uri="{FF2B5EF4-FFF2-40B4-BE49-F238E27FC236}">
+                <a16:creationId xmlns:a16="http://schemas.microsoft.com/office/drawing/2014/main" id="{410AC373-A97C-46DC-8D76-1FFBD071E589}"/>
+              </a:ext>
+            </a:extLst>
+          </p:cNvPr>
+          <p:cNvSpPr>
+            <a:spLocks noChangeShapeType="1"/>
+          </p:cNvSpPr>
+          <p:nvPr/>
+        </p:nvSpPr>
+        <p:spPr bwMode="auto">
+          <a:xfrm flipV="1">
+            <a:off x="4945251" y="2983331"/>
+            <a:ext cx="970779" cy="1259380"/>
+          </a:xfrm>
+          <a:prstGeom prst="line">
+            <a:avLst/>
+          </a:prstGeom>
+          <a:noFill/>
+          <a:ln w="9525">
+            <a:solidFill>
+              <a:srgbClr val="339966"/>
+            </a:solidFill>
+            <a:round/>
+            <a:headEnd/>
+            <a:tailEnd type="triangle" w="med" len="med"/>
+          </a:ln>
+          <a:extLst>
+            <a:ext uri="{909E8E84-426E-40DD-AFC4-6F175D3DCCD1}">
+              <a14:hiddenFill xmlns:a14="http://schemas.microsoft.com/office/drawing/2010/main">
+                <a:noFill/>
+              </a14:hiddenFill>
+            </a:ext>
+          </a:extLst>
+        </p:spPr>
+        <p:txBody>
+          <a:bodyPr vert="horz" wrap="square" lIns="91440" tIns="45720" rIns="91440" bIns="45720" numCol="1" anchor="t" anchorCtr="0" compatLnSpc="1">
+            <a:prstTxWarp prst="textNoShape">
+              <a:avLst/>
+            </a:prstTxWarp>
+          </a:bodyPr>
+          <a:lstStyle/>
+          <a:p>
+            <a:endParaRPr lang="en-GB"/>
+          </a:p>
+        </p:txBody>
+      </p:sp>
+      <p:sp>
+        <p:nvSpPr>
+          <p:cNvPr id="14" name="Line 6">
+            <a:extLst>
+              <a:ext uri="{FF2B5EF4-FFF2-40B4-BE49-F238E27FC236}">
+                <a16:creationId xmlns:a16="http://schemas.microsoft.com/office/drawing/2014/main" id="{D86222F5-EF8F-4F66-8150-9E706BBEC676}"/>
+              </a:ext>
+            </a:extLst>
+          </p:cNvPr>
+          <p:cNvSpPr>
+            <a:spLocks noChangeShapeType="1"/>
+          </p:cNvSpPr>
+          <p:nvPr/>
+        </p:nvSpPr>
+        <p:spPr bwMode="auto">
+          <a:xfrm flipV="1">
+            <a:off x="5916031" y="1933319"/>
+            <a:ext cx="1512140" cy="2103475"/>
+          </a:xfrm>
+          <a:prstGeom prst="line">
+            <a:avLst/>
+          </a:prstGeom>
+          <a:noFill/>
+          <a:ln w="9525">
+            <a:solidFill>
+              <a:srgbClr val="339966"/>
+            </a:solidFill>
+            <a:round/>
+            <a:headEnd/>
+            <a:tailEnd type="triangle" w="med" len="med"/>
+          </a:ln>
+          <a:extLst>
+            <a:ext uri="{909E8E84-426E-40DD-AFC4-6F175D3DCCD1}">
+              <a14:hiddenFill xmlns:a14="http://schemas.microsoft.com/office/drawing/2010/main">
+                <a:noFill/>
+              </a14:hiddenFill>
+            </a:ext>
+          </a:extLst>
+        </p:spPr>
+        <p:txBody>
+          <a:bodyPr vert="horz" wrap="square" lIns="91440" tIns="45720" rIns="91440" bIns="45720" numCol="1" anchor="t" anchorCtr="0" compatLnSpc="1">
+            <a:prstTxWarp prst="textNoShape">
+              <a:avLst/>
+            </a:prstTxWarp>
+          </a:bodyPr>
+          <a:lstStyle/>
+          <a:p>
+            <a:endParaRPr lang="en-GB"/>
+          </a:p>
+        </p:txBody>
+      </p:sp>
+      <p:sp>
+        <p:nvSpPr>
+          <p:cNvPr id="17" name="Line 22">
+            <a:extLst>
+              <a:ext uri="{FF2B5EF4-FFF2-40B4-BE49-F238E27FC236}">
+                <a16:creationId xmlns:a16="http://schemas.microsoft.com/office/drawing/2014/main" id="{5AEBAB50-CF48-44DA-8AE7-68B8028B3663}"/>
+              </a:ext>
+            </a:extLst>
+          </p:cNvPr>
+          <p:cNvSpPr>
+            <a:spLocks noChangeShapeType="1"/>
+          </p:cNvSpPr>
+          <p:nvPr/>
+        </p:nvSpPr>
+        <p:spPr bwMode="auto">
+          <a:xfrm>
+            <a:off x="4959765" y="4242711"/>
+            <a:ext cx="0" cy="673182"/>
+          </a:xfrm>
+          <a:prstGeom prst="line">
+            <a:avLst/>
+          </a:prstGeom>
+          <a:noFill/>
+          <a:ln w="9525">
+            <a:solidFill>
+              <a:srgbClr val="000000"/>
+            </a:solidFill>
+            <a:round/>
+            <a:headEnd/>
+            <a:tailEnd type="triangle" w="med" len="med"/>
+          </a:ln>
+          <a:extLst>
+            <a:ext uri="{909E8E84-426E-40DD-AFC4-6F175D3DCCD1}">
+              <a14:hiddenFill xmlns:a14="http://schemas.microsoft.com/office/drawing/2010/main">
+                <a:noFill/>
+              </a14:hiddenFill>
+            </a:ext>
+          </a:extLst>
+        </p:spPr>
+        <p:txBody>
+          <a:bodyPr vert="horz" wrap="square" lIns="91440" tIns="45720" rIns="91440" bIns="45720" numCol="1" anchor="t" anchorCtr="0" compatLnSpc="1">
+            <a:prstTxWarp prst="textNoShape">
+              <a:avLst/>
+            </a:prstTxWarp>
+          </a:bodyPr>
+          <a:lstStyle/>
+          <a:p>
+            <a:endParaRPr lang="en-GB"/>
+          </a:p>
+        </p:txBody>
+      </p:sp>
+      <p:sp>
+        <p:nvSpPr>
+          <p:cNvPr id="4" name="TextBox 3">
+            <a:extLst>
+              <a:ext uri="{FF2B5EF4-FFF2-40B4-BE49-F238E27FC236}">
+                <a16:creationId xmlns:a16="http://schemas.microsoft.com/office/drawing/2014/main" id="{C61F6528-345E-4FC4-BF75-86B67DCB0A4D}"/>
+              </a:ext>
+            </a:extLst>
+          </p:cNvPr>
+          <p:cNvSpPr txBox="1"/>
+          <p:nvPr/>
+        </p:nvSpPr>
         <p:spPr>
           <a:xfrm>
-            <a:off x="8693834" y="3429000"/>
-            <a:ext cx="3269566" cy="0"/>
+            <a:off x="4806518" y="4914968"/>
+            <a:ext cx="306494" cy="369332"/>
+          </a:xfrm>
+          <a:prstGeom prst="rect">
+            <a:avLst/>
+          </a:prstGeom>
+          <a:noFill/>
+        </p:spPr>
+        <p:txBody>
+          <a:bodyPr wrap="none" rtlCol="0">
+            <a:spAutoFit/>
+          </a:bodyPr>
+          <a:lstStyle/>
+          <a:p>
+            <a:r>
+              <a:rPr lang="en-US" dirty="0"/>
+              <a:t>n</a:t>
+            </a:r>
+            <a:endParaRPr lang="en-GB" dirty="0"/>
+          </a:p>
+        </p:txBody>
+      </p:sp>
+      <p:sp>
+        <p:nvSpPr>
+          <p:cNvPr id="16" name="TextBox 15">
+            <a:extLst>
+              <a:ext uri="{FF2B5EF4-FFF2-40B4-BE49-F238E27FC236}">
+                <a16:creationId xmlns:a16="http://schemas.microsoft.com/office/drawing/2014/main" id="{273EB2D6-02A4-4E44-B807-E983FF5C1668}"/>
+              </a:ext>
+            </a:extLst>
+          </p:cNvPr>
+          <p:cNvSpPr txBox="1"/>
+          <p:nvPr/>
+        </p:nvSpPr>
+        <p:spPr>
+          <a:xfrm>
+            <a:off x="5005627" y="5259288"/>
+            <a:ext cx="402931" cy="369332"/>
+          </a:xfrm>
+          <a:prstGeom prst="rect">
+            <a:avLst/>
+          </a:prstGeom>
+          <a:noFill/>
+        </p:spPr>
+        <p:txBody>
+          <a:bodyPr wrap="none" rtlCol="0">
+            <a:spAutoFit/>
+          </a:bodyPr>
+          <a:lstStyle/>
+          <a:p>
+            <a:r>
+              <a:rPr lang="en-US" dirty="0"/>
+              <a:t>ko</a:t>
+            </a:r>
+            <a:endParaRPr lang="en-GB" dirty="0"/>
+          </a:p>
+        </p:txBody>
+      </p:sp>
+      <p:sp>
+        <p:nvSpPr>
+          <p:cNvPr id="21" name="TextBox 20">
+            <a:extLst>
+              <a:ext uri="{FF2B5EF4-FFF2-40B4-BE49-F238E27FC236}">
+                <a16:creationId xmlns:a16="http://schemas.microsoft.com/office/drawing/2014/main" id="{458186D9-3323-4D54-BA13-AA552F67C8CF}"/>
+              </a:ext>
+            </a:extLst>
+          </p:cNvPr>
+          <p:cNvSpPr txBox="1"/>
+          <p:nvPr/>
+        </p:nvSpPr>
+        <p:spPr>
+          <a:xfrm>
+            <a:off x="5373873" y="2831159"/>
+            <a:ext cx="410690" cy="369332"/>
+          </a:xfrm>
+          <a:prstGeom prst="rect">
+            <a:avLst/>
+          </a:prstGeom>
+          <a:noFill/>
+        </p:spPr>
+        <p:txBody>
+          <a:bodyPr wrap="none" rtlCol="0">
+            <a:spAutoFit/>
+          </a:bodyPr>
+          <a:lstStyle/>
+          <a:p>
+            <a:r>
+              <a:rPr lang="en-US" dirty="0" err="1">
+                <a:solidFill>
+                  <a:schemeClr val="accent6"/>
+                </a:solidFill>
+              </a:rPr>
+              <a:t>kh</a:t>
+            </a:r>
+            <a:endParaRPr lang="en-GB" dirty="0">
+              <a:solidFill>
+                <a:schemeClr val="accent6"/>
+              </a:solidFill>
+            </a:endParaRPr>
+          </a:p>
+        </p:txBody>
+      </p:sp>
+      <p:sp>
+        <p:nvSpPr>
+          <p:cNvPr id="22" name="Line 7">
+            <a:extLst>
+              <a:ext uri="{FF2B5EF4-FFF2-40B4-BE49-F238E27FC236}">
+                <a16:creationId xmlns:a16="http://schemas.microsoft.com/office/drawing/2014/main" id="{12F0A1C5-33D3-401B-A8BA-89C4452699BE}"/>
+              </a:ext>
+            </a:extLst>
+          </p:cNvPr>
+          <p:cNvSpPr>
+            <a:spLocks noChangeShapeType="1"/>
+          </p:cNvSpPr>
+          <p:nvPr/>
+        </p:nvSpPr>
+        <p:spPr bwMode="auto">
+          <a:xfrm flipV="1">
+            <a:off x="5499730" y="3097348"/>
+            <a:ext cx="414531" cy="2506711"/>
           </a:xfrm>
           <a:prstGeom prst="line">
             <a:avLst/>
           </a:prstGeom>
-          <a:ln w="254000"/>
+          <a:noFill/>
+          <a:ln w="9525">
+            <a:solidFill>
+              <a:srgbClr val="FF0000"/>
+            </a:solidFill>
+            <a:round/>
+            <a:headEnd/>
+            <a:tailEnd type="triangle" w="med" len="med"/>
+          </a:ln>
+          <a:extLst>
+            <a:ext uri="{909E8E84-426E-40DD-AFC4-6F175D3DCCD1}">
+              <a14:hiddenFill xmlns:a14="http://schemas.microsoft.com/office/drawing/2010/main">
+                <a:noFill/>
+              </a14:hiddenFill>
+            </a:ext>
+          </a:extLst>
+        </p:spPr>
+        <p:txBody>
+          <a:bodyPr vert="horz" wrap="square" lIns="91440" tIns="45720" rIns="91440" bIns="45720" numCol="1" anchor="t" anchorCtr="0" compatLnSpc="1">
+            <a:prstTxWarp prst="textNoShape">
+              <a:avLst/>
+            </a:prstTxWarp>
+          </a:bodyPr>
+          <a:lstStyle/>
+          <a:p>
+            <a:endParaRPr lang="en-GB" dirty="0"/>
+          </a:p>
+        </p:txBody>
+      </p:sp>
+      <p:sp>
+        <p:nvSpPr>
+          <p:cNvPr id="23" name="Line 22">
+            <a:extLst>
+              <a:ext uri="{FF2B5EF4-FFF2-40B4-BE49-F238E27FC236}">
+                <a16:creationId xmlns:a16="http://schemas.microsoft.com/office/drawing/2014/main" id="{82A30432-34E7-428F-A8EF-4E2E98B34C28}"/>
+              </a:ext>
+            </a:extLst>
+          </p:cNvPr>
+          <p:cNvSpPr>
+            <a:spLocks noChangeShapeType="1"/>
+          </p:cNvSpPr>
+          <p:nvPr/>
+        </p:nvSpPr>
+        <p:spPr bwMode="auto">
+          <a:xfrm>
+            <a:off x="5914261" y="4036794"/>
+            <a:ext cx="386718" cy="850850"/>
+          </a:xfrm>
+          <a:prstGeom prst="line">
+            <a:avLst/>
+          </a:prstGeom>
+          <a:noFill/>
+          <a:ln w="9525">
+            <a:solidFill>
+              <a:srgbClr val="000000"/>
+            </a:solidFill>
+            <a:round/>
+            <a:headEnd/>
+            <a:tailEnd type="triangle" w="med" len="med"/>
+          </a:ln>
+          <a:extLst>
+            <a:ext uri="{909E8E84-426E-40DD-AFC4-6F175D3DCCD1}">
+              <a14:hiddenFill xmlns:a14="http://schemas.microsoft.com/office/drawing/2010/main">
+                <a:noFill/>
+              </a14:hiddenFill>
+            </a:ext>
+          </a:extLst>
+        </p:spPr>
+        <p:txBody>
+          <a:bodyPr vert="horz" wrap="square" lIns="91440" tIns="45720" rIns="91440" bIns="45720" numCol="1" anchor="t" anchorCtr="0" compatLnSpc="1">
+            <a:prstTxWarp prst="textNoShape">
+              <a:avLst/>
+            </a:prstTxWarp>
+          </a:bodyPr>
+          <a:lstStyle/>
+          <a:p>
+            <a:endParaRPr lang="en-GB"/>
+          </a:p>
+        </p:txBody>
+      </p:sp>
+      <p:sp>
+        <p:nvSpPr>
+          <p:cNvPr id="24" name="TextBox 23">
+            <a:extLst>
+              <a:ext uri="{FF2B5EF4-FFF2-40B4-BE49-F238E27FC236}">
+                <a16:creationId xmlns:a16="http://schemas.microsoft.com/office/drawing/2014/main" id="{19882843-B632-4A36-AFD1-6677546CECE9}"/>
+              </a:ext>
+            </a:extLst>
+          </p:cNvPr>
+          <p:cNvSpPr txBox="1"/>
+          <p:nvPr/>
+        </p:nvSpPr>
+        <p:spPr>
+          <a:xfrm>
+            <a:off x="6134801" y="4854439"/>
+            <a:ext cx="364202" cy="369332"/>
+          </a:xfrm>
+          <a:prstGeom prst="rect">
+            <a:avLst/>
+          </a:prstGeom>
+          <a:noFill/>
+        </p:spPr>
+        <p:txBody>
+          <a:bodyPr wrap="none" rtlCol="0">
+            <a:spAutoFit/>
+          </a:bodyPr>
+          <a:lstStyle/>
+          <a:p>
+            <a:r>
+              <a:rPr lang="en-US" dirty="0"/>
+              <a:t>n’</a:t>
+            </a:r>
+            <a:endParaRPr lang="en-GB" dirty="0"/>
+          </a:p>
+        </p:txBody>
+      </p:sp>
+      <p:sp>
+        <p:nvSpPr>
+          <p:cNvPr id="25" name="TextBox 24">
+            <a:extLst>
+              <a:ext uri="{FF2B5EF4-FFF2-40B4-BE49-F238E27FC236}">
+                <a16:creationId xmlns:a16="http://schemas.microsoft.com/office/drawing/2014/main" id="{C1766F15-92E2-4942-AC09-5A03AC970125}"/>
+              </a:ext>
+            </a:extLst>
+          </p:cNvPr>
+          <p:cNvSpPr txBox="1"/>
+          <p:nvPr/>
+        </p:nvSpPr>
+        <p:spPr>
+          <a:xfrm>
+            <a:off x="6976443" y="4999080"/>
+            <a:ext cx="451727" cy="369332"/>
+          </a:xfrm>
+          <a:prstGeom prst="rect">
+            <a:avLst/>
+          </a:prstGeom>
+          <a:noFill/>
+        </p:spPr>
+        <p:txBody>
+          <a:bodyPr wrap="none" rtlCol="0">
+            <a:spAutoFit/>
+          </a:bodyPr>
+          <a:lstStyle/>
+          <a:p>
+            <a:r>
+              <a:rPr lang="en-US" dirty="0" err="1"/>
+              <a:t>k’o</a:t>
+            </a:r>
+            <a:endParaRPr lang="en-GB" dirty="0"/>
+          </a:p>
+        </p:txBody>
+      </p:sp>
+      <p:sp>
+        <p:nvSpPr>
+          <p:cNvPr id="26" name="Line 22">
+            <a:extLst>
+              <a:ext uri="{FF2B5EF4-FFF2-40B4-BE49-F238E27FC236}">
+                <a16:creationId xmlns:a16="http://schemas.microsoft.com/office/drawing/2014/main" id="{33E16270-0470-4B5D-8374-C775AAF898C1}"/>
+              </a:ext>
+            </a:extLst>
+          </p:cNvPr>
+          <p:cNvSpPr>
+            <a:spLocks noChangeShapeType="1"/>
+          </p:cNvSpPr>
+          <p:nvPr/>
+        </p:nvSpPr>
+        <p:spPr bwMode="auto">
+          <a:xfrm flipH="1">
+            <a:off x="3240119" y="1481478"/>
+            <a:ext cx="1705132" cy="2149508"/>
+          </a:xfrm>
+          <a:prstGeom prst="line">
+            <a:avLst/>
+          </a:prstGeom>
+          <a:noFill/>
+          <a:ln w="9525">
+            <a:solidFill>
+              <a:srgbClr val="000000"/>
+            </a:solidFill>
+            <a:round/>
+            <a:headEnd/>
+            <a:tailEnd type="none" w="med" len="med"/>
+          </a:ln>
+          <a:extLst>
+            <a:ext uri="{909E8E84-426E-40DD-AFC4-6F175D3DCCD1}">
+              <a14:hiddenFill xmlns:a14="http://schemas.microsoft.com/office/drawing/2010/main">
+                <a:noFill/>
+              </a14:hiddenFill>
+            </a:ext>
+          </a:extLst>
+        </p:spPr>
+        <p:txBody>
+          <a:bodyPr vert="horz" wrap="square" lIns="91440" tIns="45720" rIns="91440" bIns="45720" numCol="1" anchor="t" anchorCtr="0" compatLnSpc="1">
+            <a:prstTxWarp prst="textNoShape">
+              <a:avLst/>
+            </a:prstTxWarp>
+          </a:bodyPr>
+          <a:lstStyle/>
+          <a:p>
+            <a:endParaRPr lang="en-GB" dirty="0"/>
+          </a:p>
+        </p:txBody>
+      </p:sp>
+      <p:sp>
+        <p:nvSpPr>
+          <p:cNvPr id="19" name="TextBox 18">
+            <a:extLst>
+              <a:ext uri="{FF2B5EF4-FFF2-40B4-BE49-F238E27FC236}">
+                <a16:creationId xmlns:a16="http://schemas.microsoft.com/office/drawing/2014/main" id="{85CFF37E-1963-4613-BC3D-8B6BACC625B6}"/>
+              </a:ext>
+            </a:extLst>
+          </p:cNvPr>
+          <p:cNvSpPr txBox="1"/>
+          <p:nvPr/>
+        </p:nvSpPr>
+        <p:spPr>
+          <a:xfrm>
+            <a:off x="5207721" y="1432104"/>
+            <a:ext cx="309700" cy="369332"/>
+          </a:xfrm>
+          <a:prstGeom prst="rect">
+            <a:avLst/>
+          </a:prstGeom>
+          <a:noFill/>
+        </p:spPr>
+        <p:txBody>
+          <a:bodyPr wrap="none" rtlCol="0">
+            <a:spAutoFit/>
+          </a:bodyPr>
+          <a:lstStyle/>
+          <a:p>
+            <a:r>
+              <a:rPr lang="en-US" dirty="0"/>
+              <a:t>R</a:t>
+            </a:r>
+            <a:endParaRPr lang="en-GB" dirty="0"/>
+          </a:p>
+        </p:txBody>
+      </p:sp>
+      <p:sp>
+        <p:nvSpPr>
+          <p:cNvPr id="29" name="Line 22">
+            <a:extLst>
+              <a:ext uri="{FF2B5EF4-FFF2-40B4-BE49-F238E27FC236}">
+                <a16:creationId xmlns:a16="http://schemas.microsoft.com/office/drawing/2014/main" id="{B6E66647-2F1C-4C99-AFEE-B938768679CE}"/>
+              </a:ext>
+            </a:extLst>
+          </p:cNvPr>
+          <p:cNvSpPr>
+            <a:spLocks noChangeShapeType="1"/>
+          </p:cNvSpPr>
+          <p:nvPr/>
+        </p:nvSpPr>
+        <p:spPr bwMode="auto">
+          <a:xfrm>
+            <a:off x="4953988" y="1481478"/>
+            <a:ext cx="2098796" cy="1943592"/>
+          </a:xfrm>
+          <a:prstGeom prst="line">
+            <a:avLst/>
+          </a:prstGeom>
+          <a:noFill/>
+          <a:ln w="9525">
+            <a:solidFill>
+              <a:srgbClr val="000000"/>
+            </a:solidFill>
+            <a:round/>
+            <a:headEnd/>
+            <a:tailEnd type="none" w="med" len="med"/>
+          </a:ln>
+          <a:extLst>
+            <a:ext uri="{909E8E84-426E-40DD-AFC4-6F175D3DCCD1}">
+              <a14:hiddenFill xmlns:a14="http://schemas.microsoft.com/office/drawing/2010/main">
+                <a:noFill/>
+              </a14:hiddenFill>
+            </a:ext>
+          </a:extLst>
+        </p:spPr>
+        <p:txBody>
+          <a:bodyPr vert="horz" wrap="square" lIns="91440" tIns="45720" rIns="91440" bIns="45720" numCol="1" anchor="t" anchorCtr="0" compatLnSpc="1">
+            <a:prstTxWarp prst="textNoShape">
+              <a:avLst/>
+            </a:prstTxWarp>
+          </a:bodyPr>
+          <a:lstStyle/>
+          <a:p>
+            <a:endParaRPr lang="en-GB" dirty="0"/>
+          </a:p>
+        </p:txBody>
+      </p:sp>
+      <p:sp>
+        <p:nvSpPr>
+          <p:cNvPr id="20" name="TextBox 19">
+            <a:extLst>
+              <a:ext uri="{FF2B5EF4-FFF2-40B4-BE49-F238E27FC236}">
+                <a16:creationId xmlns:a16="http://schemas.microsoft.com/office/drawing/2014/main" id="{87FEA65D-AE6F-4738-8288-2B02768EA1EB}"/>
+              </a:ext>
+            </a:extLst>
+          </p:cNvPr>
+          <p:cNvSpPr txBox="1"/>
+          <p:nvPr/>
+        </p:nvSpPr>
+        <p:spPr>
+          <a:xfrm>
+            <a:off x="5828213" y="3413117"/>
+            <a:ext cx="306494" cy="369332"/>
+          </a:xfrm>
+          <a:prstGeom prst="rect">
+            <a:avLst/>
+          </a:prstGeom>
+          <a:noFill/>
+        </p:spPr>
+        <p:txBody>
+          <a:bodyPr wrap="none" rtlCol="0">
+            <a:spAutoFit/>
+          </a:bodyPr>
+          <a:lstStyle/>
+          <a:p>
+            <a:r>
+              <a:rPr lang="en-US" dirty="0">
+                <a:solidFill>
+                  <a:srgbClr val="FF0000"/>
+                </a:solidFill>
+              </a:rPr>
+              <a:t>h</a:t>
+            </a:r>
+            <a:endParaRPr lang="en-GB" dirty="0">
+              <a:solidFill>
+                <a:srgbClr val="FF0000"/>
+              </a:solidFill>
+            </a:endParaRPr>
+          </a:p>
+        </p:txBody>
+      </p:sp>
+      <p:sp>
+        <p:nvSpPr>
+          <p:cNvPr id="31" name="Line 23">
+            <a:extLst>
+              <a:ext uri="{FF2B5EF4-FFF2-40B4-BE49-F238E27FC236}">
+                <a16:creationId xmlns:a16="http://schemas.microsoft.com/office/drawing/2014/main" id="{47092391-4B9B-4813-A948-9359AA4DC331}"/>
+              </a:ext>
+            </a:extLst>
+          </p:cNvPr>
+          <p:cNvSpPr>
+            <a:spLocks noChangeShapeType="1"/>
+          </p:cNvSpPr>
+          <p:nvPr/>
+        </p:nvSpPr>
+        <p:spPr bwMode="auto">
+          <a:xfrm>
+            <a:off x="4957455" y="4264588"/>
+            <a:ext cx="2777366" cy="428289"/>
+          </a:xfrm>
+          <a:prstGeom prst="line">
+            <a:avLst/>
+          </a:prstGeom>
+          <a:noFill/>
+          <a:ln w="9525">
+            <a:solidFill>
+              <a:srgbClr val="000000"/>
+            </a:solidFill>
+            <a:round/>
+            <a:headEnd/>
+            <a:tailEnd/>
+          </a:ln>
+          <a:extLst>
+            <a:ext uri="{909E8E84-426E-40DD-AFC4-6F175D3DCCD1}">
+              <a14:hiddenFill xmlns:a14="http://schemas.microsoft.com/office/drawing/2010/main">
+                <a:noFill/>
+              </a14:hiddenFill>
+            </a:ext>
+          </a:extLst>
+        </p:spPr>
+        <p:txBody>
+          <a:bodyPr vert="horz" wrap="square" lIns="91440" tIns="45720" rIns="91440" bIns="45720" numCol="1" anchor="t" anchorCtr="0" compatLnSpc="1">
+            <a:prstTxWarp prst="textNoShape">
+              <a:avLst/>
+            </a:prstTxWarp>
+          </a:bodyPr>
+          <a:lstStyle/>
+          <a:p>
+            <a:endParaRPr lang="en-GB"/>
+          </a:p>
+        </p:txBody>
+      </p:sp>
+      <p:sp>
+        <p:nvSpPr>
+          <p:cNvPr id="32" name="Line 23">
+            <a:extLst>
+              <a:ext uri="{FF2B5EF4-FFF2-40B4-BE49-F238E27FC236}">
+                <a16:creationId xmlns:a16="http://schemas.microsoft.com/office/drawing/2014/main" id="{84289C29-2B61-4D3B-A757-BBE6FFD3DB34}"/>
+              </a:ext>
+            </a:extLst>
+          </p:cNvPr>
+          <p:cNvSpPr>
+            <a:spLocks noChangeShapeType="1"/>
+          </p:cNvSpPr>
+          <p:nvPr/>
+        </p:nvSpPr>
+        <p:spPr bwMode="auto">
+          <a:xfrm>
+            <a:off x="4573445" y="4272556"/>
+            <a:ext cx="634276" cy="122327"/>
+          </a:xfrm>
+          <a:prstGeom prst="line">
+            <a:avLst/>
+          </a:prstGeom>
+          <a:noFill/>
+          <a:ln w="9525">
+            <a:solidFill>
+              <a:srgbClr val="000000"/>
+            </a:solidFill>
+            <a:round/>
+            <a:headEnd/>
+            <a:tailEnd/>
+          </a:ln>
+          <a:extLst>
+            <a:ext uri="{909E8E84-426E-40DD-AFC4-6F175D3DCCD1}">
+              <a14:hiddenFill xmlns:a14="http://schemas.microsoft.com/office/drawing/2010/main">
+                <a:noFill/>
+              </a14:hiddenFill>
+            </a:ext>
+          </a:extLst>
+        </p:spPr>
+        <p:txBody>
+          <a:bodyPr vert="horz" wrap="square" lIns="91440" tIns="45720" rIns="91440" bIns="45720" numCol="1" anchor="t" anchorCtr="0" compatLnSpc="1">
+            <a:prstTxWarp prst="textNoShape">
+              <a:avLst/>
+            </a:prstTxWarp>
+          </a:bodyPr>
+          <a:lstStyle/>
+          <a:p>
+            <a:endParaRPr lang="en-GB"/>
+          </a:p>
+        </p:txBody>
+      </p:sp>
+      <p:sp>
+        <p:nvSpPr>
+          <p:cNvPr id="27" name="Arc 26">
+            <a:extLst>
+              <a:ext uri="{FF2B5EF4-FFF2-40B4-BE49-F238E27FC236}">
+                <a16:creationId xmlns:a16="http://schemas.microsoft.com/office/drawing/2014/main" id="{E5EDC111-9E54-4862-8593-F188FF333844}"/>
+              </a:ext>
+            </a:extLst>
+          </p:cNvPr>
+          <p:cNvSpPr/>
+          <p:nvPr/>
+        </p:nvSpPr>
+        <p:spPr>
+          <a:xfrm>
+            <a:off x="7597930" y="4272556"/>
+            <a:ext cx="136891" cy="809263"/>
+          </a:xfrm>
+          <a:prstGeom prst="arc">
+            <a:avLst/>
+          </a:prstGeom>
         </p:spPr>
         <p:style>
           <a:lnRef idx="1">
@@ -7030,11 +10669,2046 @@
             <a:schemeClr val="tx1"/>
           </a:fontRef>
         </p:style>
-      </p:cxnSp>
+        <p:txBody>
+          <a:bodyPr rtlCol="0" anchor="ctr"/>
+          <a:lstStyle/>
+          <a:p>
+            <a:pPr algn="ctr"/>
+            <a:endParaRPr lang="en-GB"/>
+          </a:p>
+        </p:txBody>
+      </p:sp>
+      <p:sp>
+        <p:nvSpPr>
+          <p:cNvPr id="33" name="TextBox 32">
+            <a:extLst>
+              <a:ext uri="{FF2B5EF4-FFF2-40B4-BE49-F238E27FC236}">
+                <a16:creationId xmlns:a16="http://schemas.microsoft.com/office/drawing/2014/main" id="{9E142649-A00F-4DD7-AEEC-A57905E708CE}"/>
+              </a:ext>
+            </a:extLst>
+          </p:cNvPr>
+          <p:cNvSpPr txBox="1"/>
+          <p:nvPr/>
+        </p:nvSpPr>
+        <p:spPr>
+          <a:xfrm>
+            <a:off x="7711544" y="4316679"/>
+            <a:ext cx="330540" cy="369332"/>
+          </a:xfrm>
+          <a:prstGeom prst="rect">
+            <a:avLst/>
+          </a:prstGeom>
+          <a:noFill/>
+        </p:spPr>
+        <p:txBody>
+          <a:bodyPr wrap="none" rtlCol="0">
+            <a:spAutoFit/>
+          </a:bodyPr>
+          <a:lstStyle/>
+          <a:p>
+            <a:r>
+              <a:rPr lang="en-US" dirty="0">
+                <a:solidFill>
+                  <a:schemeClr val="accent1"/>
+                </a:solidFill>
+                <a:latin typeface="Symbol" panose="05050102010706020507" pitchFamily="18" charset="2"/>
+              </a:rPr>
+              <a:t>a</a:t>
+            </a:r>
+            <a:endParaRPr lang="en-GB" dirty="0">
+              <a:solidFill>
+                <a:schemeClr val="accent1"/>
+              </a:solidFill>
+              <a:latin typeface="Symbol" panose="05050102010706020507" pitchFamily="18" charset="2"/>
+            </a:endParaRPr>
+          </a:p>
+        </p:txBody>
+      </p:sp>
     </p:spTree>
     <p:extLst>
       <p:ext uri="{BB962C8B-B14F-4D97-AF65-F5344CB8AC3E}">
         <p14:creationId xmlns:p14="http://schemas.microsoft.com/office/powerpoint/2010/main" val="2934120670"/>
+      </p:ext>
+    </p:extLst>
+  </p:cSld>
+  <p:clrMapOvr>
+    <a:masterClrMapping/>
+  </p:clrMapOvr>
+</p:sld>
+</file>
+
+<file path=ppt/slides/slide4.xml><?xml version="1.0" encoding="utf-8"?>
+<p:sld xmlns:a="http://schemas.openxmlformats.org/drawingml/2006/main" xmlns:r="http://schemas.openxmlformats.org/officeDocument/2006/relationships" xmlns:p="http://schemas.openxmlformats.org/presentationml/2006/main">
+  <p:cSld>
+    <p:spTree>
+      <p:nvGrpSpPr>
+        <p:cNvPr id="1" name=""/>
+        <p:cNvGrpSpPr/>
+        <p:nvPr/>
+      </p:nvGrpSpPr>
+      <p:grpSpPr>
+        <a:xfrm>
+          <a:off x="0" y="0"/>
+          <a:ext cx="0" cy="0"/>
+          <a:chOff x="0" y="0"/>
+          <a:chExt cx="0" cy="0"/>
+        </a:xfrm>
+      </p:grpSpPr>
+      <p:pic>
+        <p:nvPicPr>
+          <p:cNvPr id="1026" name="Picture 2">
+            <a:extLst>
+              <a:ext uri="{FF2B5EF4-FFF2-40B4-BE49-F238E27FC236}">
+                <a16:creationId xmlns:a16="http://schemas.microsoft.com/office/drawing/2014/main" id="{E1400D99-0DD3-4563-A76D-C53FF6EFD443}"/>
+              </a:ext>
+            </a:extLst>
+          </p:cNvPr>
+          <p:cNvPicPr>
+            <a:picLocks noChangeAspect="1" noChangeArrowheads="1"/>
+          </p:cNvPicPr>
+          <p:nvPr/>
+        </p:nvPicPr>
+        <p:blipFill>
+          <a:blip r:embed="rId2">
+            <a:extLst>
+              <a:ext uri="{28A0092B-C50C-407E-A947-70E740481C1C}">
+                <a14:useLocalDpi xmlns:a14="http://schemas.microsoft.com/office/drawing/2010/main" val="0"/>
+              </a:ext>
+            </a:extLst>
+          </a:blip>
+          <a:srcRect/>
+          <a:stretch>
+            <a:fillRect/>
+          </a:stretch>
+        </p:blipFill>
+        <p:spPr bwMode="auto">
+          <a:xfrm>
+            <a:off x="794471" y="504408"/>
+            <a:ext cx="4870478" cy="2827583"/>
+          </a:xfrm>
+          <a:prstGeom prst="rect">
+            <a:avLst/>
+          </a:prstGeom>
+          <a:noFill/>
+          <a:ln>
+            <a:noFill/>
+          </a:ln>
+          <a:extLst>
+            <a:ext uri="{909E8E84-426E-40DD-AFC4-6F175D3DCCD1}">
+              <a14:hiddenFill xmlns:a14="http://schemas.microsoft.com/office/drawing/2010/main">
+                <a:solidFill>
+                  <a:srgbClr val="FFFFFF"/>
+                </a:solidFill>
+              </a14:hiddenFill>
+            </a:ext>
+            <a:ext uri="{91240B29-F687-4F45-9708-019B960494DF}">
+              <a14:hiddenLine xmlns:a14="http://schemas.microsoft.com/office/drawing/2010/main" w="9525">
+                <a:solidFill>
+                  <a:srgbClr val="000000"/>
+                </a:solidFill>
+                <a:miter lim="800000"/>
+                <a:headEnd/>
+                <a:tailEnd/>
+              </a14:hiddenLine>
+            </a:ext>
+          </a:extLst>
+        </p:spPr>
+      </p:pic>
+      <p:pic>
+        <p:nvPicPr>
+          <p:cNvPr id="1027" name="Picture 3">
+            <a:extLst>
+              <a:ext uri="{FF2B5EF4-FFF2-40B4-BE49-F238E27FC236}">
+                <a16:creationId xmlns:a16="http://schemas.microsoft.com/office/drawing/2014/main" id="{3110375D-01B2-4A98-AB50-4A7B494E6603}"/>
+              </a:ext>
+            </a:extLst>
+          </p:cNvPr>
+          <p:cNvPicPr>
+            <a:picLocks noChangeAspect="1" noChangeArrowheads="1"/>
+          </p:cNvPicPr>
+          <p:nvPr/>
+        </p:nvPicPr>
+        <p:blipFill>
+          <a:blip r:embed="rId3">
+            <a:extLst>
+              <a:ext uri="{28A0092B-C50C-407E-A947-70E740481C1C}">
+                <a14:useLocalDpi xmlns:a14="http://schemas.microsoft.com/office/drawing/2010/main" val="0"/>
+              </a:ext>
+            </a:extLst>
+          </a:blip>
+          <a:srcRect/>
+          <a:stretch>
+            <a:fillRect/>
+          </a:stretch>
+        </p:blipFill>
+        <p:spPr bwMode="auto">
+          <a:xfrm>
+            <a:off x="876709" y="3762736"/>
+            <a:ext cx="4885221" cy="2827582"/>
+          </a:xfrm>
+          <a:prstGeom prst="rect">
+            <a:avLst/>
+          </a:prstGeom>
+          <a:noFill/>
+          <a:extLst>
+            <a:ext uri="{909E8E84-426E-40DD-AFC4-6F175D3DCCD1}">
+              <a14:hiddenFill xmlns:a14="http://schemas.microsoft.com/office/drawing/2010/main">
+                <a:solidFill>
+                  <a:srgbClr val="FFFFFF"/>
+                </a:solidFill>
+              </a14:hiddenFill>
+            </a:ext>
+          </a:extLst>
+        </p:spPr>
+      </p:pic>
+      <p:pic>
+        <p:nvPicPr>
+          <p:cNvPr id="1028" name="Picture 4">
+            <a:extLst>
+              <a:ext uri="{FF2B5EF4-FFF2-40B4-BE49-F238E27FC236}">
+                <a16:creationId xmlns:a16="http://schemas.microsoft.com/office/drawing/2014/main" id="{6C408F26-DDB6-4860-A904-221FE16AE98E}"/>
+              </a:ext>
+            </a:extLst>
+          </p:cNvPr>
+          <p:cNvPicPr>
+            <a:picLocks noChangeAspect="1" noChangeArrowheads="1"/>
+          </p:cNvPicPr>
+          <p:nvPr/>
+        </p:nvPicPr>
+        <p:blipFill>
+          <a:blip r:embed="rId4">
+            <a:extLst>
+              <a:ext uri="{28A0092B-C50C-407E-A947-70E740481C1C}">
+                <a14:useLocalDpi xmlns:a14="http://schemas.microsoft.com/office/drawing/2010/main" val="0"/>
+              </a:ext>
+            </a:extLst>
+          </a:blip>
+          <a:srcRect/>
+          <a:stretch>
+            <a:fillRect/>
+          </a:stretch>
+        </p:blipFill>
+        <p:spPr bwMode="auto">
+          <a:xfrm>
+            <a:off x="5858912" y="1731509"/>
+            <a:ext cx="5691430" cy="3445018"/>
+          </a:xfrm>
+          <a:prstGeom prst="rect">
+            <a:avLst/>
+          </a:prstGeom>
+          <a:noFill/>
+          <a:extLst>
+            <a:ext uri="{909E8E84-426E-40DD-AFC4-6F175D3DCCD1}">
+              <a14:hiddenFill xmlns:a14="http://schemas.microsoft.com/office/drawing/2010/main">
+                <a:solidFill>
+                  <a:srgbClr val="FFFFFF"/>
+                </a:solidFill>
+              </a14:hiddenFill>
+            </a:ext>
+          </a:extLst>
+        </p:spPr>
+      </p:pic>
+      <p:sp>
+        <p:nvSpPr>
+          <p:cNvPr id="4" name="TextBox 3">
+            <a:extLst>
+              <a:ext uri="{FF2B5EF4-FFF2-40B4-BE49-F238E27FC236}">
+                <a16:creationId xmlns:a16="http://schemas.microsoft.com/office/drawing/2014/main" id="{7A27C661-C093-4482-BDB6-EC172C4BDB07}"/>
+              </a:ext>
+            </a:extLst>
+          </p:cNvPr>
+          <p:cNvSpPr txBox="1"/>
+          <p:nvPr/>
+        </p:nvSpPr>
+        <p:spPr>
+          <a:xfrm>
+            <a:off x="173788" y="504408"/>
+            <a:ext cx="426720" cy="523220"/>
+          </a:xfrm>
+          <a:prstGeom prst="rect">
+            <a:avLst/>
+          </a:prstGeom>
+          <a:noFill/>
+        </p:spPr>
+        <p:txBody>
+          <a:bodyPr wrap="none" rtlCol="0">
+            <a:spAutoFit/>
+          </a:bodyPr>
+          <a:lstStyle/>
+          <a:p>
+            <a:r>
+              <a:rPr lang="en-US" sz="2800" dirty="0"/>
+              <a:t>a</a:t>
+            </a:r>
+            <a:r>
+              <a:rPr lang="en-US" dirty="0"/>
+              <a:t>)</a:t>
+            </a:r>
+            <a:endParaRPr lang="en-GB" dirty="0"/>
+          </a:p>
+        </p:txBody>
+      </p:sp>
+      <p:sp>
+        <p:nvSpPr>
+          <p:cNvPr id="8" name="TextBox 7">
+            <a:extLst>
+              <a:ext uri="{FF2B5EF4-FFF2-40B4-BE49-F238E27FC236}">
+                <a16:creationId xmlns:a16="http://schemas.microsoft.com/office/drawing/2014/main" id="{9DA5238D-7593-4009-8755-894A7889ECE0}"/>
+              </a:ext>
+            </a:extLst>
+          </p:cNvPr>
+          <p:cNvSpPr txBox="1"/>
+          <p:nvPr/>
+        </p:nvSpPr>
+        <p:spPr>
+          <a:xfrm>
+            <a:off x="173788" y="3621680"/>
+            <a:ext cx="444352" cy="523220"/>
+          </a:xfrm>
+          <a:prstGeom prst="rect">
+            <a:avLst/>
+          </a:prstGeom>
+          <a:noFill/>
+        </p:spPr>
+        <p:txBody>
+          <a:bodyPr wrap="none" rtlCol="0">
+            <a:spAutoFit/>
+          </a:bodyPr>
+          <a:lstStyle/>
+          <a:p>
+            <a:r>
+              <a:rPr lang="en-US" sz="2800" dirty="0"/>
+              <a:t>b</a:t>
+            </a:r>
+            <a:r>
+              <a:rPr lang="en-US" dirty="0"/>
+              <a:t>)</a:t>
+            </a:r>
+            <a:endParaRPr lang="en-GB" dirty="0"/>
+          </a:p>
+        </p:txBody>
+      </p:sp>
+      <p:sp>
+        <p:nvSpPr>
+          <p:cNvPr id="9" name="TextBox 8">
+            <a:extLst>
+              <a:ext uri="{FF2B5EF4-FFF2-40B4-BE49-F238E27FC236}">
+                <a16:creationId xmlns:a16="http://schemas.microsoft.com/office/drawing/2014/main" id="{4310F90F-3834-4474-9902-A5F2F75B20B7}"/>
+              </a:ext>
+            </a:extLst>
+          </p:cNvPr>
+          <p:cNvSpPr txBox="1"/>
+          <p:nvPr/>
+        </p:nvSpPr>
+        <p:spPr>
+          <a:xfrm>
+            <a:off x="5882640" y="1656589"/>
+            <a:ext cx="407484" cy="523220"/>
+          </a:xfrm>
+          <a:prstGeom prst="rect">
+            <a:avLst/>
+          </a:prstGeom>
+          <a:noFill/>
+        </p:spPr>
+        <p:txBody>
+          <a:bodyPr wrap="none" rtlCol="0">
+            <a:spAutoFit/>
+          </a:bodyPr>
+          <a:lstStyle/>
+          <a:p>
+            <a:r>
+              <a:rPr lang="en-US" sz="2800" dirty="0"/>
+              <a:t>c</a:t>
+            </a:r>
+            <a:r>
+              <a:rPr lang="en-US" dirty="0"/>
+              <a:t>)</a:t>
+            </a:r>
+            <a:endParaRPr lang="en-GB" dirty="0"/>
+          </a:p>
+        </p:txBody>
+      </p:sp>
+      <p:sp>
+        <p:nvSpPr>
+          <p:cNvPr id="10" name="TextBox 9">
+            <a:extLst>
+              <a:ext uri="{FF2B5EF4-FFF2-40B4-BE49-F238E27FC236}">
+                <a16:creationId xmlns:a16="http://schemas.microsoft.com/office/drawing/2014/main" id="{A6535A26-CE74-4E2D-B547-88D4DC0DCD80}"/>
+              </a:ext>
+            </a:extLst>
+          </p:cNvPr>
+          <p:cNvSpPr txBox="1"/>
+          <p:nvPr/>
+        </p:nvSpPr>
+        <p:spPr>
+          <a:xfrm>
+            <a:off x="2639371" y="6405307"/>
+            <a:ext cx="1250663" cy="523220"/>
+          </a:xfrm>
+          <a:prstGeom prst="rect">
+            <a:avLst/>
+          </a:prstGeom>
+          <a:noFill/>
+        </p:spPr>
+        <p:txBody>
+          <a:bodyPr wrap="none" rtlCol="0">
+            <a:spAutoFit/>
+          </a:bodyPr>
+          <a:lstStyle/>
+          <a:p>
+            <a:r>
+              <a:rPr lang="en-US" sz="2800" dirty="0"/>
+              <a:t>q [mm]</a:t>
+            </a:r>
+            <a:endParaRPr lang="en-GB" dirty="0"/>
+          </a:p>
+        </p:txBody>
+      </p:sp>
+      <p:sp>
+        <p:nvSpPr>
+          <p:cNvPr id="11" name="TextBox 10">
+            <a:extLst>
+              <a:ext uri="{FF2B5EF4-FFF2-40B4-BE49-F238E27FC236}">
+                <a16:creationId xmlns:a16="http://schemas.microsoft.com/office/drawing/2014/main" id="{EAE81C66-6F67-463E-B708-B3B12293E6FC}"/>
+              </a:ext>
+            </a:extLst>
+          </p:cNvPr>
+          <p:cNvSpPr txBox="1"/>
+          <p:nvPr/>
+        </p:nvSpPr>
+        <p:spPr>
+          <a:xfrm>
+            <a:off x="2958025" y="3346059"/>
+            <a:ext cx="1250663" cy="523220"/>
+          </a:xfrm>
+          <a:prstGeom prst="rect">
+            <a:avLst/>
+          </a:prstGeom>
+          <a:noFill/>
+        </p:spPr>
+        <p:txBody>
+          <a:bodyPr wrap="none" rtlCol="0">
+            <a:spAutoFit/>
+          </a:bodyPr>
+          <a:lstStyle/>
+          <a:p>
+            <a:r>
+              <a:rPr lang="en-US" sz="2800" dirty="0"/>
+              <a:t>q [mm]</a:t>
+            </a:r>
+            <a:endParaRPr lang="en-GB" dirty="0"/>
+          </a:p>
+        </p:txBody>
+      </p:sp>
+      <p:sp>
+        <p:nvSpPr>
+          <p:cNvPr id="12" name="TextBox 11">
+            <a:extLst>
+              <a:ext uri="{FF2B5EF4-FFF2-40B4-BE49-F238E27FC236}">
+                <a16:creationId xmlns:a16="http://schemas.microsoft.com/office/drawing/2014/main" id="{ACFC729C-4A01-47A2-BB4D-81B3281D81F2}"/>
+              </a:ext>
+            </a:extLst>
+          </p:cNvPr>
+          <p:cNvSpPr txBox="1"/>
+          <p:nvPr/>
+        </p:nvSpPr>
+        <p:spPr>
+          <a:xfrm>
+            <a:off x="8084208" y="5176527"/>
+            <a:ext cx="1237839" cy="523220"/>
+          </a:xfrm>
+          <a:prstGeom prst="rect">
+            <a:avLst/>
+          </a:prstGeom>
+          <a:noFill/>
+        </p:spPr>
+        <p:txBody>
+          <a:bodyPr wrap="none" rtlCol="0">
+            <a:spAutoFit/>
+          </a:bodyPr>
+          <a:lstStyle/>
+          <a:p>
+            <a:r>
+              <a:rPr lang="en-US" sz="2800" dirty="0">
+                <a:latin typeface="Symbol" panose="05050102010706020507" pitchFamily="18" charset="2"/>
+              </a:rPr>
+              <a:t>x</a:t>
+            </a:r>
+            <a:r>
+              <a:rPr lang="en-US" sz="2800" dirty="0"/>
+              <a:t> [mm]</a:t>
+            </a:r>
+            <a:endParaRPr lang="en-GB" dirty="0"/>
+          </a:p>
+        </p:txBody>
+      </p:sp>
+      <p:sp>
+        <p:nvSpPr>
+          <p:cNvPr id="13" name="TextBox 12">
+            <a:extLst>
+              <a:ext uri="{FF2B5EF4-FFF2-40B4-BE49-F238E27FC236}">
+                <a16:creationId xmlns:a16="http://schemas.microsoft.com/office/drawing/2014/main" id="{BE574EE5-009B-4AB6-A7F4-D0E651DEC0D0}"/>
+              </a:ext>
+            </a:extLst>
+          </p:cNvPr>
+          <p:cNvSpPr txBox="1"/>
+          <p:nvPr/>
+        </p:nvSpPr>
+        <p:spPr>
+          <a:xfrm rot="16030691">
+            <a:off x="-453150" y="1857114"/>
+            <a:ext cx="1787669" cy="523220"/>
+          </a:xfrm>
+          <a:prstGeom prst="rect">
+            <a:avLst/>
+          </a:prstGeom>
+          <a:noFill/>
+        </p:spPr>
+        <p:txBody>
+          <a:bodyPr wrap="none" rtlCol="0">
+            <a:spAutoFit/>
+          </a:bodyPr>
+          <a:lstStyle/>
+          <a:p>
+            <a:r>
+              <a:rPr lang="en-US" sz="2800" dirty="0"/>
+              <a:t>|Dh(0,q)|</a:t>
+            </a:r>
+            <a:r>
+              <a:rPr lang="en-US" sz="2800" baseline="30000" dirty="0"/>
+              <a:t>2</a:t>
+            </a:r>
+            <a:endParaRPr lang="en-GB" baseline="30000" dirty="0"/>
+          </a:p>
+        </p:txBody>
+      </p:sp>
+      <p:sp>
+        <p:nvSpPr>
+          <p:cNvPr id="14" name="TextBox 13">
+            <a:extLst>
+              <a:ext uri="{FF2B5EF4-FFF2-40B4-BE49-F238E27FC236}">
+                <a16:creationId xmlns:a16="http://schemas.microsoft.com/office/drawing/2014/main" id="{F9BA4274-2E2B-4428-B60D-296B9BB7BA18}"/>
+              </a:ext>
+            </a:extLst>
+          </p:cNvPr>
+          <p:cNvSpPr txBox="1"/>
+          <p:nvPr/>
+        </p:nvSpPr>
+        <p:spPr>
+          <a:xfrm rot="16200000">
+            <a:off x="-327226" y="4914916"/>
+            <a:ext cx="1787669" cy="523220"/>
+          </a:xfrm>
+          <a:prstGeom prst="rect">
+            <a:avLst/>
+          </a:prstGeom>
+          <a:noFill/>
+        </p:spPr>
+        <p:txBody>
+          <a:bodyPr wrap="none" rtlCol="0">
+            <a:spAutoFit/>
+          </a:bodyPr>
+          <a:lstStyle/>
+          <a:p>
+            <a:r>
+              <a:rPr lang="en-US" sz="2800" dirty="0"/>
+              <a:t>|Dh(0,q)|</a:t>
+            </a:r>
+            <a:r>
+              <a:rPr lang="en-US" sz="2800" baseline="30000" dirty="0"/>
+              <a:t>2</a:t>
+            </a:r>
+            <a:endParaRPr lang="en-GB" baseline="30000" dirty="0"/>
+          </a:p>
+        </p:txBody>
+      </p:sp>
+      <p:sp>
+        <p:nvSpPr>
+          <p:cNvPr id="15" name="TextBox 14">
+            <a:extLst>
+              <a:ext uri="{FF2B5EF4-FFF2-40B4-BE49-F238E27FC236}">
+                <a16:creationId xmlns:a16="http://schemas.microsoft.com/office/drawing/2014/main" id="{F7E64F97-168B-464E-8647-EE61E3D28B52}"/>
+              </a:ext>
+            </a:extLst>
+          </p:cNvPr>
+          <p:cNvSpPr txBox="1"/>
+          <p:nvPr/>
+        </p:nvSpPr>
+        <p:spPr>
+          <a:xfrm rot="16200000">
+            <a:off x="5897673" y="2762743"/>
+            <a:ext cx="1882247" cy="523220"/>
+          </a:xfrm>
+          <a:prstGeom prst="rect">
+            <a:avLst/>
+          </a:prstGeom>
+          <a:noFill/>
+        </p:spPr>
+        <p:txBody>
+          <a:bodyPr wrap="none" rtlCol="0">
+            <a:spAutoFit/>
+          </a:bodyPr>
+          <a:lstStyle/>
+          <a:p>
+            <a:r>
+              <a:rPr lang="en-US" sz="2800" dirty="0"/>
+              <a:t>|Dh(</a:t>
+            </a:r>
+            <a:r>
+              <a:rPr lang="en-US" sz="2800" dirty="0">
+                <a:latin typeface="Symbol" panose="05050102010706020507" pitchFamily="18" charset="2"/>
+              </a:rPr>
+              <a:t>x</a:t>
+            </a:r>
+            <a:r>
+              <a:rPr lang="en-US" sz="2800" dirty="0"/>
+              <a:t>,q</a:t>
+            </a:r>
+            <a:r>
+              <a:rPr lang="en-US" sz="2800" baseline="-25000" dirty="0"/>
+              <a:t>1</a:t>
+            </a:r>
+            <a:r>
+              <a:rPr lang="en-US" sz="2800" dirty="0"/>
+              <a:t>)|</a:t>
+            </a:r>
+            <a:r>
+              <a:rPr lang="en-US" sz="2800" baseline="30000" dirty="0"/>
+              <a:t>2</a:t>
+            </a:r>
+            <a:endParaRPr lang="en-GB" baseline="30000" dirty="0"/>
+          </a:p>
+        </p:txBody>
+      </p:sp>
+    </p:spTree>
+    <p:extLst>
+      <p:ext uri="{BB962C8B-B14F-4D97-AF65-F5344CB8AC3E}">
+        <p14:creationId xmlns:p14="http://schemas.microsoft.com/office/powerpoint/2010/main" val="968685898"/>
+      </p:ext>
+    </p:extLst>
+  </p:cSld>
+  <p:clrMapOvr>
+    <a:masterClrMapping/>
+  </p:clrMapOvr>
+</p:sld>
+</file>
+
+<file path=ppt/slides/slide5.xml><?xml version="1.0" encoding="utf-8"?>
+<p:sld xmlns:a="http://schemas.openxmlformats.org/drawingml/2006/main" xmlns:r="http://schemas.openxmlformats.org/officeDocument/2006/relationships" xmlns:p="http://schemas.openxmlformats.org/presentationml/2006/main">
+  <p:cSld>
+    <p:spTree>
+      <p:nvGrpSpPr>
+        <p:cNvPr id="1" name=""/>
+        <p:cNvGrpSpPr/>
+        <p:nvPr/>
+      </p:nvGrpSpPr>
+      <p:grpSpPr>
+        <a:xfrm>
+          <a:off x="0" y="0"/>
+          <a:ext cx="0" cy="0"/>
+          <a:chOff x="0" y="0"/>
+          <a:chExt cx="0" cy="0"/>
+        </a:xfrm>
+      </p:grpSpPr>
+      <p:sp>
+        <p:nvSpPr>
+          <p:cNvPr id="36" name="Line 24">
+            <a:extLst>
+              <a:ext uri="{FF2B5EF4-FFF2-40B4-BE49-F238E27FC236}">
+                <a16:creationId xmlns:a16="http://schemas.microsoft.com/office/drawing/2014/main" id="{EBFF2754-BE5A-4435-AF10-04BCF780CD23}"/>
+              </a:ext>
+            </a:extLst>
+          </p:cNvPr>
+          <p:cNvSpPr>
+            <a:spLocks noChangeShapeType="1"/>
+          </p:cNvSpPr>
+          <p:nvPr/>
+        </p:nvSpPr>
+        <p:spPr bwMode="auto">
+          <a:xfrm>
+            <a:off x="3209283" y="2136758"/>
+            <a:ext cx="0" cy="0"/>
+          </a:xfrm>
+          <a:prstGeom prst="line">
+            <a:avLst/>
+          </a:prstGeom>
+          <a:noFill/>
+          <a:ln w="9525">
+            <a:solidFill>
+              <a:srgbClr val="000000"/>
+            </a:solidFill>
+            <a:round/>
+            <a:headEnd/>
+            <a:tailEnd/>
+          </a:ln>
+          <a:extLst>
+            <a:ext uri="{909E8E84-426E-40DD-AFC4-6F175D3DCCD1}">
+              <a14:hiddenFill xmlns:a14="http://schemas.microsoft.com/office/drawing/2010/main">
+                <a:noFill/>
+              </a14:hiddenFill>
+            </a:ext>
+          </a:extLst>
+        </p:spPr>
+        <p:txBody>
+          <a:bodyPr vert="horz" wrap="square" lIns="91440" tIns="45720" rIns="91440" bIns="45720" numCol="1" anchor="t" anchorCtr="0" compatLnSpc="1">
+            <a:prstTxWarp prst="textNoShape">
+              <a:avLst/>
+            </a:prstTxWarp>
+          </a:bodyPr>
+          <a:lstStyle/>
+          <a:p>
+            <a:endParaRPr lang="en-GB"/>
+          </a:p>
+        </p:txBody>
+      </p:sp>
+      <p:sp>
+        <p:nvSpPr>
+          <p:cNvPr id="37" name="Line 23">
+            <a:extLst>
+              <a:ext uri="{FF2B5EF4-FFF2-40B4-BE49-F238E27FC236}">
+                <a16:creationId xmlns:a16="http://schemas.microsoft.com/office/drawing/2014/main" id="{445031AB-EA30-49B0-8E4E-1C7F2CC015BE}"/>
+              </a:ext>
+            </a:extLst>
+          </p:cNvPr>
+          <p:cNvSpPr>
+            <a:spLocks noChangeShapeType="1"/>
+          </p:cNvSpPr>
+          <p:nvPr/>
+        </p:nvSpPr>
+        <p:spPr bwMode="auto">
+          <a:xfrm>
+            <a:off x="3209283" y="2136758"/>
+            <a:ext cx="5171846" cy="0"/>
+          </a:xfrm>
+          <a:prstGeom prst="line">
+            <a:avLst/>
+          </a:prstGeom>
+          <a:noFill/>
+          <a:ln w="9525">
+            <a:solidFill>
+              <a:srgbClr val="000000"/>
+            </a:solidFill>
+            <a:round/>
+            <a:headEnd/>
+            <a:tailEnd/>
+          </a:ln>
+          <a:extLst>
+            <a:ext uri="{909E8E84-426E-40DD-AFC4-6F175D3DCCD1}">
+              <a14:hiddenFill xmlns:a14="http://schemas.microsoft.com/office/drawing/2010/main">
+                <a:noFill/>
+              </a14:hiddenFill>
+            </a:ext>
+          </a:extLst>
+        </p:spPr>
+        <p:txBody>
+          <a:bodyPr vert="horz" wrap="square" lIns="91440" tIns="45720" rIns="91440" bIns="45720" numCol="1" anchor="t" anchorCtr="0" compatLnSpc="1">
+            <a:prstTxWarp prst="textNoShape">
+              <a:avLst/>
+            </a:prstTxWarp>
+          </a:bodyPr>
+          <a:lstStyle/>
+          <a:p>
+            <a:endParaRPr lang="en-GB"/>
+          </a:p>
+        </p:txBody>
+      </p:sp>
+      <p:sp>
+        <p:nvSpPr>
+          <p:cNvPr id="38" name="Line 22">
+            <a:extLst>
+              <a:ext uri="{FF2B5EF4-FFF2-40B4-BE49-F238E27FC236}">
+                <a16:creationId xmlns:a16="http://schemas.microsoft.com/office/drawing/2014/main" id="{69D9FF51-69B2-4F35-8A79-01252BB08A22}"/>
+              </a:ext>
+            </a:extLst>
+          </p:cNvPr>
+          <p:cNvSpPr>
+            <a:spLocks noChangeShapeType="1"/>
+          </p:cNvSpPr>
+          <p:nvPr/>
+        </p:nvSpPr>
+        <p:spPr bwMode="auto">
+          <a:xfrm>
+            <a:off x="3209283" y="3245011"/>
+            <a:ext cx="5356555" cy="0"/>
+          </a:xfrm>
+          <a:prstGeom prst="line">
+            <a:avLst/>
+          </a:prstGeom>
+          <a:noFill/>
+          <a:ln w="9525">
+            <a:solidFill>
+              <a:srgbClr val="000000"/>
+            </a:solidFill>
+            <a:round/>
+            <a:headEnd/>
+            <a:tailEnd/>
+          </a:ln>
+          <a:extLst>
+            <a:ext uri="{909E8E84-426E-40DD-AFC4-6F175D3DCCD1}">
+              <a14:hiddenFill xmlns:a14="http://schemas.microsoft.com/office/drawing/2010/main">
+                <a:noFill/>
+              </a14:hiddenFill>
+            </a:ext>
+          </a:extLst>
+        </p:spPr>
+        <p:txBody>
+          <a:bodyPr vert="horz" wrap="square" lIns="91440" tIns="45720" rIns="91440" bIns="45720" numCol="1" anchor="t" anchorCtr="0" compatLnSpc="1">
+            <a:prstTxWarp prst="textNoShape">
+              <a:avLst/>
+            </a:prstTxWarp>
+          </a:bodyPr>
+          <a:lstStyle/>
+          <a:p>
+            <a:endParaRPr lang="en-GB"/>
+          </a:p>
+        </p:txBody>
+      </p:sp>
+      <p:sp>
+        <p:nvSpPr>
+          <p:cNvPr id="39" name="Line 21">
+            <a:extLst>
+              <a:ext uri="{FF2B5EF4-FFF2-40B4-BE49-F238E27FC236}">
+                <a16:creationId xmlns:a16="http://schemas.microsoft.com/office/drawing/2014/main" id="{60912C1F-15F0-4509-B839-92FD0973ACC5}"/>
+              </a:ext>
+            </a:extLst>
+          </p:cNvPr>
+          <p:cNvSpPr>
+            <a:spLocks noChangeShapeType="1"/>
+          </p:cNvSpPr>
+          <p:nvPr/>
+        </p:nvSpPr>
+        <p:spPr bwMode="auto">
+          <a:xfrm>
+            <a:off x="5610497" y="843796"/>
+            <a:ext cx="2401214" cy="3878885"/>
+          </a:xfrm>
+          <a:prstGeom prst="line">
+            <a:avLst/>
+          </a:prstGeom>
+          <a:noFill/>
+          <a:ln w="9525">
+            <a:solidFill>
+              <a:srgbClr val="000000"/>
+            </a:solidFill>
+            <a:round/>
+            <a:headEnd/>
+            <a:tailEnd type="triangle" w="med" len="med"/>
+          </a:ln>
+          <a:extLst>
+            <a:ext uri="{909E8E84-426E-40DD-AFC4-6F175D3DCCD1}">
+              <a14:hiddenFill xmlns:a14="http://schemas.microsoft.com/office/drawing/2010/main">
+                <a:noFill/>
+              </a14:hiddenFill>
+            </a:ext>
+          </a:extLst>
+        </p:spPr>
+        <p:txBody>
+          <a:bodyPr vert="horz" wrap="square" lIns="91440" tIns="45720" rIns="91440" bIns="45720" numCol="1" anchor="t" anchorCtr="0" compatLnSpc="1">
+            <a:prstTxWarp prst="textNoShape">
+              <a:avLst/>
+            </a:prstTxWarp>
+          </a:bodyPr>
+          <a:lstStyle/>
+          <a:p>
+            <a:endParaRPr lang="en-GB"/>
+          </a:p>
+        </p:txBody>
+      </p:sp>
+      <p:sp>
+        <p:nvSpPr>
+          <p:cNvPr id="40" name="Line 20">
+            <a:extLst>
+              <a:ext uri="{FF2B5EF4-FFF2-40B4-BE49-F238E27FC236}">
+                <a16:creationId xmlns:a16="http://schemas.microsoft.com/office/drawing/2014/main" id="{6180EF2C-8421-414C-BA88-88936EE80429}"/>
+              </a:ext>
+            </a:extLst>
+          </p:cNvPr>
+          <p:cNvSpPr>
+            <a:spLocks noChangeShapeType="1"/>
+          </p:cNvSpPr>
+          <p:nvPr/>
+        </p:nvSpPr>
+        <p:spPr bwMode="auto">
+          <a:xfrm>
+            <a:off x="3209283" y="2136758"/>
+            <a:ext cx="0" cy="1108253"/>
+          </a:xfrm>
+          <a:prstGeom prst="line">
+            <a:avLst/>
+          </a:prstGeom>
+          <a:noFill/>
+          <a:ln w="9525">
+            <a:solidFill>
+              <a:srgbClr val="000000"/>
+            </a:solidFill>
+            <a:round/>
+            <a:headEnd/>
+            <a:tailEnd/>
+          </a:ln>
+          <a:extLst>
+            <a:ext uri="{909E8E84-426E-40DD-AFC4-6F175D3DCCD1}">
+              <a14:hiddenFill xmlns:a14="http://schemas.microsoft.com/office/drawing/2010/main">
+                <a:noFill/>
+              </a14:hiddenFill>
+            </a:ext>
+          </a:extLst>
+        </p:spPr>
+        <p:txBody>
+          <a:bodyPr vert="horz" wrap="square" lIns="91440" tIns="45720" rIns="91440" bIns="45720" numCol="1" anchor="t" anchorCtr="0" compatLnSpc="1">
+            <a:prstTxWarp prst="textNoShape">
+              <a:avLst/>
+            </a:prstTxWarp>
+          </a:bodyPr>
+          <a:lstStyle/>
+          <a:p>
+            <a:endParaRPr lang="en-GB"/>
+          </a:p>
+        </p:txBody>
+      </p:sp>
+      <p:sp>
+        <p:nvSpPr>
+          <p:cNvPr id="41" name="Line 19">
+            <a:extLst>
+              <a:ext uri="{FF2B5EF4-FFF2-40B4-BE49-F238E27FC236}">
+                <a16:creationId xmlns:a16="http://schemas.microsoft.com/office/drawing/2014/main" id="{99FAF220-0D36-467B-B769-40559A651AB1}"/>
+              </a:ext>
+            </a:extLst>
+          </p:cNvPr>
+          <p:cNvSpPr>
+            <a:spLocks noChangeShapeType="1"/>
+          </p:cNvSpPr>
+          <p:nvPr/>
+        </p:nvSpPr>
+        <p:spPr bwMode="auto">
+          <a:xfrm>
+            <a:off x="8381129" y="2136758"/>
+            <a:ext cx="0" cy="1108253"/>
+          </a:xfrm>
+          <a:prstGeom prst="line">
+            <a:avLst/>
+          </a:prstGeom>
+          <a:noFill/>
+          <a:ln w="9525">
+            <a:solidFill>
+              <a:srgbClr val="000000"/>
+            </a:solidFill>
+            <a:round/>
+            <a:headEnd/>
+            <a:tailEnd/>
+          </a:ln>
+          <a:extLst>
+            <a:ext uri="{909E8E84-426E-40DD-AFC4-6F175D3DCCD1}">
+              <a14:hiddenFill xmlns:a14="http://schemas.microsoft.com/office/drawing/2010/main">
+                <a:noFill/>
+              </a14:hiddenFill>
+            </a:ext>
+          </a:extLst>
+        </p:spPr>
+        <p:txBody>
+          <a:bodyPr vert="horz" wrap="square" lIns="91440" tIns="45720" rIns="91440" bIns="45720" numCol="1" anchor="t" anchorCtr="0" compatLnSpc="1">
+            <a:prstTxWarp prst="textNoShape">
+              <a:avLst/>
+            </a:prstTxWarp>
+          </a:bodyPr>
+          <a:lstStyle/>
+          <a:p>
+            <a:endParaRPr lang="en-GB"/>
+          </a:p>
+        </p:txBody>
+      </p:sp>
+      <p:sp>
+        <p:nvSpPr>
+          <p:cNvPr id="42" name="Line 18">
+            <a:extLst>
+              <a:ext uri="{FF2B5EF4-FFF2-40B4-BE49-F238E27FC236}">
+                <a16:creationId xmlns:a16="http://schemas.microsoft.com/office/drawing/2014/main" id="{A56758A8-8225-4B7E-A6F6-0287D2E08AE1}"/>
+              </a:ext>
+            </a:extLst>
+          </p:cNvPr>
+          <p:cNvSpPr>
+            <a:spLocks noChangeShapeType="1"/>
+          </p:cNvSpPr>
+          <p:nvPr/>
+        </p:nvSpPr>
+        <p:spPr bwMode="auto">
+          <a:xfrm flipH="1">
+            <a:off x="4686953" y="2136758"/>
+            <a:ext cx="1662379" cy="2955341"/>
+          </a:xfrm>
+          <a:prstGeom prst="line">
+            <a:avLst/>
+          </a:prstGeom>
+          <a:noFill/>
+          <a:ln w="9525">
+            <a:solidFill>
+              <a:srgbClr val="000000"/>
+            </a:solidFill>
+            <a:prstDash val="dash"/>
+            <a:round/>
+            <a:headEnd/>
+            <a:tailEnd type="triangle" w="med" len="med"/>
+          </a:ln>
+          <a:extLst>
+            <a:ext uri="{909E8E84-426E-40DD-AFC4-6F175D3DCCD1}">
+              <a14:hiddenFill xmlns:a14="http://schemas.microsoft.com/office/drawing/2010/main">
+                <a:noFill/>
+              </a14:hiddenFill>
+            </a:ext>
+          </a:extLst>
+        </p:spPr>
+        <p:txBody>
+          <a:bodyPr vert="horz" wrap="square" lIns="91440" tIns="45720" rIns="91440" bIns="45720" numCol="1" anchor="t" anchorCtr="0" compatLnSpc="1">
+            <a:prstTxWarp prst="textNoShape">
+              <a:avLst/>
+            </a:prstTxWarp>
+          </a:bodyPr>
+          <a:lstStyle/>
+          <a:p>
+            <a:endParaRPr lang="en-GB"/>
+          </a:p>
+        </p:txBody>
+      </p:sp>
+      <p:sp>
+        <p:nvSpPr>
+          <p:cNvPr id="43" name="Line 17">
+            <a:extLst>
+              <a:ext uri="{FF2B5EF4-FFF2-40B4-BE49-F238E27FC236}">
+                <a16:creationId xmlns:a16="http://schemas.microsoft.com/office/drawing/2014/main" id="{46AD3F8A-7C15-4C36-A645-707F03BD7F10}"/>
+              </a:ext>
+            </a:extLst>
+          </p:cNvPr>
+          <p:cNvSpPr>
+            <a:spLocks noChangeShapeType="1"/>
+          </p:cNvSpPr>
+          <p:nvPr/>
+        </p:nvSpPr>
+        <p:spPr bwMode="auto">
+          <a:xfrm flipH="1">
+            <a:off x="5979915" y="3245011"/>
+            <a:ext cx="1108253" cy="2031797"/>
+          </a:xfrm>
+          <a:prstGeom prst="line">
+            <a:avLst/>
+          </a:prstGeom>
+          <a:noFill/>
+          <a:ln w="9525">
+            <a:solidFill>
+              <a:srgbClr val="000000"/>
+            </a:solidFill>
+            <a:prstDash val="dash"/>
+            <a:round/>
+            <a:headEnd/>
+            <a:tailEnd type="triangle" w="med" len="med"/>
+          </a:ln>
+          <a:extLst>
+            <a:ext uri="{909E8E84-426E-40DD-AFC4-6F175D3DCCD1}">
+              <a14:hiddenFill xmlns:a14="http://schemas.microsoft.com/office/drawing/2010/main">
+                <a:noFill/>
+              </a14:hiddenFill>
+            </a:ext>
+          </a:extLst>
+        </p:spPr>
+        <p:txBody>
+          <a:bodyPr vert="horz" wrap="square" lIns="91440" tIns="45720" rIns="91440" bIns="45720" numCol="1" anchor="t" anchorCtr="0" compatLnSpc="1">
+            <a:prstTxWarp prst="textNoShape">
+              <a:avLst/>
+            </a:prstTxWarp>
+          </a:bodyPr>
+          <a:lstStyle/>
+          <a:p>
+            <a:endParaRPr lang="en-GB"/>
+          </a:p>
+        </p:txBody>
+      </p:sp>
+      <p:sp>
+        <p:nvSpPr>
+          <p:cNvPr id="44" name="Line 16">
+            <a:extLst>
+              <a:ext uri="{FF2B5EF4-FFF2-40B4-BE49-F238E27FC236}">
+                <a16:creationId xmlns:a16="http://schemas.microsoft.com/office/drawing/2014/main" id="{3A653E94-E38F-44D3-9A80-8CBCEF123222}"/>
+              </a:ext>
+            </a:extLst>
+          </p:cNvPr>
+          <p:cNvSpPr>
+            <a:spLocks noChangeShapeType="1"/>
+          </p:cNvSpPr>
+          <p:nvPr/>
+        </p:nvSpPr>
+        <p:spPr bwMode="auto">
+          <a:xfrm>
+            <a:off x="4642901" y="2413822"/>
+            <a:ext cx="4148389" cy="2031795"/>
+          </a:xfrm>
+          <a:prstGeom prst="line">
+            <a:avLst/>
+          </a:prstGeom>
+          <a:noFill/>
+          <a:ln w="9525">
+            <a:solidFill>
+              <a:srgbClr val="000000"/>
+            </a:solidFill>
+            <a:round/>
+            <a:headEnd/>
+            <a:tailEnd type="triangle" w="med" len="med"/>
+          </a:ln>
+          <a:extLst>
+            <a:ext uri="{909E8E84-426E-40DD-AFC4-6F175D3DCCD1}">
+              <a14:hiddenFill xmlns:a14="http://schemas.microsoft.com/office/drawing/2010/main">
+                <a:noFill/>
+              </a14:hiddenFill>
+            </a:ext>
+          </a:extLst>
+        </p:spPr>
+        <p:txBody>
+          <a:bodyPr vert="horz" wrap="square" lIns="91440" tIns="45720" rIns="91440" bIns="45720" numCol="1" anchor="t" anchorCtr="0" compatLnSpc="1">
+            <a:prstTxWarp prst="textNoShape">
+              <a:avLst/>
+            </a:prstTxWarp>
+          </a:bodyPr>
+          <a:lstStyle/>
+          <a:p>
+            <a:endParaRPr lang="en-GB"/>
+          </a:p>
+        </p:txBody>
+      </p:sp>
+      <p:sp>
+        <p:nvSpPr>
+          <p:cNvPr id="45" name="Text Box 15">
+            <a:extLst>
+              <a:ext uri="{FF2B5EF4-FFF2-40B4-BE49-F238E27FC236}">
+                <a16:creationId xmlns:a16="http://schemas.microsoft.com/office/drawing/2014/main" id="{57C8293F-929C-408D-868E-52375B06573D}"/>
+              </a:ext>
+            </a:extLst>
+          </p:cNvPr>
+          <p:cNvSpPr txBox="1">
+            <a:spLocks noChangeArrowheads="1"/>
+          </p:cNvSpPr>
+          <p:nvPr/>
+        </p:nvSpPr>
+        <p:spPr bwMode="auto">
+          <a:xfrm>
+            <a:off x="5446160" y="2878073"/>
+            <a:ext cx="554126" cy="369418"/>
+          </a:xfrm>
+          <a:prstGeom prst="rect">
+            <a:avLst/>
+          </a:prstGeom>
+          <a:noFill/>
+          <a:ln>
+            <a:noFill/>
+          </a:ln>
+          <a:extLst>
+            <a:ext uri="{909E8E84-426E-40DD-AFC4-6F175D3DCCD1}">
+              <a14:hiddenFill xmlns:a14="http://schemas.microsoft.com/office/drawing/2010/main">
+                <a:solidFill>
+                  <a:srgbClr val="FFFFFF"/>
+                </a:solidFill>
+              </a14:hiddenFill>
+            </a:ext>
+            <a:ext uri="{91240B29-F687-4F45-9708-019B960494DF}">
+              <a14:hiddenLine xmlns:a14="http://schemas.microsoft.com/office/drawing/2010/main" w="9525">
+                <a:solidFill>
+                  <a:srgbClr val="000000"/>
+                </a:solidFill>
+                <a:miter lim="800000"/>
+                <a:headEnd/>
+                <a:tailEnd/>
+              </a14:hiddenLine>
+            </a:ext>
+          </a:extLst>
+        </p:spPr>
+        <p:txBody>
+          <a:bodyPr vert="horz" wrap="square" lIns="91440" tIns="45720" rIns="91440" bIns="45720" numCol="1" anchor="t" anchorCtr="0" compatLnSpc="1">
+            <a:prstTxWarp prst="textNoShape">
+              <a:avLst/>
+            </a:prstTxWarp>
+          </a:bodyPr>
+          <a:lstStyle/>
+          <a:p>
+            <a:pPr marL="0" marR="0" lvl="0" indent="0" algn="l" defTabSz="914400" rtl="0" eaLnBrk="0" fontAlgn="base" latinLnBrk="0" hangingPunct="0">
+              <a:lnSpc>
+                <a:spcPct val="100000"/>
+              </a:lnSpc>
+              <a:spcBef>
+                <a:spcPct val="0"/>
+              </a:spcBef>
+              <a:spcAft>
+                <a:spcPct val="0"/>
+              </a:spcAft>
+              <a:buClrTx/>
+              <a:buSzTx/>
+              <a:buFontTx/>
+              <a:buNone/>
+              <a:tabLst/>
+            </a:pPr>
+            <a:r>
+              <a:rPr kumimoji="0" lang="en-US" altLang="en-US" sz="1400" b="0" i="0" u="none" strike="noStrike" cap="none" normalizeH="0" baseline="0">
+                <a:ln>
+                  <a:noFill/>
+                </a:ln>
+                <a:solidFill>
+                  <a:schemeClr val="tx1"/>
+                </a:solidFill>
+                <a:effectLst/>
+                <a:latin typeface="Arial" panose="020B0604020202020204" pitchFamily="34" charset="0"/>
+                <a:ea typeface="Times New Roman" panose="02020603050405020304" pitchFamily="18" charset="0"/>
+              </a:rPr>
+              <a:t>-</a:t>
+            </a:r>
+            <a:r>
+              <a:rPr kumimoji="0" lang="en-US" altLang="en-US" sz="1200" b="0" i="1" u="none" strike="noStrike" cap="none" normalizeH="0" baseline="0">
+                <a:ln>
+                  <a:noFill/>
+                </a:ln>
+                <a:solidFill>
+                  <a:schemeClr val="tx1"/>
+                </a:solidFill>
+                <a:effectLst/>
+                <a:latin typeface="Arial" panose="020B0604020202020204" pitchFamily="34" charset="0"/>
+                <a:ea typeface="Times New Roman" panose="02020603050405020304" pitchFamily="18" charset="0"/>
+              </a:rPr>
+              <a:t>a</a:t>
+            </a:r>
+            <a:endParaRPr kumimoji="0" lang="en-US" altLang="en-US" sz="1800" b="0" i="0" u="none" strike="noStrike" cap="none" normalizeH="0" baseline="0">
+              <a:ln>
+                <a:noFill/>
+              </a:ln>
+              <a:solidFill>
+                <a:schemeClr val="tx1"/>
+              </a:solidFill>
+              <a:effectLst/>
+              <a:latin typeface="Arial" panose="020B0604020202020204" pitchFamily="34" charset="0"/>
+            </a:endParaRPr>
+          </a:p>
+        </p:txBody>
+      </p:sp>
+      <p:sp>
+        <p:nvSpPr>
+          <p:cNvPr id="46" name="Text Box 14">
+            <a:extLst>
+              <a:ext uri="{FF2B5EF4-FFF2-40B4-BE49-F238E27FC236}">
+                <a16:creationId xmlns:a16="http://schemas.microsoft.com/office/drawing/2014/main" id="{3FE2E3F2-7782-4286-BEC7-0A9AEFCD6335}"/>
+              </a:ext>
+            </a:extLst>
+          </p:cNvPr>
+          <p:cNvSpPr txBox="1">
+            <a:spLocks noChangeArrowheads="1"/>
+          </p:cNvSpPr>
+          <p:nvPr/>
+        </p:nvSpPr>
+        <p:spPr bwMode="auto">
+          <a:xfrm>
+            <a:off x="6840756" y="3612989"/>
+            <a:ext cx="369418" cy="369418"/>
+          </a:xfrm>
+          <a:prstGeom prst="rect">
+            <a:avLst/>
+          </a:prstGeom>
+          <a:noFill/>
+          <a:ln>
+            <a:noFill/>
+          </a:ln>
+          <a:extLst>
+            <a:ext uri="{909E8E84-426E-40DD-AFC4-6F175D3DCCD1}">
+              <a14:hiddenFill xmlns:a14="http://schemas.microsoft.com/office/drawing/2010/main">
+                <a:solidFill>
+                  <a:srgbClr val="FFFFFF"/>
+                </a:solidFill>
+              </a14:hiddenFill>
+            </a:ext>
+            <a:ext uri="{91240B29-F687-4F45-9708-019B960494DF}">
+              <a14:hiddenLine xmlns:a14="http://schemas.microsoft.com/office/drawing/2010/main" w="9525">
+                <a:solidFill>
+                  <a:srgbClr val="000000"/>
+                </a:solidFill>
+                <a:miter lim="800000"/>
+                <a:headEnd/>
+                <a:tailEnd/>
+              </a14:hiddenLine>
+            </a:ext>
+          </a:extLst>
+        </p:spPr>
+        <p:txBody>
+          <a:bodyPr vert="horz" wrap="square" lIns="91440" tIns="45720" rIns="91440" bIns="45720" numCol="1" anchor="t" anchorCtr="0" compatLnSpc="1">
+            <a:prstTxWarp prst="textNoShape">
+              <a:avLst/>
+            </a:prstTxWarp>
+          </a:bodyPr>
+          <a:lstStyle/>
+          <a:p>
+            <a:pPr marL="0" marR="0" lvl="0" indent="0" algn="l" defTabSz="914400" rtl="0" eaLnBrk="0" fontAlgn="base" latinLnBrk="0" hangingPunct="0">
+              <a:lnSpc>
+                <a:spcPct val="100000"/>
+              </a:lnSpc>
+              <a:spcBef>
+                <a:spcPct val="0"/>
+              </a:spcBef>
+              <a:spcAft>
+                <a:spcPct val="0"/>
+              </a:spcAft>
+              <a:buClrTx/>
+              <a:buSzTx/>
+              <a:buFontTx/>
+              <a:buNone/>
+              <a:tabLst/>
+            </a:pPr>
+            <a:r>
+              <a:rPr kumimoji="0" lang="en-US" altLang="en-US" sz="1200" b="0" i="1" u="none" strike="noStrike" cap="none" normalizeH="0" baseline="0" dirty="0">
+                <a:ln>
+                  <a:noFill/>
+                </a:ln>
+                <a:solidFill>
+                  <a:schemeClr val="tx1"/>
+                </a:solidFill>
+                <a:effectLst/>
+                <a:latin typeface="Arial" panose="020B0604020202020204" pitchFamily="34" charset="0"/>
+                <a:ea typeface="Times New Roman" panose="02020603050405020304" pitchFamily="18" charset="0"/>
+              </a:rPr>
+              <a:t>a</a:t>
+            </a:r>
+            <a:endParaRPr kumimoji="0" lang="en-US" altLang="en-US" sz="1800" b="0" i="0" u="none" strike="noStrike" cap="none" normalizeH="0" baseline="0" dirty="0">
+              <a:ln>
+                <a:noFill/>
+              </a:ln>
+              <a:solidFill>
+                <a:schemeClr val="tx1"/>
+              </a:solidFill>
+              <a:effectLst/>
+              <a:latin typeface="Arial" panose="020B0604020202020204" pitchFamily="34" charset="0"/>
+            </a:endParaRPr>
+          </a:p>
+        </p:txBody>
+      </p:sp>
+      <p:sp>
+        <p:nvSpPr>
+          <p:cNvPr id="48" name="Line 12">
+            <a:extLst>
+              <a:ext uri="{FF2B5EF4-FFF2-40B4-BE49-F238E27FC236}">
+                <a16:creationId xmlns:a16="http://schemas.microsoft.com/office/drawing/2014/main" id="{8E8D4E7D-A24A-40D6-9DCD-08819655FA4F}"/>
+              </a:ext>
+            </a:extLst>
+          </p:cNvPr>
+          <p:cNvSpPr>
+            <a:spLocks noChangeShapeType="1"/>
+          </p:cNvSpPr>
+          <p:nvPr/>
+        </p:nvSpPr>
+        <p:spPr bwMode="auto">
+          <a:xfrm flipH="1" flipV="1">
+            <a:off x="5979915" y="2690884"/>
+            <a:ext cx="369418" cy="554126"/>
+          </a:xfrm>
+          <a:prstGeom prst="line">
+            <a:avLst/>
+          </a:prstGeom>
+          <a:noFill/>
+          <a:ln w="9525">
+            <a:solidFill>
+              <a:srgbClr val="000000"/>
+            </a:solidFill>
+            <a:prstDash val="dash"/>
+            <a:round/>
+            <a:headEnd/>
+            <a:tailEnd/>
+          </a:ln>
+          <a:extLst>
+            <a:ext uri="{909E8E84-426E-40DD-AFC4-6F175D3DCCD1}">
+              <a14:hiddenFill xmlns:a14="http://schemas.microsoft.com/office/drawing/2010/main">
+                <a:noFill/>
+              </a14:hiddenFill>
+            </a:ext>
+          </a:extLst>
+        </p:spPr>
+        <p:txBody>
+          <a:bodyPr vert="horz" wrap="square" lIns="91440" tIns="45720" rIns="91440" bIns="45720" numCol="1" anchor="t" anchorCtr="0" compatLnSpc="1">
+            <a:prstTxWarp prst="textNoShape">
+              <a:avLst/>
+            </a:prstTxWarp>
+          </a:bodyPr>
+          <a:lstStyle/>
+          <a:p>
+            <a:endParaRPr lang="en-GB"/>
+          </a:p>
+        </p:txBody>
+      </p:sp>
+      <p:sp>
+        <p:nvSpPr>
+          <p:cNvPr id="49" name="Text Box 11">
+            <a:extLst>
+              <a:ext uri="{FF2B5EF4-FFF2-40B4-BE49-F238E27FC236}">
+                <a16:creationId xmlns:a16="http://schemas.microsoft.com/office/drawing/2014/main" id="{08173C02-FFC3-4896-AF0B-D7FF062BDC5F}"/>
+              </a:ext>
+            </a:extLst>
+          </p:cNvPr>
+          <p:cNvSpPr txBox="1">
+            <a:spLocks noChangeArrowheads="1"/>
+          </p:cNvSpPr>
+          <p:nvPr/>
+        </p:nvSpPr>
+        <p:spPr bwMode="auto">
+          <a:xfrm>
+            <a:off x="6349332" y="1767340"/>
+            <a:ext cx="554126" cy="369418"/>
+          </a:xfrm>
+          <a:prstGeom prst="rect">
+            <a:avLst/>
+          </a:prstGeom>
+          <a:noFill/>
+          <a:ln>
+            <a:noFill/>
+          </a:ln>
+          <a:extLst>
+            <a:ext uri="{909E8E84-426E-40DD-AFC4-6F175D3DCCD1}">
+              <a14:hiddenFill xmlns:a14="http://schemas.microsoft.com/office/drawing/2010/main">
+                <a:solidFill>
+                  <a:srgbClr val="FFFFFF"/>
+                </a:solidFill>
+              </a14:hiddenFill>
+            </a:ext>
+            <a:ext uri="{91240B29-F687-4F45-9708-019B960494DF}">
+              <a14:hiddenLine xmlns:a14="http://schemas.microsoft.com/office/drawing/2010/main" w="9525">
+                <a:solidFill>
+                  <a:srgbClr val="000000"/>
+                </a:solidFill>
+                <a:miter lim="800000"/>
+                <a:headEnd/>
+                <a:tailEnd/>
+              </a14:hiddenLine>
+            </a:ext>
+          </a:extLst>
+        </p:spPr>
+        <p:txBody>
+          <a:bodyPr vert="horz" wrap="square" lIns="91440" tIns="45720" rIns="91440" bIns="45720" numCol="1" anchor="t" anchorCtr="0" compatLnSpc="1">
+            <a:prstTxWarp prst="textNoShape">
+              <a:avLst/>
+            </a:prstTxWarp>
+          </a:bodyPr>
+          <a:lstStyle/>
+          <a:p>
+            <a:pPr marL="0" marR="0" lvl="0" indent="0" algn="l" defTabSz="914400" rtl="0" eaLnBrk="0" fontAlgn="base" latinLnBrk="0" hangingPunct="0">
+              <a:lnSpc>
+                <a:spcPct val="100000"/>
+              </a:lnSpc>
+              <a:spcBef>
+                <a:spcPct val="0"/>
+              </a:spcBef>
+              <a:spcAft>
+                <a:spcPct val="0"/>
+              </a:spcAft>
+              <a:buClrTx/>
+              <a:buSzTx/>
+              <a:buFontTx/>
+              <a:buNone/>
+              <a:tabLst/>
+            </a:pPr>
+            <a:r>
+              <a:rPr kumimoji="0" lang="en-US" altLang="en-US" sz="1200" b="0" i="1" u="none" strike="noStrike" cap="none" normalizeH="0" baseline="0">
+                <a:ln>
+                  <a:noFill/>
+                </a:ln>
+                <a:solidFill>
+                  <a:schemeClr val="tx1"/>
+                </a:solidFill>
+                <a:effectLst/>
+                <a:latin typeface="Arial" panose="020B0604020202020204" pitchFamily="34" charset="0"/>
+                <a:ea typeface="Times New Roman" panose="02020603050405020304" pitchFamily="18" charset="0"/>
+              </a:rPr>
+              <a:t>O</a:t>
+            </a:r>
+            <a:endParaRPr kumimoji="0" lang="en-US" altLang="en-US" sz="1800" b="0" i="0" u="none" strike="noStrike" cap="none" normalizeH="0" baseline="0">
+              <a:ln>
+                <a:noFill/>
+              </a:ln>
+              <a:solidFill>
+                <a:schemeClr val="tx1"/>
+              </a:solidFill>
+              <a:effectLst/>
+              <a:latin typeface="Arial" panose="020B0604020202020204" pitchFamily="34" charset="0"/>
+            </a:endParaRPr>
+          </a:p>
+        </p:txBody>
+      </p:sp>
+      <p:sp>
+        <p:nvSpPr>
+          <p:cNvPr id="50" name="Text Box 9">
+            <a:extLst>
+              <a:ext uri="{FF2B5EF4-FFF2-40B4-BE49-F238E27FC236}">
+                <a16:creationId xmlns:a16="http://schemas.microsoft.com/office/drawing/2014/main" id="{352FB9C8-AADD-4448-B067-6C6C13D9F964}"/>
+              </a:ext>
+            </a:extLst>
+          </p:cNvPr>
+          <p:cNvSpPr txBox="1">
+            <a:spLocks noChangeArrowheads="1"/>
+          </p:cNvSpPr>
+          <p:nvPr/>
+        </p:nvSpPr>
+        <p:spPr bwMode="auto">
+          <a:xfrm>
+            <a:off x="6534041" y="2321467"/>
+            <a:ext cx="356188" cy="369332"/>
+          </a:xfrm>
+          <a:prstGeom prst="rect">
+            <a:avLst/>
+          </a:prstGeom>
+          <a:noFill/>
+          <a:ln>
+            <a:noFill/>
+          </a:ln>
+          <a:extLst>
+            <a:ext uri="{909E8E84-426E-40DD-AFC4-6F175D3DCCD1}">
+              <a14:hiddenFill xmlns:a14="http://schemas.microsoft.com/office/drawing/2010/main">
+                <a:solidFill>
+                  <a:srgbClr val="FFFFFF"/>
+                </a:solidFill>
+              </a14:hiddenFill>
+            </a:ext>
+            <a:ext uri="{91240B29-F687-4F45-9708-019B960494DF}">
+              <a14:hiddenLine xmlns:a14="http://schemas.microsoft.com/office/drawing/2010/main" w="9525">
+                <a:solidFill>
+                  <a:srgbClr val="000000"/>
+                </a:solidFill>
+                <a:miter lim="800000"/>
+                <a:headEnd/>
+                <a:tailEnd/>
+              </a14:hiddenLine>
+            </a:ext>
+          </a:extLst>
+        </p:spPr>
+        <p:txBody>
+          <a:bodyPr vert="horz" wrap="none" lIns="91440" tIns="45720" rIns="91440" bIns="45720" numCol="1" anchor="t" anchorCtr="0" compatLnSpc="1">
+            <a:prstTxWarp prst="textNoShape">
+              <a:avLst/>
+            </a:prstTxWarp>
+            <a:spAutoFit/>
+          </a:bodyPr>
+          <a:lstStyle/>
+          <a:p>
+            <a:r>
+              <a:rPr lang="en-US" dirty="0"/>
+              <a:t>s</a:t>
+            </a:r>
+            <a:r>
+              <a:rPr lang="en-US" baseline="-25000" dirty="0"/>
+              <a:t>o</a:t>
+            </a:r>
+            <a:endParaRPr lang="en-GB" baseline="-25000" dirty="0"/>
+          </a:p>
+        </p:txBody>
+      </p:sp>
+      <p:sp>
+        <p:nvSpPr>
+          <p:cNvPr id="51" name="Text Box 7">
+            <a:extLst>
+              <a:ext uri="{FF2B5EF4-FFF2-40B4-BE49-F238E27FC236}">
+                <a16:creationId xmlns:a16="http://schemas.microsoft.com/office/drawing/2014/main" id="{21CE0AE1-5608-40CE-9FCC-C75E1734E2D8}"/>
+              </a:ext>
+            </a:extLst>
+          </p:cNvPr>
+          <p:cNvSpPr txBox="1">
+            <a:spLocks noChangeArrowheads="1"/>
+          </p:cNvSpPr>
+          <p:nvPr/>
+        </p:nvSpPr>
+        <p:spPr bwMode="auto">
+          <a:xfrm>
+            <a:off x="5610497" y="2321467"/>
+            <a:ext cx="554126" cy="554126"/>
+          </a:xfrm>
+          <a:prstGeom prst="rect">
+            <a:avLst/>
+          </a:prstGeom>
+          <a:noFill/>
+          <a:ln>
+            <a:noFill/>
+          </a:ln>
+          <a:extLst>
+            <a:ext uri="{909E8E84-426E-40DD-AFC4-6F175D3DCCD1}">
+              <a14:hiddenFill xmlns:a14="http://schemas.microsoft.com/office/drawing/2010/main">
+                <a:solidFill>
+                  <a:srgbClr val="FFFFFF"/>
+                </a:solidFill>
+              </a14:hiddenFill>
+            </a:ext>
+            <a:ext uri="{91240B29-F687-4F45-9708-019B960494DF}">
+              <a14:hiddenLine xmlns:a14="http://schemas.microsoft.com/office/drawing/2010/main" w="9525">
+                <a:solidFill>
+                  <a:srgbClr val="000000"/>
+                </a:solidFill>
+                <a:miter lim="800000"/>
+                <a:headEnd/>
+                <a:tailEnd/>
+              </a14:hiddenLine>
+            </a:ext>
+          </a:extLst>
+        </p:spPr>
+        <p:txBody>
+          <a:bodyPr vert="horz" wrap="square" lIns="91440" tIns="45720" rIns="91440" bIns="45720" numCol="1" anchor="t" anchorCtr="0" compatLnSpc="1">
+            <a:prstTxWarp prst="textNoShape">
+              <a:avLst/>
+            </a:prstTxWarp>
+          </a:bodyPr>
+          <a:lstStyle/>
+          <a:p>
+            <a:r>
+              <a:rPr lang="en-US" dirty="0" err="1"/>
+              <a:t>s</a:t>
+            </a:r>
+            <a:r>
+              <a:rPr lang="en-US" baseline="-25000" dirty="0" err="1"/>
+              <a:t>h</a:t>
+            </a:r>
+            <a:endParaRPr lang="en-GB" baseline="-25000" dirty="0"/>
+          </a:p>
+        </p:txBody>
+      </p:sp>
+      <p:sp>
+        <p:nvSpPr>
+          <p:cNvPr id="52" name="Text Box 5">
+            <a:extLst>
+              <a:ext uri="{FF2B5EF4-FFF2-40B4-BE49-F238E27FC236}">
+                <a16:creationId xmlns:a16="http://schemas.microsoft.com/office/drawing/2014/main" id="{B674BEC8-38C8-4E7F-A3E1-74520AB76580}"/>
+              </a:ext>
+            </a:extLst>
+          </p:cNvPr>
+          <p:cNvSpPr txBox="1">
+            <a:spLocks noChangeArrowheads="1"/>
+          </p:cNvSpPr>
+          <p:nvPr/>
+        </p:nvSpPr>
+        <p:spPr bwMode="auto">
+          <a:xfrm>
+            <a:off x="8196420" y="4907390"/>
+            <a:ext cx="500253" cy="439966"/>
+          </a:xfrm>
+          <a:prstGeom prst="rect">
+            <a:avLst/>
+          </a:prstGeom>
+          <a:noFill/>
+          <a:ln>
+            <a:noFill/>
+          </a:ln>
+          <a:extLst>
+            <a:ext uri="{909E8E84-426E-40DD-AFC4-6F175D3DCCD1}">
+              <a14:hiddenFill xmlns:a14="http://schemas.microsoft.com/office/drawing/2010/main">
+                <a:solidFill>
+                  <a:srgbClr val="FFFFFF"/>
+                </a:solidFill>
+              </a14:hiddenFill>
+            </a:ext>
+            <a:ext uri="{91240B29-F687-4F45-9708-019B960494DF}">
+              <a14:hiddenLine xmlns:a14="http://schemas.microsoft.com/office/drawing/2010/main" w="9525">
+                <a:solidFill>
+                  <a:srgbClr val="000000"/>
+                </a:solidFill>
+                <a:miter lim="800000"/>
+                <a:headEnd/>
+                <a:tailEnd/>
+              </a14:hiddenLine>
+            </a:ext>
+          </a:extLst>
+        </p:spPr>
+        <p:txBody>
+          <a:bodyPr vert="horz" wrap="none" lIns="91440" tIns="45720" rIns="91440" bIns="45720" numCol="1" anchor="t" anchorCtr="0" compatLnSpc="1">
+            <a:prstTxWarp prst="textNoShape">
+              <a:avLst/>
+            </a:prstTxWarp>
+            <a:spAutoFit/>
+          </a:bodyPr>
+          <a:lstStyle/>
+          <a:p>
+            <a:endParaRPr lang="en-GB"/>
+          </a:p>
+        </p:txBody>
+      </p:sp>
+      <p:sp>
+        <p:nvSpPr>
+          <p:cNvPr id="53" name="Line 4">
+            <a:extLst>
+              <a:ext uri="{FF2B5EF4-FFF2-40B4-BE49-F238E27FC236}">
+                <a16:creationId xmlns:a16="http://schemas.microsoft.com/office/drawing/2014/main" id="{87A39F2B-7915-431D-97A1-DFD9CFA18E27}"/>
+              </a:ext>
+            </a:extLst>
+          </p:cNvPr>
+          <p:cNvSpPr>
+            <a:spLocks noChangeShapeType="1"/>
+          </p:cNvSpPr>
+          <p:nvPr/>
+        </p:nvSpPr>
+        <p:spPr bwMode="auto">
+          <a:xfrm flipV="1">
+            <a:off x="4871662" y="659088"/>
+            <a:ext cx="2401214" cy="1292962"/>
+          </a:xfrm>
+          <a:prstGeom prst="line">
+            <a:avLst/>
+          </a:prstGeom>
+          <a:noFill/>
+          <a:ln w="9525">
+            <a:solidFill>
+              <a:srgbClr val="000000"/>
+            </a:solidFill>
+            <a:round/>
+            <a:headEnd/>
+            <a:tailEnd type="triangle" w="med" len="med"/>
+          </a:ln>
+          <a:extLst>
+            <a:ext uri="{909E8E84-426E-40DD-AFC4-6F175D3DCCD1}">
+              <a14:hiddenFill xmlns:a14="http://schemas.microsoft.com/office/drawing/2010/main">
+                <a:noFill/>
+              </a14:hiddenFill>
+            </a:ext>
+          </a:extLst>
+        </p:spPr>
+        <p:txBody>
+          <a:bodyPr vert="horz" wrap="square" lIns="91440" tIns="45720" rIns="91440" bIns="45720" numCol="1" anchor="t" anchorCtr="0" compatLnSpc="1">
+            <a:prstTxWarp prst="textNoShape">
+              <a:avLst/>
+            </a:prstTxWarp>
+          </a:bodyPr>
+          <a:lstStyle/>
+          <a:p>
+            <a:endParaRPr lang="en-GB"/>
+          </a:p>
+        </p:txBody>
+      </p:sp>
+      <p:sp>
+        <p:nvSpPr>
+          <p:cNvPr id="54" name="Text Box 2">
+            <a:extLst>
+              <a:ext uri="{FF2B5EF4-FFF2-40B4-BE49-F238E27FC236}">
+                <a16:creationId xmlns:a16="http://schemas.microsoft.com/office/drawing/2014/main" id="{6E689FE7-60EF-439B-BEB6-E0996A72B304}"/>
+              </a:ext>
+            </a:extLst>
+          </p:cNvPr>
+          <p:cNvSpPr txBox="1">
+            <a:spLocks noChangeArrowheads="1"/>
+          </p:cNvSpPr>
+          <p:nvPr/>
+        </p:nvSpPr>
+        <p:spPr bwMode="auto">
+          <a:xfrm>
+            <a:off x="7272876" y="474379"/>
+            <a:ext cx="285656" cy="369332"/>
+          </a:xfrm>
+          <a:prstGeom prst="rect">
+            <a:avLst/>
+          </a:prstGeom>
+          <a:noFill/>
+          <a:ln>
+            <a:noFill/>
+          </a:ln>
+          <a:extLst>
+            <a:ext uri="{909E8E84-426E-40DD-AFC4-6F175D3DCCD1}">
+              <a14:hiddenFill xmlns:a14="http://schemas.microsoft.com/office/drawing/2010/main">
+                <a:solidFill>
+                  <a:srgbClr val="FFFFFF"/>
+                </a:solidFill>
+              </a14:hiddenFill>
+            </a:ext>
+            <a:ext uri="{91240B29-F687-4F45-9708-019B960494DF}">
+              <a14:hiddenLine xmlns:a14="http://schemas.microsoft.com/office/drawing/2010/main" w="9525">
+                <a:solidFill>
+                  <a:srgbClr val="000000"/>
+                </a:solidFill>
+                <a:miter lim="800000"/>
+                <a:headEnd/>
+                <a:tailEnd/>
+              </a14:hiddenLine>
+            </a:ext>
+          </a:extLst>
+        </p:spPr>
+        <p:txBody>
+          <a:bodyPr vert="horz" wrap="none" lIns="91440" tIns="45720" rIns="91440" bIns="45720" numCol="1" anchor="t" anchorCtr="0" compatLnSpc="1">
+            <a:prstTxWarp prst="textNoShape">
+              <a:avLst/>
+            </a:prstTxWarp>
+            <a:spAutoFit/>
+          </a:bodyPr>
+          <a:lstStyle/>
+          <a:p>
+            <a:r>
+              <a:rPr lang="en-US" dirty="0">
+                <a:latin typeface="Symbol" panose="05050102010706020507" pitchFamily="18" charset="2"/>
+              </a:rPr>
+              <a:t>t</a:t>
+            </a:r>
+            <a:endParaRPr lang="en-GB" dirty="0">
+              <a:latin typeface="Symbol" panose="05050102010706020507" pitchFamily="18" charset="2"/>
+            </a:endParaRPr>
+          </a:p>
+        </p:txBody>
+      </p:sp>
+      <p:sp>
+        <p:nvSpPr>
+          <p:cNvPr id="55" name="Line 17">
+            <a:extLst>
+              <a:ext uri="{FF2B5EF4-FFF2-40B4-BE49-F238E27FC236}">
+                <a16:creationId xmlns:a16="http://schemas.microsoft.com/office/drawing/2014/main" id="{23327958-E39B-4446-A7B8-913E414A4AEB}"/>
+              </a:ext>
+            </a:extLst>
+          </p:cNvPr>
+          <p:cNvSpPr>
+            <a:spLocks noChangeShapeType="1"/>
+          </p:cNvSpPr>
+          <p:nvPr/>
+        </p:nvSpPr>
+        <p:spPr bwMode="auto">
+          <a:xfrm flipH="1">
+            <a:off x="5241079" y="3245010"/>
+            <a:ext cx="1108253" cy="2031797"/>
+          </a:xfrm>
+          <a:prstGeom prst="line">
+            <a:avLst/>
+          </a:prstGeom>
+          <a:noFill/>
+          <a:ln w="9525">
+            <a:solidFill>
+              <a:srgbClr val="000000"/>
+            </a:solidFill>
+            <a:round/>
+            <a:headEnd/>
+            <a:tailEnd type="triangle" w="med" len="med"/>
+          </a:ln>
+          <a:extLst>
+            <a:ext uri="{909E8E84-426E-40DD-AFC4-6F175D3DCCD1}">
+              <a14:hiddenFill xmlns:a14="http://schemas.microsoft.com/office/drawing/2010/main">
+                <a:noFill/>
+              </a14:hiddenFill>
+            </a:ext>
+          </a:extLst>
+        </p:spPr>
+        <p:txBody>
+          <a:bodyPr vert="horz" wrap="square" lIns="91440" tIns="45720" rIns="91440" bIns="45720" numCol="1" anchor="t" anchorCtr="0" compatLnSpc="1">
+            <a:prstTxWarp prst="textNoShape">
+              <a:avLst/>
+            </a:prstTxWarp>
+          </a:bodyPr>
+          <a:lstStyle/>
+          <a:p>
+            <a:endParaRPr lang="en-GB"/>
+          </a:p>
+        </p:txBody>
+      </p:sp>
+      <p:sp>
+        <p:nvSpPr>
+          <p:cNvPr id="56" name="Line 12">
+            <a:extLst>
+              <a:ext uri="{FF2B5EF4-FFF2-40B4-BE49-F238E27FC236}">
+                <a16:creationId xmlns:a16="http://schemas.microsoft.com/office/drawing/2014/main" id="{8B5514AE-DF92-44F2-96EC-A4B2AB8BB07A}"/>
+              </a:ext>
+            </a:extLst>
+          </p:cNvPr>
+          <p:cNvSpPr>
+            <a:spLocks noChangeShapeType="1"/>
+          </p:cNvSpPr>
+          <p:nvPr/>
+        </p:nvSpPr>
+        <p:spPr bwMode="auto">
+          <a:xfrm flipV="1">
+            <a:off x="6369705" y="2598529"/>
+            <a:ext cx="349046" cy="644002"/>
+          </a:xfrm>
+          <a:prstGeom prst="line">
+            <a:avLst/>
+          </a:prstGeom>
+          <a:noFill/>
+          <a:ln w="9525">
+            <a:solidFill>
+              <a:srgbClr val="000000"/>
+            </a:solidFill>
+            <a:prstDash val="dash"/>
+            <a:round/>
+            <a:headEnd/>
+            <a:tailEnd/>
+          </a:ln>
+          <a:extLst>
+            <a:ext uri="{909E8E84-426E-40DD-AFC4-6F175D3DCCD1}">
+              <a14:hiddenFill xmlns:a14="http://schemas.microsoft.com/office/drawing/2010/main">
+                <a:noFill/>
+              </a14:hiddenFill>
+            </a:ext>
+          </a:extLst>
+        </p:spPr>
+        <p:txBody>
+          <a:bodyPr vert="horz" wrap="square" lIns="91440" tIns="45720" rIns="91440" bIns="45720" numCol="1" anchor="t" anchorCtr="0" compatLnSpc="1">
+            <a:prstTxWarp prst="textNoShape">
+              <a:avLst/>
+            </a:prstTxWarp>
+          </a:bodyPr>
+          <a:lstStyle/>
+          <a:p>
+            <a:endParaRPr lang="en-GB"/>
+          </a:p>
+        </p:txBody>
+      </p:sp>
+      <p:sp>
+        <p:nvSpPr>
+          <p:cNvPr id="57" name="Text Box 2">
+            <a:extLst>
+              <a:ext uri="{FF2B5EF4-FFF2-40B4-BE49-F238E27FC236}">
+                <a16:creationId xmlns:a16="http://schemas.microsoft.com/office/drawing/2014/main" id="{13571179-EE87-4338-B603-92EB89FED27A}"/>
+              </a:ext>
+            </a:extLst>
+          </p:cNvPr>
+          <p:cNvSpPr txBox="1">
+            <a:spLocks noChangeArrowheads="1"/>
+          </p:cNvSpPr>
+          <p:nvPr/>
+        </p:nvSpPr>
+        <p:spPr bwMode="auto">
+          <a:xfrm>
+            <a:off x="8115844" y="3797741"/>
+            <a:ext cx="298480" cy="369332"/>
+          </a:xfrm>
+          <a:prstGeom prst="rect">
+            <a:avLst/>
+          </a:prstGeom>
+          <a:noFill/>
+          <a:ln>
+            <a:noFill/>
+          </a:ln>
+          <a:extLst>
+            <a:ext uri="{909E8E84-426E-40DD-AFC4-6F175D3DCCD1}">
+              <a14:hiddenFill xmlns:a14="http://schemas.microsoft.com/office/drawing/2010/main">
+                <a:solidFill>
+                  <a:srgbClr val="FFFFFF"/>
+                </a:solidFill>
+              </a14:hiddenFill>
+            </a:ext>
+            <a:ext uri="{91240B29-F687-4F45-9708-019B960494DF}">
+              <a14:hiddenLine xmlns:a14="http://schemas.microsoft.com/office/drawing/2010/main" w="9525">
+                <a:solidFill>
+                  <a:srgbClr val="000000"/>
+                </a:solidFill>
+                <a:miter lim="800000"/>
+                <a:headEnd/>
+                <a:tailEnd/>
+              </a14:hiddenLine>
+            </a:ext>
+          </a:extLst>
+        </p:spPr>
+        <p:txBody>
+          <a:bodyPr vert="horz" wrap="none" lIns="91440" tIns="45720" rIns="91440" bIns="45720" numCol="1" anchor="t" anchorCtr="0" compatLnSpc="1">
+            <a:prstTxWarp prst="textNoShape">
+              <a:avLst/>
+            </a:prstTxWarp>
+            <a:spAutoFit/>
+          </a:bodyPr>
+          <a:lstStyle/>
+          <a:p>
+            <a:r>
+              <a:rPr lang="en-US" dirty="0">
+                <a:latin typeface="Symbol" panose="05050102010706020507" pitchFamily="18" charset="2"/>
+              </a:rPr>
+              <a:t>x</a:t>
+            </a:r>
+            <a:endParaRPr lang="en-GB" dirty="0">
+              <a:latin typeface="Symbol" panose="05050102010706020507" pitchFamily="18" charset="2"/>
+            </a:endParaRPr>
+          </a:p>
+        </p:txBody>
+      </p:sp>
+      <p:sp>
+        <p:nvSpPr>
+          <p:cNvPr id="58" name="Text Box 14">
+            <a:extLst>
+              <a:ext uri="{FF2B5EF4-FFF2-40B4-BE49-F238E27FC236}">
+                <a16:creationId xmlns:a16="http://schemas.microsoft.com/office/drawing/2014/main" id="{092A4A36-48B3-4504-AEBF-5BDD772139C0}"/>
+              </a:ext>
+            </a:extLst>
+          </p:cNvPr>
+          <p:cNvSpPr txBox="1">
+            <a:spLocks noChangeArrowheads="1"/>
+          </p:cNvSpPr>
+          <p:nvPr/>
+        </p:nvSpPr>
+        <p:spPr bwMode="auto">
+          <a:xfrm>
+            <a:off x="5425787" y="4991022"/>
+            <a:ext cx="369418" cy="369418"/>
+          </a:xfrm>
+          <a:prstGeom prst="rect">
+            <a:avLst/>
+          </a:prstGeom>
+          <a:noFill/>
+          <a:ln>
+            <a:noFill/>
+          </a:ln>
+          <a:extLst>
+            <a:ext uri="{909E8E84-426E-40DD-AFC4-6F175D3DCCD1}">
+              <a14:hiddenFill xmlns:a14="http://schemas.microsoft.com/office/drawing/2010/main">
+                <a:solidFill>
+                  <a:srgbClr val="FFFFFF"/>
+                </a:solidFill>
+              </a14:hiddenFill>
+            </a:ext>
+            <a:ext uri="{91240B29-F687-4F45-9708-019B960494DF}">
+              <a14:hiddenLine xmlns:a14="http://schemas.microsoft.com/office/drawing/2010/main" w="9525">
+                <a:solidFill>
+                  <a:srgbClr val="000000"/>
+                </a:solidFill>
+                <a:miter lim="800000"/>
+                <a:headEnd/>
+                <a:tailEnd/>
+              </a14:hiddenLine>
+            </a:ext>
+          </a:extLst>
+        </p:spPr>
+        <p:txBody>
+          <a:bodyPr vert="horz" wrap="square" lIns="91440" tIns="45720" rIns="91440" bIns="45720" numCol="1" anchor="t" anchorCtr="0" compatLnSpc="1">
+            <a:prstTxWarp prst="textNoShape">
+              <a:avLst/>
+            </a:prstTxWarp>
+          </a:bodyPr>
+          <a:lstStyle/>
+          <a:p>
+            <a:pPr marL="0" marR="0" lvl="0" indent="0" algn="l" defTabSz="914400" rtl="0" eaLnBrk="0" fontAlgn="base" latinLnBrk="0" hangingPunct="0">
+              <a:lnSpc>
+                <a:spcPct val="100000"/>
+              </a:lnSpc>
+              <a:spcBef>
+                <a:spcPct val="0"/>
+              </a:spcBef>
+              <a:spcAft>
+                <a:spcPct val="0"/>
+              </a:spcAft>
+              <a:buClrTx/>
+              <a:buSzTx/>
+              <a:buFontTx/>
+              <a:buNone/>
+              <a:tabLst/>
+            </a:pPr>
+            <a:r>
+              <a:rPr kumimoji="0" lang="en-US" altLang="en-US" sz="1200" b="0" i="1" u="none" strike="noStrike" cap="none" normalizeH="0" baseline="0" dirty="0">
+                <a:ln>
+                  <a:noFill/>
+                </a:ln>
+                <a:solidFill>
+                  <a:schemeClr val="tx1"/>
+                </a:solidFill>
+                <a:effectLst/>
+                <a:latin typeface="Arial" panose="020B0604020202020204" pitchFamily="34" charset="0"/>
+                <a:ea typeface="Times New Roman" panose="02020603050405020304" pitchFamily="18" charset="0"/>
+              </a:rPr>
+              <a:t>q</a:t>
+            </a:r>
+            <a:endParaRPr kumimoji="0" lang="en-US" altLang="en-US" sz="1800" b="0" i="0" u="none" strike="noStrike" cap="none" normalizeH="0" baseline="0" dirty="0">
+              <a:ln>
+                <a:noFill/>
+              </a:ln>
+              <a:solidFill>
+                <a:schemeClr val="tx1"/>
+              </a:solidFill>
+              <a:effectLst/>
+              <a:latin typeface="Arial" panose="020B0604020202020204" pitchFamily="34" charset="0"/>
+            </a:endParaRPr>
+          </a:p>
+        </p:txBody>
+      </p:sp>
+    </p:spTree>
+    <p:extLst>
+      <p:ext uri="{BB962C8B-B14F-4D97-AF65-F5344CB8AC3E}">
+        <p14:creationId xmlns:p14="http://schemas.microsoft.com/office/powerpoint/2010/main" val="1546931014"/>
       </p:ext>
     </p:extLst>
   </p:cSld>

--- a/figures/guigay1.pptx
+++ b/figures/guigay1.pptx
@@ -265,7 +265,7 @@
           <a:p>
             <a:fld id="{6A919233-DC6C-415D-B22E-B834F03CD681}" type="datetimeFigureOut">
               <a:rPr lang="en-GB" smtClean="0"/>
-              <a:t>27/01/2021</a:t>
+              <a:t>04/02/2021</a:t>
             </a:fld>
             <a:endParaRPr lang="en-GB"/>
           </a:p>
@@ -465,7 +465,7 @@
           <a:p>
             <a:fld id="{6A919233-DC6C-415D-B22E-B834F03CD681}" type="datetimeFigureOut">
               <a:rPr lang="en-GB" smtClean="0"/>
-              <a:t>27/01/2021</a:t>
+              <a:t>04/02/2021</a:t>
             </a:fld>
             <a:endParaRPr lang="en-GB"/>
           </a:p>
@@ -675,7 +675,7 @@
           <a:p>
             <a:fld id="{6A919233-DC6C-415D-B22E-B834F03CD681}" type="datetimeFigureOut">
               <a:rPr lang="en-GB" smtClean="0"/>
-              <a:t>27/01/2021</a:t>
+              <a:t>04/02/2021</a:t>
             </a:fld>
             <a:endParaRPr lang="en-GB"/>
           </a:p>
@@ -875,7 +875,7 @@
           <a:p>
             <a:fld id="{6A919233-DC6C-415D-B22E-B834F03CD681}" type="datetimeFigureOut">
               <a:rPr lang="en-GB" smtClean="0"/>
-              <a:t>27/01/2021</a:t>
+              <a:t>04/02/2021</a:t>
             </a:fld>
             <a:endParaRPr lang="en-GB"/>
           </a:p>
@@ -1151,7 +1151,7 @@
           <a:p>
             <a:fld id="{6A919233-DC6C-415D-B22E-B834F03CD681}" type="datetimeFigureOut">
               <a:rPr lang="en-GB" smtClean="0"/>
-              <a:t>27/01/2021</a:t>
+              <a:t>04/02/2021</a:t>
             </a:fld>
             <a:endParaRPr lang="en-GB"/>
           </a:p>
@@ -1419,7 +1419,7 @@
           <a:p>
             <a:fld id="{6A919233-DC6C-415D-B22E-B834F03CD681}" type="datetimeFigureOut">
               <a:rPr lang="en-GB" smtClean="0"/>
-              <a:t>27/01/2021</a:t>
+              <a:t>04/02/2021</a:t>
             </a:fld>
             <a:endParaRPr lang="en-GB"/>
           </a:p>
@@ -1834,7 +1834,7 @@
           <a:p>
             <a:fld id="{6A919233-DC6C-415D-B22E-B834F03CD681}" type="datetimeFigureOut">
               <a:rPr lang="en-GB" smtClean="0"/>
-              <a:t>27/01/2021</a:t>
+              <a:t>04/02/2021</a:t>
             </a:fld>
             <a:endParaRPr lang="en-GB"/>
           </a:p>
@@ -1976,7 +1976,7 @@
           <a:p>
             <a:fld id="{6A919233-DC6C-415D-B22E-B834F03CD681}" type="datetimeFigureOut">
               <a:rPr lang="en-GB" smtClean="0"/>
-              <a:t>27/01/2021</a:t>
+              <a:t>04/02/2021</a:t>
             </a:fld>
             <a:endParaRPr lang="en-GB"/>
           </a:p>
@@ -2089,7 +2089,7 @@
           <a:p>
             <a:fld id="{6A919233-DC6C-415D-B22E-B834F03CD681}" type="datetimeFigureOut">
               <a:rPr lang="en-GB" smtClean="0"/>
-              <a:t>27/01/2021</a:t>
+              <a:t>04/02/2021</a:t>
             </a:fld>
             <a:endParaRPr lang="en-GB"/>
           </a:p>
@@ -2402,7 +2402,7 @@
           <a:p>
             <a:fld id="{6A919233-DC6C-415D-B22E-B834F03CD681}" type="datetimeFigureOut">
               <a:rPr lang="en-GB" smtClean="0"/>
-              <a:t>27/01/2021</a:t>
+              <a:t>04/02/2021</a:t>
             </a:fld>
             <a:endParaRPr lang="en-GB"/>
           </a:p>
@@ -2691,7 +2691,7 @@
           <a:p>
             <a:fld id="{6A919233-DC6C-415D-B22E-B834F03CD681}" type="datetimeFigureOut">
               <a:rPr lang="en-GB" smtClean="0"/>
-              <a:t>27/01/2021</a:t>
+              <a:t>04/02/2021</a:t>
             </a:fld>
             <a:endParaRPr lang="en-GB"/>
           </a:p>
@@ -2934,7 +2934,7 @@
           <a:p>
             <a:fld id="{6A919233-DC6C-415D-B22E-B834F03CD681}" type="datetimeFigureOut">
               <a:rPr lang="en-GB" smtClean="0"/>
-              <a:t>27/01/2021</a:t>
+              <a:t>04/02/2021</a:t>
             </a:fld>
             <a:endParaRPr lang="en-GB"/>
           </a:p>
@@ -3532,7 +3532,7 @@
         </p:nvSpPr>
         <p:spPr bwMode="auto">
           <a:xfrm>
-            <a:off x="3238953" y="615455"/>
+            <a:off x="3252142" y="759756"/>
             <a:ext cx="891825" cy="2548071"/>
           </a:xfrm>
           <a:prstGeom prst="line">
@@ -3889,7 +3889,7 @@
         </p:nvSpPr>
         <p:spPr bwMode="auto">
           <a:xfrm>
-            <a:off x="3238953" y="488052"/>
+            <a:off x="3291712" y="678271"/>
             <a:ext cx="509614" cy="382211"/>
           </a:xfrm>
           <a:prstGeom prst="rect">
@@ -3944,7 +3944,7 @@
               <a:tabLst/>
             </a:pPr>
             <a:r>
-              <a:rPr kumimoji="0" lang="en-US" altLang="en-US" sz="1200" b="0" i="1" u="none" strike="noStrike" cap="none" normalizeH="0" baseline="0">
+              <a:rPr kumimoji="0" lang="en-US" altLang="en-US" sz="1200" b="0" i="1" u="none" strike="noStrike" cap="none" normalizeH="0" baseline="0" dirty="0">
                 <a:ln>
                   <a:noFill/>
                 </a:ln>
@@ -3957,7 +3957,7 @@
               </a:rPr>
               <a:t>S</a:t>
             </a:r>
-            <a:endParaRPr kumimoji="0" lang="en-US" altLang="en-US" sz="1800" b="0" i="0" u="none" strike="noStrike" cap="none" normalizeH="0" baseline="0">
+            <a:endParaRPr kumimoji="0" lang="en-US" altLang="en-US" sz="1800" b="0" i="0" u="none" strike="noStrike" cap="none" normalizeH="0" baseline="0" dirty="0">
               <a:ln>
                 <a:noFill/>
               </a:ln>
@@ -3986,7 +3986,7 @@
         </p:nvSpPr>
         <p:spPr bwMode="auto">
           <a:xfrm>
-            <a:off x="3238953" y="2526509"/>
+            <a:off x="3221663" y="2526508"/>
             <a:ext cx="382211" cy="382211"/>
           </a:xfrm>
           <a:prstGeom prst="rect">
@@ -6144,6 +6144,1899 @@
           <a:p>
             <a:pPr algn="ctr"/>
             <a:endParaRPr lang="en-GB"/>
+          </a:p>
+        </p:txBody>
+      </p:sp>
+      <p:sp>
+        <p:nvSpPr>
+          <p:cNvPr id="62" name="Text Box 14">
+            <a:extLst>
+              <a:ext uri="{FF2B5EF4-FFF2-40B4-BE49-F238E27FC236}">
+                <a16:creationId xmlns:a16="http://schemas.microsoft.com/office/drawing/2014/main" id="{7D19A3AF-5949-49AF-B278-4070615E258E}"/>
+              </a:ext>
+            </a:extLst>
+          </p:cNvPr>
+          <p:cNvSpPr txBox="1">
+            <a:spLocks noChangeArrowheads="1"/>
+          </p:cNvSpPr>
+          <p:nvPr/>
+        </p:nvSpPr>
+        <p:spPr bwMode="auto">
+          <a:xfrm flipH="1">
+            <a:off x="2253256" y="1663131"/>
+            <a:ext cx="757270" cy="575805"/>
+          </a:xfrm>
+          <a:prstGeom prst="rect">
+            <a:avLst/>
+          </a:prstGeom>
+          <a:noFill/>
+          <a:ln>
+            <a:noFill/>
+          </a:ln>
+          <a:extLst>
+            <a:ext uri="{909E8E84-426E-40DD-AFC4-6F175D3DCCD1}">
+              <a14:hiddenFill xmlns:a14="http://schemas.microsoft.com/office/drawing/2010/main">
+                <a:solidFill>
+                  <a:srgbClr val="FFFFFF"/>
+                </a:solidFill>
+              </a14:hiddenFill>
+            </a:ext>
+            <a:ext uri="{91240B29-F687-4F45-9708-019B960494DF}">
+              <a14:hiddenLine xmlns:a14="http://schemas.microsoft.com/office/drawing/2010/main" w="9525">
+                <a:solidFill>
+                  <a:srgbClr val="000000"/>
+                </a:solidFill>
+                <a:miter lim="800000"/>
+                <a:headEnd/>
+                <a:tailEnd/>
+              </a14:hiddenLine>
+            </a:ext>
+          </a:extLst>
+        </p:spPr>
+        <p:txBody>
+          <a:bodyPr vert="horz" wrap="square" lIns="91440" tIns="45720" rIns="91440" bIns="45720" numCol="1" anchor="t" anchorCtr="0" compatLnSpc="1">
+            <a:prstTxWarp prst="textNoShape">
+              <a:avLst/>
+            </a:prstTxWarp>
+          </a:bodyPr>
+          <a:lstStyle/>
+          <a:p>
+            <a:pPr marL="0" marR="0" lvl="0" indent="0" algn="l" defTabSz="914400" rtl="0" eaLnBrk="0" fontAlgn="base" latinLnBrk="0" hangingPunct="0">
+              <a:lnSpc>
+                <a:spcPct val="100000"/>
+              </a:lnSpc>
+              <a:spcBef>
+                <a:spcPct val="0"/>
+              </a:spcBef>
+              <a:spcAft>
+                <a:spcPct val="0"/>
+              </a:spcAft>
+              <a:buClrTx/>
+              <a:buSzTx/>
+              <a:buFontTx/>
+              <a:buNone/>
+              <a:tabLst/>
+            </a:pPr>
+            <a:r>
+              <a:rPr lang="en-US" altLang="en-US" i="1" dirty="0">
+                <a:latin typeface="Arial" panose="020B0604020202020204" pitchFamily="34" charset="0"/>
+              </a:rPr>
+              <a:t>L</a:t>
+            </a:r>
+            <a:r>
+              <a:rPr lang="en-US" altLang="en-US" i="1" baseline="-25000" dirty="0">
+                <a:latin typeface="Arial" panose="020B0604020202020204" pitchFamily="34" charset="0"/>
+              </a:rPr>
+              <a:t>0</a:t>
+            </a:r>
+            <a:r>
+              <a:rPr lang="en-US" altLang="en-US" i="1" dirty="0">
+                <a:latin typeface="Arial" panose="020B0604020202020204" pitchFamily="34" charset="0"/>
+              </a:rPr>
+              <a:t>&gt;0</a:t>
+            </a:r>
+          </a:p>
+          <a:p>
+            <a:pPr marL="0" marR="0" lvl="0" indent="0" algn="l" defTabSz="914400" rtl="0" eaLnBrk="0" fontAlgn="base" latinLnBrk="0" hangingPunct="0">
+              <a:lnSpc>
+                <a:spcPct val="100000"/>
+              </a:lnSpc>
+              <a:spcBef>
+                <a:spcPct val="0"/>
+              </a:spcBef>
+              <a:spcAft>
+                <a:spcPct val="0"/>
+              </a:spcAft>
+              <a:buClrTx/>
+              <a:buSzTx/>
+              <a:buFontTx/>
+              <a:buNone/>
+              <a:tabLst/>
+            </a:pPr>
+            <a:r>
+              <a:rPr kumimoji="0" lang="en-US" altLang="en-US" b="0" i="1" u="none" strike="noStrike" cap="none" normalizeH="0" baseline="0" dirty="0" err="1">
+                <a:ln>
+                  <a:noFill/>
+                </a:ln>
+                <a:solidFill>
+                  <a:schemeClr val="tx1"/>
+                </a:solidFill>
+                <a:effectLst/>
+                <a:latin typeface="Arial" panose="020B0604020202020204" pitchFamily="34" charset="0"/>
+              </a:rPr>
+              <a:t>L</a:t>
+            </a:r>
+            <a:r>
+              <a:rPr kumimoji="0" lang="en-US" altLang="en-US" b="0" i="1" u="none" strike="noStrike" cap="none" normalizeH="0" baseline="-25000" dirty="0" err="1">
+                <a:ln>
+                  <a:noFill/>
+                </a:ln>
+                <a:solidFill>
+                  <a:schemeClr val="tx1"/>
+                </a:solidFill>
+                <a:effectLst/>
+                <a:latin typeface="Arial" panose="020B0604020202020204" pitchFamily="34" charset="0"/>
+              </a:rPr>
+              <a:t>h</a:t>
+            </a:r>
+            <a:r>
+              <a:rPr kumimoji="0" lang="en-US" altLang="en-US" b="0" i="1" u="none" strike="noStrike" cap="none" normalizeH="0" baseline="0" dirty="0">
+                <a:ln>
+                  <a:noFill/>
+                </a:ln>
+                <a:solidFill>
+                  <a:schemeClr val="tx1"/>
+                </a:solidFill>
+                <a:effectLst/>
+                <a:latin typeface="Arial" panose="020B0604020202020204" pitchFamily="34" charset="0"/>
+              </a:rPr>
+              <a:t>&lt;0</a:t>
+            </a:r>
+            <a:endParaRPr kumimoji="0" lang="en-US" altLang="en-US" sz="2800" b="0" i="0" u="none" strike="noStrike" cap="none" normalizeH="0" baseline="0" dirty="0">
+              <a:ln>
+                <a:noFill/>
+              </a:ln>
+              <a:solidFill>
+                <a:schemeClr val="tx1"/>
+              </a:solidFill>
+              <a:effectLst/>
+              <a:latin typeface="Arial" panose="020B0604020202020204" pitchFamily="34" charset="0"/>
+            </a:endParaRPr>
+          </a:p>
+        </p:txBody>
+      </p:sp>
+      <p:sp>
+        <p:nvSpPr>
+          <p:cNvPr id="63" name="Text Box 14">
+            <a:extLst>
+              <a:ext uri="{FF2B5EF4-FFF2-40B4-BE49-F238E27FC236}">
+                <a16:creationId xmlns:a16="http://schemas.microsoft.com/office/drawing/2014/main" id="{59B93441-2EF9-44BE-8BEF-BC76BCD998FE}"/>
+              </a:ext>
+            </a:extLst>
+          </p:cNvPr>
+          <p:cNvSpPr txBox="1">
+            <a:spLocks noChangeArrowheads="1"/>
+          </p:cNvSpPr>
+          <p:nvPr/>
+        </p:nvSpPr>
+        <p:spPr bwMode="auto">
+          <a:xfrm flipH="1">
+            <a:off x="6326577" y="1698385"/>
+            <a:ext cx="757270" cy="575805"/>
+          </a:xfrm>
+          <a:prstGeom prst="rect">
+            <a:avLst/>
+          </a:prstGeom>
+          <a:noFill/>
+          <a:ln>
+            <a:noFill/>
+          </a:ln>
+          <a:extLst>
+            <a:ext uri="{909E8E84-426E-40DD-AFC4-6F175D3DCCD1}">
+              <a14:hiddenFill xmlns:a14="http://schemas.microsoft.com/office/drawing/2010/main">
+                <a:solidFill>
+                  <a:srgbClr val="FFFFFF"/>
+                </a:solidFill>
+              </a14:hiddenFill>
+            </a:ext>
+            <a:ext uri="{91240B29-F687-4F45-9708-019B960494DF}">
+              <a14:hiddenLine xmlns:a14="http://schemas.microsoft.com/office/drawing/2010/main" w="9525">
+                <a:solidFill>
+                  <a:srgbClr val="000000"/>
+                </a:solidFill>
+                <a:miter lim="800000"/>
+                <a:headEnd/>
+                <a:tailEnd/>
+              </a14:hiddenLine>
+            </a:ext>
+          </a:extLst>
+        </p:spPr>
+        <p:txBody>
+          <a:bodyPr vert="horz" wrap="square" lIns="91440" tIns="45720" rIns="91440" bIns="45720" numCol="1" anchor="t" anchorCtr="0" compatLnSpc="1">
+            <a:prstTxWarp prst="textNoShape">
+              <a:avLst/>
+            </a:prstTxWarp>
+          </a:bodyPr>
+          <a:lstStyle/>
+          <a:p>
+            <a:pPr marL="0" marR="0" lvl="0" indent="0" algn="l" defTabSz="914400" rtl="0" eaLnBrk="0" fontAlgn="base" latinLnBrk="0" hangingPunct="0">
+              <a:lnSpc>
+                <a:spcPct val="100000"/>
+              </a:lnSpc>
+              <a:spcBef>
+                <a:spcPct val="0"/>
+              </a:spcBef>
+              <a:spcAft>
+                <a:spcPct val="0"/>
+              </a:spcAft>
+              <a:buClrTx/>
+              <a:buSzTx/>
+              <a:buFontTx/>
+              <a:buNone/>
+              <a:tabLst/>
+            </a:pPr>
+            <a:r>
+              <a:rPr lang="en-US" altLang="en-US" i="1" dirty="0">
+                <a:latin typeface="Arial" panose="020B0604020202020204" pitchFamily="34" charset="0"/>
+              </a:rPr>
+              <a:t>L</a:t>
+            </a:r>
+            <a:r>
+              <a:rPr lang="en-US" altLang="en-US" i="1" baseline="-25000" dirty="0">
+                <a:latin typeface="Arial" panose="020B0604020202020204" pitchFamily="34" charset="0"/>
+              </a:rPr>
+              <a:t>0</a:t>
+            </a:r>
+            <a:r>
+              <a:rPr lang="en-US" altLang="en-US" i="1" dirty="0">
+                <a:latin typeface="Arial" panose="020B0604020202020204" pitchFamily="34" charset="0"/>
+              </a:rPr>
+              <a:t>&gt;0</a:t>
+            </a:r>
+          </a:p>
+          <a:p>
+            <a:pPr marL="0" marR="0" lvl="0" indent="0" algn="l" defTabSz="914400" rtl="0" eaLnBrk="0" fontAlgn="base" latinLnBrk="0" hangingPunct="0">
+              <a:lnSpc>
+                <a:spcPct val="100000"/>
+              </a:lnSpc>
+              <a:spcBef>
+                <a:spcPct val="0"/>
+              </a:spcBef>
+              <a:spcAft>
+                <a:spcPct val="0"/>
+              </a:spcAft>
+              <a:buClrTx/>
+              <a:buSzTx/>
+              <a:buFontTx/>
+              <a:buNone/>
+              <a:tabLst/>
+            </a:pPr>
+            <a:r>
+              <a:rPr kumimoji="0" lang="en-US" altLang="en-US" b="0" i="1" u="none" strike="noStrike" cap="none" normalizeH="0" baseline="0" dirty="0" err="1">
+                <a:ln>
+                  <a:noFill/>
+                </a:ln>
+                <a:solidFill>
+                  <a:schemeClr val="tx1"/>
+                </a:solidFill>
+                <a:effectLst/>
+                <a:latin typeface="Arial" panose="020B0604020202020204" pitchFamily="34" charset="0"/>
+              </a:rPr>
+              <a:t>L</a:t>
+            </a:r>
+            <a:r>
+              <a:rPr kumimoji="0" lang="en-US" altLang="en-US" b="0" i="1" u="none" strike="noStrike" cap="none" normalizeH="0" baseline="-25000" dirty="0" err="1">
+                <a:ln>
+                  <a:noFill/>
+                </a:ln>
+                <a:solidFill>
+                  <a:schemeClr val="tx1"/>
+                </a:solidFill>
+                <a:effectLst/>
+                <a:latin typeface="Arial" panose="020B0604020202020204" pitchFamily="34" charset="0"/>
+              </a:rPr>
+              <a:t>h</a:t>
+            </a:r>
+            <a:r>
+              <a:rPr kumimoji="0" lang="en-US" altLang="en-US" b="0" i="1" u="none" strike="noStrike" cap="none" normalizeH="0" baseline="0" dirty="0">
+                <a:ln>
+                  <a:noFill/>
+                </a:ln>
+                <a:solidFill>
+                  <a:schemeClr val="tx1"/>
+                </a:solidFill>
+                <a:effectLst/>
+                <a:latin typeface="Arial" panose="020B0604020202020204" pitchFamily="34" charset="0"/>
+              </a:rPr>
+              <a:t>&gt;0</a:t>
+            </a:r>
+            <a:endParaRPr kumimoji="0" lang="en-US" altLang="en-US" sz="2800" b="0" i="0" u="none" strike="noStrike" cap="none" normalizeH="0" baseline="0" dirty="0">
+              <a:ln>
+                <a:noFill/>
+              </a:ln>
+              <a:solidFill>
+                <a:schemeClr val="tx1"/>
+              </a:solidFill>
+              <a:effectLst/>
+              <a:latin typeface="Arial" panose="020B0604020202020204" pitchFamily="34" charset="0"/>
+            </a:endParaRPr>
+          </a:p>
+        </p:txBody>
+      </p:sp>
+      <p:sp>
+        <p:nvSpPr>
+          <p:cNvPr id="64" name="Text Box 14">
+            <a:extLst>
+              <a:ext uri="{FF2B5EF4-FFF2-40B4-BE49-F238E27FC236}">
+                <a16:creationId xmlns:a16="http://schemas.microsoft.com/office/drawing/2014/main" id="{FBB0F419-512E-4B78-A13A-EE42607FAD7D}"/>
+              </a:ext>
+            </a:extLst>
+          </p:cNvPr>
+          <p:cNvSpPr txBox="1">
+            <a:spLocks noChangeArrowheads="1"/>
+          </p:cNvSpPr>
+          <p:nvPr/>
+        </p:nvSpPr>
+        <p:spPr bwMode="auto">
+          <a:xfrm flipH="1">
+            <a:off x="2371119" y="4531019"/>
+            <a:ext cx="757270" cy="575805"/>
+          </a:xfrm>
+          <a:prstGeom prst="rect">
+            <a:avLst/>
+          </a:prstGeom>
+          <a:noFill/>
+          <a:ln>
+            <a:noFill/>
+          </a:ln>
+          <a:extLst>
+            <a:ext uri="{909E8E84-426E-40DD-AFC4-6F175D3DCCD1}">
+              <a14:hiddenFill xmlns:a14="http://schemas.microsoft.com/office/drawing/2010/main">
+                <a:solidFill>
+                  <a:srgbClr val="FFFFFF"/>
+                </a:solidFill>
+              </a14:hiddenFill>
+            </a:ext>
+            <a:ext uri="{91240B29-F687-4F45-9708-019B960494DF}">
+              <a14:hiddenLine xmlns:a14="http://schemas.microsoft.com/office/drawing/2010/main" w="9525">
+                <a:solidFill>
+                  <a:srgbClr val="000000"/>
+                </a:solidFill>
+                <a:miter lim="800000"/>
+                <a:headEnd/>
+                <a:tailEnd/>
+              </a14:hiddenLine>
+            </a:ext>
+          </a:extLst>
+        </p:spPr>
+        <p:txBody>
+          <a:bodyPr vert="horz" wrap="square" lIns="91440" tIns="45720" rIns="91440" bIns="45720" numCol="1" anchor="t" anchorCtr="0" compatLnSpc="1">
+            <a:prstTxWarp prst="textNoShape">
+              <a:avLst/>
+            </a:prstTxWarp>
+          </a:bodyPr>
+          <a:lstStyle/>
+          <a:p>
+            <a:pPr marL="0" marR="0" lvl="0" indent="0" algn="l" defTabSz="914400" rtl="0" eaLnBrk="0" fontAlgn="base" latinLnBrk="0" hangingPunct="0">
+              <a:lnSpc>
+                <a:spcPct val="100000"/>
+              </a:lnSpc>
+              <a:spcBef>
+                <a:spcPct val="0"/>
+              </a:spcBef>
+              <a:spcAft>
+                <a:spcPct val="0"/>
+              </a:spcAft>
+              <a:buClrTx/>
+              <a:buSzTx/>
+              <a:buFontTx/>
+              <a:buNone/>
+              <a:tabLst/>
+            </a:pPr>
+            <a:r>
+              <a:rPr lang="en-US" altLang="en-US" i="1" dirty="0">
+                <a:latin typeface="Arial" panose="020B0604020202020204" pitchFamily="34" charset="0"/>
+              </a:rPr>
+              <a:t>L</a:t>
+            </a:r>
+            <a:r>
+              <a:rPr lang="en-US" altLang="en-US" i="1" baseline="-25000" dirty="0">
+                <a:latin typeface="Arial" panose="020B0604020202020204" pitchFamily="34" charset="0"/>
+              </a:rPr>
+              <a:t>0</a:t>
+            </a:r>
+            <a:r>
+              <a:rPr lang="en-US" altLang="en-US" i="1" dirty="0">
+                <a:latin typeface="Arial" panose="020B0604020202020204" pitchFamily="34" charset="0"/>
+              </a:rPr>
+              <a:t>&lt;0</a:t>
+            </a:r>
+          </a:p>
+          <a:p>
+            <a:pPr marL="0" marR="0" lvl="0" indent="0" algn="l" defTabSz="914400" rtl="0" eaLnBrk="0" fontAlgn="base" latinLnBrk="0" hangingPunct="0">
+              <a:lnSpc>
+                <a:spcPct val="100000"/>
+              </a:lnSpc>
+              <a:spcBef>
+                <a:spcPct val="0"/>
+              </a:spcBef>
+              <a:spcAft>
+                <a:spcPct val="0"/>
+              </a:spcAft>
+              <a:buClrTx/>
+              <a:buSzTx/>
+              <a:buFontTx/>
+              <a:buNone/>
+              <a:tabLst/>
+            </a:pPr>
+            <a:r>
+              <a:rPr kumimoji="0" lang="en-US" altLang="en-US" b="0" i="1" u="none" strike="noStrike" cap="none" normalizeH="0" baseline="0" dirty="0" err="1">
+                <a:ln>
+                  <a:noFill/>
+                </a:ln>
+                <a:solidFill>
+                  <a:schemeClr val="tx1"/>
+                </a:solidFill>
+                <a:effectLst/>
+                <a:latin typeface="Arial" panose="020B0604020202020204" pitchFamily="34" charset="0"/>
+              </a:rPr>
+              <a:t>L</a:t>
+            </a:r>
+            <a:r>
+              <a:rPr kumimoji="0" lang="en-US" altLang="en-US" b="0" i="1" u="none" strike="noStrike" cap="none" normalizeH="0" baseline="-25000" dirty="0" err="1">
+                <a:ln>
+                  <a:noFill/>
+                </a:ln>
+                <a:solidFill>
+                  <a:schemeClr val="tx1"/>
+                </a:solidFill>
+                <a:effectLst/>
+                <a:latin typeface="Arial" panose="020B0604020202020204" pitchFamily="34" charset="0"/>
+              </a:rPr>
+              <a:t>h</a:t>
+            </a:r>
+            <a:r>
+              <a:rPr kumimoji="0" lang="en-US" altLang="en-US" b="0" i="1" u="none" strike="noStrike" cap="none" normalizeH="0" baseline="0" dirty="0">
+                <a:ln>
+                  <a:noFill/>
+                </a:ln>
+                <a:solidFill>
+                  <a:schemeClr val="tx1"/>
+                </a:solidFill>
+                <a:effectLst/>
+                <a:latin typeface="Arial" panose="020B0604020202020204" pitchFamily="34" charset="0"/>
+              </a:rPr>
+              <a:t>&lt;0</a:t>
+            </a:r>
+            <a:endParaRPr kumimoji="0" lang="en-US" altLang="en-US" sz="2800" b="0" i="0" u="none" strike="noStrike" cap="none" normalizeH="0" baseline="0" dirty="0">
+              <a:ln>
+                <a:noFill/>
+              </a:ln>
+              <a:solidFill>
+                <a:schemeClr val="tx1"/>
+              </a:solidFill>
+              <a:effectLst/>
+              <a:latin typeface="Arial" panose="020B0604020202020204" pitchFamily="34" charset="0"/>
+            </a:endParaRPr>
+          </a:p>
+        </p:txBody>
+      </p:sp>
+      <p:sp>
+        <p:nvSpPr>
+          <p:cNvPr id="65" name="Text Box 14">
+            <a:extLst>
+              <a:ext uri="{FF2B5EF4-FFF2-40B4-BE49-F238E27FC236}">
+                <a16:creationId xmlns:a16="http://schemas.microsoft.com/office/drawing/2014/main" id="{28CBB1DE-75D0-434F-AFE3-B9585DAF5F87}"/>
+              </a:ext>
+            </a:extLst>
+          </p:cNvPr>
+          <p:cNvSpPr txBox="1">
+            <a:spLocks noChangeArrowheads="1"/>
+          </p:cNvSpPr>
+          <p:nvPr/>
+        </p:nvSpPr>
+        <p:spPr bwMode="auto">
+          <a:xfrm flipH="1">
+            <a:off x="6178753" y="4646827"/>
+            <a:ext cx="757270" cy="575805"/>
+          </a:xfrm>
+          <a:prstGeom prst="rect">
+            <a:avLst/>
+          </a:prstGeom>
+          <a:noFill/>
+          <a:ln>
+            <a:noFill/>
+          </a:ln>
+          <a:extLst>
+            <a:ext uri="{909E8E84-426E-40DD-AFC4-6F175D3DCCD1}">
+              <a14:hiddenFill xmlns:a14="http://schemas.microsoft.com/office/drawing/2010/main">
+                <a:solidFill>
+                  <a:srgbClr val="FFFFFF"/>
+                </a:solidFill>
+              </a14:hiddenFill>
+            </a:ext>
+            <a:ext uri="{91240B29-F687-4F45-9708-019B960494DF}">
+              <a14:hiddenLine xmlns:a14="http://schemas.microsoft.com/office/drawing/2010/main" w="9525">
+                <a:solidFill>
+                  <a:srgbClr val="000000"/>
+                </a:solidFill>
+                <a:miter lim="800000"/>
+                <a:headEnd/>
+                <a:tailEnd/>
+              </a14:hiddenLine>
+            </a:ext>
+          </a:extLst>
+        </p:spPr>
+        <p:txBody>
+          <a:bodyPr vert="horz" wrap="square" lIns="91440" tIns="45720" rIns="91440" bIns="45720" numCol="1" anchor="t" anchorCtr="0" compatLnSpc="1">
+            <a:prstTxWarp prst="textNoShape">
+              <a:avLst/>
+            </a:prstTxWarp>
+          </a:bodyPr>
+          <a:lstStyle/>
+          <a:p>
+            <a:pPr marL="0" marR="0" lvl="0" indent="0" algn="l" defTabSz="914400" rtl="0" eaLnBrk="0" fontAlgn="base" latinLnBrk="0" hangingPunct="0">
+              <a:lnSpc>
+                <a:spcPct val="100000"/>
+              </a:lnSpc>
+              <a:spcBef>
+                <a:spcPct val="0"/>
+              </a:spcBef>
+              <a:spcAft>
+                <a:spcPct val="0"/>
+              </a:spcAft>
+              <a:buClrTx/>
+              <a:buSzTx/>
+              <a:buFontTx/>
+              <a:buNone/>
+              <a:tabLst/>
+            </a:pPr>
+            <a:r>
+              <a:rPr lang="en-US" altLang="en-US" i="1" dirty="0">
+                <a:latin typeface="Arial" panose="020B0604020202020204" pitchFamily="34" charset="0"/>
+              </a:rPr>
+              <a:t>L</a:t>
+            </a:r>
+            <a:r>
+              <a:rPr lang="en-US" altLang="en-US" i="1" baseline="-25000" dirty="0">
+                <a:latin typeface="Arial" panose="020B0604020202020204" pitchFamily="34" charset="0"/>
+              </a:rPr>
+              <a:t>0</a:t>
+            </a:r>
+            <a:r>
+              <a:rPr lang="en-US" altLang="en-US" i="1" dirty="0">
+                <a:latin typeface="Arial" panose="020B0604020202020204" pitchFamily="34" charset="0"/>
+              </a:rPr>
+              <a:t>&lt;0</a:t>
+            </a:r>
+          </a:p>
+          <a:p>
+            <a:pPr marL="0" marR="0" lvl="0" indent="0" algn="l" defTabSz="914400" rtl="0" eaLnBrk="0" fontAlgn="base" latinLnBrk="0" hangingPunct="0">
+              <a:lnSpc>
+                <a:spcPct val="100000"/>
+              </a:lnSpc>
+              <a:spcBef>
+                <a:spcPct val="0"/>
+              </a:spcBef>
+              <a:spcAft>
+                <a:spcPct val="0"/>
+              </a:spcAft>
+              <a:buClrTx/>
+              <a:buSzTx/>
+              <a:buFontTx/>
+              <a:buNone/>
+              <a:tabLst/>
+            </a:pPr>
+            <a:r>
+              <a:rPr kumimoji="0" lang="en-US" altLang="en-US" b="0" i="1" u="none" strike="noStrike" cap="none" normalizeH="0" baseline="0" dirty="0" err="1">
+                <a:ln>
+                  <a:noFill/>
+                </a:ln>
+                <a:solidFill>
+                  <a:schemeClr val="tx1"/>
+                </a:solidFill>
+                <a:effectLst/>
+                <a:latin typeface="Arial" panose="020B0604020202020204" pitchFamily="34" charset="0"/>
+              </a:rPr>
+              <a:t>L</a:t>
+            </a:r>
+            <a:r>
+              <a:rPr kumimoji="0" lang="en-US" altLang="en-US" b="0" i="1" u="none" strike="noStrike" cap="none" normalizeH="0" baseline="-25000" dirty="0" err="1">
+                <a:ln>
+                  <a:noFill/>
+                </a:ln>
+                <a:solidFill>
+                  <a:schemeClr val="tx1"/>
+                </a:solidFill>
+                <a:effectLst/>
+                <a:latin typeface="Arial" panose="020B0604020202020204" pitchFamily="34" charset="0"/>
+              </a:rPr>
+              <a:t>h</a:t>
+            </a:r>
+            <a:r>
+              <a:rPr kumimoji="0" lang="en-US" altLang="en-US" b="0" i="1" u="none" strike="noStrike" cap="none" normalizeH="0" baseline="0" dirty="0">
+                <a:ln>
+                  <a:noFill/>
+                </a:ln>
+                <a:solidFill>
+                  <a:schemeClr val="tx1"/>
+                </a:solidFill>
+                <a:effectLst/>
+                <a:latin typeface="Arial" panose="020B0604020202020204" pitchFamily="34" charset="0"/>
+              </a:rPr>
+              <a:t>&gt;0</a:t>
+            </a:r>
+            <a:endParaRPr kumimoji="0" lang="en-US" altLang="en-US" sz="2800" b="0" i="0" u="none" strike="noStrike" cap="none" normalizeH="0" baseline="0" dirty="0">
+              <a:ln>
+                <a:noFill/>
+              </a:ln>
+              <a:solidFill>
+                <a:schemeClr val="tx1"/>
+              </a:solidFill>
+              <a:effectLst/>
+              <a:latin typeface="Arial" panose="020B0604020202020204" pitchFamily="34" charset="0"/>
+            </a:endParaRPr>
+          </a:p>
+        </p:txBody>
+      </p:sp>
+      <p:sp>
+        <p:nvSpPr>
+          <p:cNvPr id="66" name="Text Box 15">
+            <a:extLst>
+              <a:ext uri="{FF2B5EF4-FFF2-40B4-BE49-F238E27FC236}">
+                <a16:creationId xmlns:a16="http://schemas.microsoft.com/office/drawing/2014/main" id="{2A16155B-98E5-4ADD-B71A-8D9F2C1A6EE1}"/>
+              </a:ext>
+            </a:extLst>
+          </p:cNvPr>
+          <p:cNvSpPr txBox="1">
+            <a:spLocks noChangeArrowheads="1"/>
+          </p:cNvSpPr>
+          <p:nvPr/>
+        </p:nvSpPr>
+        <p:spPr bwMode="auto">
+          <a:xfrm>
+            <a:off x="7373358" y="1767597"/>
+            <a:ext cx="509614" cy="382211"/>
+          </a:xfrm>
+          <a:prstGeom prst="rect">
+            <a:avLst/>
+          </a:prstGeom>
+          <a:noFill/>
+          <a:ln>
+            <a:noFill/>
+          </a:ln>
+          <a:extLst>
+            <a:ext uri="{909E8E84-426E-40DD-AFC4-6F175D3DCCD1}">
+              <a14:hiddenFill xmlns:a14="http://schemas.microsoft.com/office/drawing/2010/main">
+                <a:solidFill>
+                  <a:srgbClr val="FFFFFF"/>
+                </a:solidFill>
+              </a14:hiddenFill>
+            </a:ext>
+            <a:ext uri="{91240B29-F687-4F45-9708-019B960494DF}">
+              <a14:hiddenLine xmlns:a14="http://schemas.microsoft.com/office/drawing/2010/main" w="9525">
+                <a:solidFill>
+                  <a:srgbClr val="000000"/>
+                </a:solidFill>
+                <a:miter lim="800000"/>
+                <a:headEnd/>
+                <a:tailEnd/>
+              </a14:hiddenLine>
+            </a:ext>
+          </a:extLst>
+        </p:spPr>
+        <p:txBody>
+          <a:bodyPr vert="horz" wrap="square" lIns="91440" tIns="45720" rIns="91440" bIns="45720" numCol="1" anchor="t" anchorCtr="0" compatLnSpc="1">
+            <a:prstTxWarp prst="textNoShape">
+              <a:avLst/>
+            </a:prstTxWarp>
+          </a:bodyPr>
+          <a:lstStyle/>
+          <a:p>
+            <a:pPr marL="0" marR="0" lvl="0" indent="0" algn="l" defTabSz="914400" rtl="0" eaLnBrk="0" fontAlgn="base" latinLnBrk="0" hangingPunct="0">
+              <a:lnSpc>
+                <a:spcPct val="100000"/>
+              </a:lnSpc>
+              <a:spcBef>
+                <a:spcPct val="0"/>
+              </a:spcBef>
+              <a:spcAft>
+                <a:spcPct val="0"/>
+              </a:spcAft>
+              <a:buClrTx/>
+              <a:buSzTx/>
+              <a:buFontTx/>
+              <a:buNone/>
+              <a:tabLst/>
+            </a:pPr>
+            <a:r>
+              <a:rPr kumimoji="0" lang="en-US" altLang="en-US" sz="1200" b="0" i="1" u="none" strike="noStrike" cap="none" normalizeH="0" baseline="0" dirty="0">
+                <a:ln>
+                  <a:noFill/>
+                </a:ln>
+                <a:solidFill>
+                  <a:schemeClr val="tx1"/>
+                </a:solidFill>
+                <a:effectLst/>
+                <a:latin typeface="Arial" panose="020B0604020202020204" pitchFamily="34" charset="0"/>
+                <a:ea typeface="Times New Roman" panose="02020603050405020304" pitchFamily="18" charset="0"/>
+              </a:rPr>
+              <a:t>O</a:t>
+            </a:r>
+            <a:endParaRPr kumimoji="0" lang="en-US" altLang="en-US" sz="1800" b="0" i="0" u="none" strike="noStrike" cap="none" normalizeH="0" baseline="0" dirty="0">
+              <a:ln>
+                <a:noFill/>
+              </a:ln>
+              <a:solidFill>
+                <a:schemeClr val="tx1"/>
+              </a:solidFill>
+              <a:effectLst/>
+              <a:latin typeface="Arial" panose="020B0604020202020204" pitchFamily="34" charset="0"/>
+            </a:endParaRPr>
+          </a:p>
+        </p:txBody>
+      </p:sp>
+      <p:sp>
+        <p:nvSpPr>
+          <p:cNvPr id="67" name="Text Box 15">
+            <a:extLst>
+              <a:ext uri="{FF2B5EF4-FFF2-40B4-BE49-F238E27FC236}">
+                <a16:creationId xmlns:a16="http://schemas.microsoft.com/office/drawing/2014/main" id="{D56D5053-CC55-4240-BD0D-B6E167ED557A}"/>
+              </a:ext>
+            </a:extLst>
+          </p:cNvPr>
+          <p:cNvSpPr txBox="1">
+            <a:spLocks noChangeArrowheads="1"/>
+          </p:cNvSpPr>
+          <p:nvPr/>
+        </p:nvSpPr>
+        <p:spPr bwMode="auto">
+          <a:xfrm>
+            <a:off x="4174755" y="1772113"/>
+            <a:ext cx="509614" cy="382211"/>
+          </a:xfrm>
+          <a:prstGeom prst="rect">
+            <a:avLst/>
+          </a:prstGeom>
+          <a:noFill/>
+          <a:ln>
+            <a:noFill/>
+          </a:ln>
+          <a:extLst>
+            <a:ext uri="{909E8E84-426E-40DD-AFC4-6F175D3DCCD1}">
+              <a14:hiddenFill xmlns:a14="http://schemas.microsoft.com/office/drawing/2010/main">
+                <a:solidFill>
+                  <a:srgbClr val="FFFFFF"/>
+                </a:solidFill>
+              </a14:hiddenFill>
+            </a:ext>
+            <a:ext uri="{91240B29-F687-4F45-9708-019B960494DF}">
+              <a14:hiddenLine xmlns:a14="http://schemas.microsoft.com/office/drawing/2010/main" w="9525">
+                <a:solidFill>
+                  <a:srgbClr val="000000"/>
+                </a:solidFill>
+                <a:miter lim="800000"/>
+                <a:headEnd/>
+                <a:tailEnd/>
+              </a14:hiddenLine>
+            </a:ext>
+          </a:extLst>
+        </p:spPr>
+        <p:txBody>
+          <a:bodyPr vert="horz" wrap="square" lIns="91440" tIns="45720" rIns="91440" bIns="45720" numCol="1" anchor="t" anchorCtr="0" compatLnSpc="1">
+            <a:prstTxWarp prst="textNoShape">
+              <a:avLst/>
+            </a:prstTxWarp>
+          </a:bodyPr>
+          <a:lstStyle/>
+          <a:p>
+            <a:pPr marL="0" marR="0" lvl="0" indent="0" algn="l" defTabSz="914400" rtl="0" eaLnBrk="0" fontAlgn="base" latinLnBrk="0" hangingPunct="0">
+              <a:lnSpc>
+                <a:spcPct val="100000"/>
+              </a:lnSpc>
+              <a:spcBef>
+                <a:spcPct val="0"/>
+              </a:spcBef>
+              <a:spcAft>
+                <a:spcPct val="0"/>
+              </a:spcAft>
+              <a:buClrTx/>
+              <a:buSzTx/>
+              <a:buFontTx/>
+              <a:buNone/>
+              <a:tabLst/>
+            </a:pPr>
+            <a:r>
+              <a:rPr kumimoji="0" lang="en-US" altLang="en-US" sz="1200" b="0" i="1" u="none" strike="noStrike" cap="none" normalizeH="0" baseline="0" dirty="0">
+                <a:ln>
+                  <a:noFill/>
+                </a:ln>
+                <a:solidFill>
+                  <a:schemeClr val="tx1"/>
+                </a:solidFill>
+                <a:effectLst/>
+                <a:latin typeface="Arial" panose="020B0604020202020204" pitchFamily="34" charset="0"/>
+                <a:ea typeface="Times New Roman" panose="02020603050405020304" pitchFamily="18" charset="0"/>
+              </a:rPr>
+              <a:t>M</a:t>
+            </a:r>
+            <a:endParaRPr kumimoji="0" lang="en-US" altLang="en-US" sz="1800" b="0" i="0" u="none" strike="noStrike" cap="none" normalizeH="0" baseline="0" dirty="0">
+              <a:ln>
+                <a:noFill/>
+              </a:ln>
+              <a:solidFill>
+                <a:schemeClr val="tx1"/>
+              </a:solidFill>
+              <a:effectLst/>
+              <a:latin typeface="Arial" panose="020B0604020202020204" pitchFamily="34" charset="0"/>
+            </a:endParaRPr>
+          </a:p>
+        </p:txBody>
+      </p:sp>
+      <p:sp>
+        <p:nvSpPr>
+          <p:cNvPr id="68" name="Text Box 15">
+            <a:extLst>
+              <a:ext uri="{FF2B5EF4-FFF2-40B4-BE49-F238E27FC236}">
+                <a16:creationId xmlns:a16="http://schemas.microsoft.com/office/drawing/2014/main" id="{6426E3C0-4970-4A6A-A8EE-C5A2D6D0F513}"/>
+              </a:ext>
+            </a:extLst>
+          </p:cNvPr>
+          <p:cNvSpPr txBox="1">
+            <a:spLocks noChangeArrowheads="1"/>
+          </p:cNvSpPr>
+          <p:nvPr/>
+        </p:nvSpPr>
+        <p:spPr bwMode="auto">
+          <a:xfrm>
+            <a:off x="8111572" y="1734674"/>
+            <a:ext cx="509614" cy="382211"/>
+          </a:xfrm>
+          <a:prstGeom prst="rect">
+            <a:avLst/>
+          </a:prstGeom>
+          <a:noFill/>
+          <a:ln>
+            <a:noFill/>
+          </a:ln>
+          <a:extLst>
+            <a:ext uri="{909E8E84-426E-40DD-AFC4-6F175D3DCCD1}">
+              <a14:hiddenFill xmlns:a14="http://schemas.microsoft.com/office/drawing/2010/main">
+                <a:solidFill>
+                  <a:srgbClr val="FFFFFF"/>
+                </a:solidFill>
+              </a14:hiddenFill>
+            </a:ext>
+            <a:ext uri="{91240B29-F687-4F45-9708-019B960494DF}">
+              <a14:hiddenLine xmlns:a14="http://schemas.microsoft.com/office/drawing/2010/main" w="9525">
+                <a:solidFill>
+                  <a:srgbClr val="000000"/>
+                </a:solidFill>
+                <a:miter lim="800000"/>
+                <a:headEnd/>
+                <a:tailEnd/>
+              </a14:hiddenLine>
+            </a:ext>
+          </a:extLst>
+        </p:spPr>
+        <p:txBody>
+          <a:bodyPr vert="horz" wrap="square" lIns="91440" tIns="45720" rIns="91440" bIns="45720" numCol="1" anchor="t" anchorCtr="0" compatLnSpc="1">
+            <a:prstTxWarp prst="textNoShape">
+              <a:avLst/>
+            </a:prstTxWarp>
+          </a:bodyPr>
+          <a:lstStyle/>
+          <a:p>
+            <a:pPr marL="0" marR="0" lvl="0" indent="0" algn="l" defTabSz="914400" rtl="0" eaLnBrk="0" fontAlgn="base" latinLnBrk="0" hangingPunct="0">
+              <a:lnSpc>
+                <a:spcPct val="100000"/>
+              </a:lnSpc>
+              <a:spcBef>
+                <a:spcPct val="0"/>
+              </a:spcBef>
+              <a:spcAft>
+                <a:spcPct val="0"/>
+              </a:spcAft>
+              <a:buClrTx/>
+              <a:buSzTx/>
+              <a:buFontTx/>
+              <a:buNone/>
+              <a:tabLst/>
+            </a:pPr>
+            <a:r>
+              <a:rPr kumimoji="0" lang="en-US" altLang="en-US" sz="1200" b="0" i="1" u="none" strike="noStrike" cap="none" normalizeH="0" baseline="0" dirty="0">
+                <a:ln>
+                  <a:noFill/>
+                </a:ln>
+                <a:solidFill>
+                  <a:schemeClr val="tx1"/>
+                </a:solidFill>
+                <a:effectLst/>
+                <a:latin typeface="Arial" panose="020B0604020202020204" pitchFamily="34" charset="0"/>
+                <a:ea typeface="Times New Roman" panose="02020603050405020304" pitchFamily="18" charset="0"/>
+              </a:rPr>
+              <a:t>M</a:t>
+            </a:r>
+            <a:endParaRPr kumimoji="0" lang="en-US" altLang="en-US" sz="1800" b="0" i="0" u="none" strike="noStrike" cap="none" normalizeH="0" baseline="0" dirty="0">
+              <a:ln>
+                <a:noFill/>
+              </a:ln>
+              <a:solidFill>
+                <a:schemeClr val="tx1"/>
+              </a:solidFill>
+              <a:effectLst/>
+              <a:latin typeface="Arial" panose="020B0604020202020204" pitchFamily="34" charset="0"/>
+            </a:endParaRPr>
+          </a:p>
+        </p:txBody>
+      </p:sp>
+      <p:sp>
+        <p:nvSpPr>
+          <p:cNvPr id="69" name="Text Box 15">
+            <a:extLst>
+              <a:ext uri="{FF2B5EF4-FFF2-40B4-BE49-F238E27FC236}">
+                <a16:creationId xmlns:a16="http://schemas.microsoft.com/office/drawing/2014/main" id="{284E50F7-B2B0-4097-B47A-AC3951548507}"/>
+              </a:ext>
+            </a:extLst>
+          </p:cNvPr>
+          <p:cNvSpPr txBox="1">
+            <a:spLocks noChangeArrowheads="1"/>
+          </p:cNvSpPr>
+          <p:nvPr/>
+        </p:nvSpPr>
+        <p:spPr bwMode="auto">
+          <a:xfrm>
+            <a:off x="3296060" y="1728990"/>
+            <a:ext cx="509614" cy="382211"/>
+          </a:xfrm>
+          <a:prstGeom prst="rect">
+            <a:avLst/>
+          </a:prstGeom>
+          <a:noFill/>
+          <a:ln>
+            <a:noFill/>
+          </a:ln>
+          <a:extLst>
+            <a:ext uri="{909E8E84-426E-40DD-AFC4-6F175D3DCCD1}">
+              <a14:hiddenFill xmlns:a14="http://schemas.microsoft.com/office/drawing/2010/main">
+                <a:solidFill>
+                  <a:srgbClr val="FFFFFF"/>
+                </a:solidFill>
+              </a14:hiddenFill>
+            </a:ext>
+            <a:ext uri="{91240B29-F687-4F45-9708-019B960494DF}">
+              <a14:hiddenLine xmlns:a14="http://schemas.microsoft.com/office/drawing/2010/main" w="9525">
+                <a:solidFill>
+                  <a:srgbClr val="000000"/>
+                </a:solidFill>
+                <a:miter lim="800000"/>
+                <a:headEnd/>
+                <a:tailEnd/>
+              </a14:hiddenLine>
+            </a:ext>
+          </a:extLst>
+        </p:spPr>
+        <p:txBody>
+          <a:bodyPr vert="horz" wrap="square" lIns="91440" tIns="45720" rIns="91440" bIns="45720" numCol="1" anchor="t" anchorCtr="0" compatLnSpc="1">
+            <a:prstTxWarp prst="textNoShape">
+              <a:avLst/>
+            </a:prstTxWarp>
+          </a:bodyPr>
+          <a:lstStyle/>
+          <a:p>
+            <a:pPr marL="0" marR="0" lvl="0" indent="0" algn="l" defTabSz="914400" rtl="0" eaLnBrk="0" fontAlgn="base" latinLnBrk="0" hangingPunct="0">
+              <a:lnSpc>
+                <a:spcPct val="100000"/>
+              </a:lnSpc>
+              <a:spcBef>
+                <a:spcPct val="0"/>
+              </a:spcBef>
+              <a:spcAft>
+                <a:spcPct val="0"/>
+              </a:spcAft>
+              <a:buClrTx/>
+              <a:buSzTx/>
+              <a:buFontTx/>
+              <a:buNone/>
+              <a:tabLst/>
+            </a:pPr>
+            <a:r>
+              <a:rPr kumimoji="0" lang="en-US" altLang="en-US" sz="1200" b="0" i="1" u="none" strike="noStrike" cap="none" normalizeH="0" baseline="0" dirty="0">
+                <a:ln>
+                  <a:noFill/>
+                </a:ln>
+                <a:solidFill>
+                  <a:schemeClr val="tx1"/>
+                </a:solidFill>
+                <a:effectLst/>
+                <a:latin typeface="Arial" panose="020B0604020202020204" pitchFamily="34" charset="0"/>
+                <a:ea typeface="Times New Roman" panose="02020603050405020304" pitchFamily="18" charset="0"/>
+              </a:rPr>
+              <a:t>O</a:t>
+            </a:r>
+            <a:endParaRPr kumimoji="0" lang="en-US" altLang="en-US" sz="1800" b="0" i="0" u="none" strike="noStrike" cap="none" normalizeH="0" baseline="0" dirty="0">
+              <a:ln>
+                <a:noFill/>
+              </a:ln>
+              <a:solidFill>
+                <a:schemeClr val="tx1"/>
+              </a:solidFill>
+              <a:effectLst/>
+              <a:latin typeface="Arial" panose="020B0604020202020204" pitchFamily="34" charset="0"/>
+            </a:endParaRPr>
+          </a:p>
+        </p:txBody>
+      </p:sp>
+      <p:sp>
+        <p:nvSpPr>
+          <p:cNvPr id="70" name="Text Box 15">
+            <a:extLst>
+              <a:ext uri="{FF2B5EF4-FFF2-40B4-BE49-F238E27FC236}">
+                <a16:creationId xmlns:a16="http://schemas.microsoft.com/office/drawing/2014/main" id="{CB145273-1C2A-47C6-9FA8-BF27ABE95E75}"/>
+              </a:ext>
+            </a:extLst>
+          </p:cNvPr>
+          <p:cNvSpPr txBox="1">
+            <a:spLocks noChangeArrowheads="1"/>
+          </p:cNvSpPr>
+          <p:nvPr/>
+        </p:nvSpPr>
+        <p:spPr bwMode="auto">
+          <a:xfrm>
+            <a:off x="3759008" y="4663085"/>
+            <a:ext cx="509614" cy="382211"/>
+          </a:xfrm>
+          <a:prstGeom prst="rect">
+            <a:avLst/>
+          </a:prstGeom>
+          <a:noFill/>
+          <a:ln>
+            <a:noFill/>
+          </a:ln>
+          <a:extLst>
+            <a:ext uri="{909E8E84-426E-40DD-AFC4-6F175D3DCCD1}">
+              <a14:hiddenFill xmlns:a14="http://schemas.microsoft.com/office/drawing/2010/main">
+                <a:solidFill>
+                  <a:srgbClr val="FFFFFF"/>
+                </a:solidFill>
+              </a14:hiddenFill>
+            </a:ext>
+            <a:ext uri="{91240B29-F687-4F45-9708-019B960494DF}">
+              <a14:hiddenLine xmlns:a14="http://schemas.microsoft.com/office/drawing/2010/main" w="9525">
+                <a:solidFill>
+                  <a:srgbClr val="000000"/>
+                </a:solidFill>
+                <a:miter lim="800000"/>
+                <a:headEnd/>
+                <a:tailEnd/>
+              </a14:hiddenLine>
+            </a:ext>
+          </a:extLst>
+        </p:spPr>
+        <p:txBody>
+          <a:bodyPr vert="horz" wrap="square" lIns="91440" tIns="45720" rIns="91440" bIns="45720" numCol="1" anchor="t" anchorCtr="0" compatLnSpc="1">
+            <a:prstTxWarp prst="textNoShape">
+              <a:avLst/>
+            </a:prstTxWarp>
+          </a:bodyPr>
+          <a:lstStyle/>
+          <a:p>
+            <a:pPr marL="0" marR="0" lvl="0" indent="0" algn="l" defTabSz="914400" rtl="0" eaLnBrk="0" fontAlgn="base" latinLnBrk="0" hangingPunct="0">
+              <a:lnSpc>
+                <a:spcPct val="100000"/>
+              </a:lnSpc>
+              <a:spcBef>
+                <a:spcPct val="0"/>
+              </a:spcBef>
+              <a:spcAft>
+                <a:spcPct val="0"/>
+              </a:spcAft>
+              <a:buClrTx/>
+              <a:buSzTx/>
+              <a:buFontTx/>
+              <a:buNone/>
+              <a:tabLst/>
+            </a:pPr>
+            <a:r>
+              <a:rPr kumimoji="0" lang="en-US" altLang="en-US" sz="1200" b="0" i="1" u="none" strike="noStrike" cap="none" normalizeH="0" baseline="0" dirty="0">
+                <a:ln>
+                  <a:noFill/>
+                </a:ln>
+                <a:solidFill>
+                  <a:schemeClr val="tx1"/>
+                </a:solidFill>
+                <a:effectLst/>
+                <a:latin typeface="Arial" panose="020B0604020202020204" pitchFamily="34" charset="0"/>
+                <a:ea typeface="Times New Roman" panose="02020603050405020304" pitchFamily="18" charset="0"/>
+              </a:rPr>
+              <a:t>O</a:t>
+            </a:r>
+            <a:endParaRPr kumimoji="0" lang="en-US" altLang="en-US" sz="1800" b="0" i="0" u="none" strike="noStrike" cap="none" normalizeH="0" baseline="0" dirty="0">
+              <a:ln>
+                <a:noFill/>
+              </a:ln>
+              <a:solidFill>
+                <a:schemeClr val="tx1"/>
+              </a:solidFill>
+              <a:effectLst/>
+              <a:latin typeface="Arial" panose="020B0604020202020204" pitchFamily="34" charset="0"/>
+            </a:endParaRPr>
+          </a:p>
+        </p:txBody>
+      </p:sp>
+      <p:sp>
+        <p:nvSpPr>
+          <p:cNvPr id="71" name="Text Box 15">
+            <a:extLst>
+              <a:ext uri="{FF2B5EF4-FFF2-40B4-BE49-F238E27FC236}">
+                <a16:creationId xmlns:a16="http://schemas.microsoft.com/office/drawing/2014/main" id="{2BE16320-E17E-4F2E-ABA3-98E986EA416E}"/>
+              </a:ext>
+            </a:extLst>
+          </p:cNvPr>
+          <p:cNvSpPr txBox="1">
+            <a:spLocks noChangeArrowheads="1"/>
+          </p:cNvSpPr>
+          <p:nvPr/>
+        </p:nvSpPr>
+        <p:spPr bwMode="auto">
+          <a:xfrm>
+            <a:off x="7222020" y="4657590"/>
+            <a:ext cx="509614" cy="382211"/>
+          </a:xfrm>
+          <a:prstGeom prst="rect">
+            <a:avLst/>
+          </a:prstGeom>
+          <a:noFill/>
+          <a:ln>
+            <a:noFill/>
+          </a:ln>
+          <a:extLst>
+            <a:ext uri="{909E8E84-426E-40DD-AFC4-6F175D3DCCD1}">
+              <a14:hiddenFill xmlns:a14="http://schemas.microsoft.com/office/drawing/2010/main">
+                <a:solidFill>
+                  <a:srgbClr val="FFFFFF"/>
+                </a:solidFill>
+              </a14:hiddenFill>
+            </a:ext>
+            <a:ext uri="{91240B29-F687-4F45-9708-019B960494DF}">
+              <a14:hiddenLine xmlns:a14="http://schemas.microsoft.com/office/drawing/2010/main" w="9525">
+                <a:solidFill>
+                  <a:srgbClr val="000000"/>
+                </a:solidFill>
+                <a:miter lim="800000"/>
+                <a:headEnd/>
+                <a:tailEnd/>
+              </a14:hiddenLine>
+            </a:ext>
+          </a:extLst>
+        </p:spPr>
+        <p:txBody>
+          <a:bodyPr vert="horz" wrap="square" lIns="91440" tIns="45720" rIns="91440" bIns="45720" numCol="1" anchor="t" anchorCtr="0" compatLnSpc="1">
+            <a:prstTxWarp prst="textNoShape">
+              <a:avLst/>
+            </a:prstTxWarp>
+          </a:bodyPr>
+          <a:lstStyle/>
+          <a:p>
+            <a:pPr marL="0" marR="0" lvl="0" indent="0" algn="l" defTabSz="914400" rtl="0" eaLnBrk="0" fontAlgn="base" latinLnBrk="0" hangingPunct="0">
+              <a:lnSpc>
+                <a:spcPct val="100000"/>
+              </a:lnSpc>
+              <a:spcBef>
+                <a:spcPct val="0"/>
+              </a:spcBef>
+              <a:spcAft>
+                <a:spcPct val="0"/>
+              </a:spcAft>
+              <a:buClrTx/>
+              <a:buSzTx/>
+              <a:buFontTx/>
+              <a:buNone/>
+              <a:tabLst/>
+            </a:pPr>
+            <a:r>
+              <a:rPr kumimoji="0" lang="en-US" altLang="en-US" sz="1200" b="0" i="1" u="none" strike="noStrike" cap="none" normalizeH="0" baseline="0" dirty="0">
+                <a:ln>
+                  <a:noFill/>
+                </a:ln>
+                <a:solidFill>
+                  <a:schemeClr val="tx1"/>
+                </a:solidFill>
+                <a:effectLst/>
+                <a:latin typeface="Arial" panose="020B0604020202020204" pitchFamily="34" charset="0"/>
+                <a:ea typeface="Times New Roman" panose="02020603050405020304" pitchFamily="18" charset="0"/>
+              </a:rPr>
+              <a:t>O</a:t>
+            </a:r>
+            <a:endParaRPr kumimoji="0" lang="en-US" altLang="en-US" sz="1800" b="0" i="0" u="none" strike="noStrike" cap="none" normalizeH="0" baseline="0" dirty="0">
+              <a:ln>
+                <a:noFill/>
+              </a:ln>
+              <a:solidFill>
+                <a:schemeClr val="tx1"/>
+              </a:solidFill>
+              <a:effectLst/>
+              <a:latin typeface="Arial" panose="020B0604020202020204" pitchFamily="34" charset="0"/>
+            </a:endParaRPr>
+          </a:p>
+        </p:txBody>
+      </p:sp>
+      <p:sp>
+        <p:nvSpPr>
+          <p:cNvPr id="72" name="Text Box 15">
+            <a:extLst>
+              <a:ext uri="{FF2B5EF4-FFF2-40B4-BE49-F238E27FC236}">
+                <a16:creationId xmlns:a16="http://schemas.microsoft.com/office/drawing/2014/main" id="{82A1C259-E272-4CB6-BA9C-9A54A4B1ECEF}"/>
+              </a:ext>
+            </a:extLst>
+          </p:cNvPr>
+          <p:cNvSpPr txBox="1">
+            <a:spLocks noChangeArrowheads="1"/>
+          </p:cNvSpPr>
+          <p:nvPr/>
+        </p:nvSpPr>
+        <p:spPr bwMode="auto">
+          <a:xfrm>
+            <a:off x="7955892" y="4663084"/>
+            <a:ext cx="509614" cy="382211"/>
+          </a:xfrm>
+          <a:prstGeom prst="rect">
+            <a:avLst/>
+          </a:prstGeom>
+          <a:noFill/>
+          <a:ln>
+            <a:noFill/>
+          </a:ln>
+          <a:extLst>
+            <a:ext uri="{909E8E84-426E-40DD-AFC4-6F175D3DCCD1}">
+              <a14:hiddenFill xmlns:a14="http://schemas.microsoft.com/office/drawing/2010/main">
+                <a:solidFill>
+                  <a:srgbClr val="FFFFFF"/>
+                </a:solidFill>
+              </a14:hiddenFill>
+            </a:ext>
+            <a:ext uri="{91240B29-F687-4F45-9708-019B960494DF}">
+              <a14:hiddenLine xmlns:a14="http://schemas.microsoft.com/office/drawing/2010/main" w="9525">
+                <a:solidFill>
+                  <a:srgbClr val="000000"/>
+                </a:solidFill>
+                <a:miter lim="800000"/>
+                <a:headEnd/>
+                <a:tailEnd/>
+              </a14:hiddenLine>
+            </a:ext>
+          </a:extLst>
+        </p:spPr>
+        <p:txBody>
+          <a:bodyPr vert="horz" wrap="square" lIns="91440" tIns="45720" rIns="91440" bIns="45720" numCol="1" anchor="t" anchorCtr="0" compatLnSpc="1">
+            <a:prstTxWarp prst="textNoShape">
+              <a:avLst/>
+            </a:prstTxWarp>
+          </a:bodyPr>
+          <a:lstStyle/>
+          <a:p>
+            <a:pPr marL="0" marR="0" lvl="0" indent="0" algn="l" defTabSz="914400" rtl="0" eaLnBrk="0" fontAlgn="base" latinLnBrk="0" hangingPunct="0">
+              <a:lnSpc>
+                <a:spcPct val="100000"/>
+              </a:lnSpc>
+              <a:spcBef>
+                <a:spcPct val="0"/>
+              </a:spcBef>
+              <a:spcAft>
+                <a:spcPct val="0"/>
+              </a:spcAft>
+              <a:buClrTx/>
+              <a:buSzTx/>
+              <a:buFontTx/>
+              <a:buNone/>
+              <a:tabLst/>
+            </a:pPr>
+            <a:r>
+              <a:rPr kumimoji="0" lang="en-US" altLang="en-US" sz="1200" b="0" i="1" u="none" strike="noStrike" cap="none" normalizeH="0" baseline="0" dirty="0">
+                <a:ln>
+                  <a:noFill/>
+                </a:ln>
+                <a:solidFill>
+                  <a:schemeClr val="tx1"/>
+                </a:solidFill>
+                <a:effectLst/>
+                <a:latin typeface="Arial" panose="020B0604020202020204" pitchFamily="34" charset="0"/>
+                <a:ea typeface="Times New Roman" panose="02020603050405020304" pitchFamily="18" charset="0"/>
+              </a:rPr>
+              <a:t>M</a:t>
+            </a:r>
+            <a:endParaRPr kumimoji="0" lang="en-US" altLang="en-US" sz="1800" b="0" i="0" u="none" strike="noStrike" cap="none" normalizeH="0" baseline="0" dirty="0">
+              <a:ln>
+                <a:noFill/>
+              </a:ln>
+              <a:solidFill>
+                <a:schemeClr val="tx1"/>
+              </a:solidFill>
+              <a:effectLst/>
+              <a:latin typeface="Arial" panose="020B0604020202020204" pitchFamily="34" charset="0"/>
+            </a:endParaRPr>
+          </a:p>
+        </p:txBody>
+      </p:sp>
+      <p:sp>
+        <p:nvSpPr>
+          <p:cNvPr id="73" name="Text Box 15">
+            <a:extLst>
+              <a:ext uri="{FF2B5EF4-FFF2-40B4-BE49-F238E27FC236}">
+                <a16:creationId xmlns:a16="http://schemas.microsoft.com/office/drawing/2014/main" id="{0F0485B5-6508-456B-8689-0533771CFC0C}"/>
+              </a:ext>
+            </a:extLst>
+          </p:cNvPr>
+          <p:cNvSpPr txBox="1">
+            <a:spLocks noChangeArrowheads="1"/>
+          </p:cNvSpPr>
+          <p:nvPr/>
+        </p:nvSpPr>
+        <p:spPr bwMode="auto">
+          <a:xfrm>
+            <a:off x="4362694" y="4593345"/>
+            <a:ext cx="509614" cy="382211"/>
+          </a:xfrm>
+          <a:prstGeom prst="rect">
+            <a:avLst/>
+          </a:prstGeom>
+          <a:noFill/>
+          <a:ln>
+            <a:noFill/>
+          </a:ln>
+          <a:extLst>
+            <a:ext uri="{909E8E84-426E-40DD-AFC4-6F175D3DCCD1}">
+              <a14:hiddenFill xmlns:a14="http://schemas.microsoft.com/office/drawing/2010/main">
+                <a:solidFill>
+                  <a:srgbClr val="FFFFFF"/>
+                </a:solidFill>
+              </a14:hiddenFill>
+            </a:ext>
+            <a:ext uri="{91240B29-F687-4F45-9708-019B960494DF}">
+              <a14:hiddenLine xmlns:a14="http://schemas.microsoft.com/office/drawing/2010/main" w="9525">
+                <a:solidFill>
+                  <a:srgbClr val="000000"/>
+                </a:solidFill>
+                <a:miter lim="800000"/>
+                <a:headEnd/>
+                <a:tailEnd/>
+              </a14:hiddenLine>
+            </a:ext>
+          </a:extLst>
+        </p:spPr>
+        <p:txBody>
+          <a:bodyPr vert="horz" wrap="square" lIns="91440" tIns="45720" rIns="91440" bIns="45720" numCol="1" anchor="t" anchorCtr="0" compatLnSpc="1">
+            <a:prstTxWarp prst="textNoShape">
+              <a:avLst/>
+            </a:prstTxWarp>
+          </a:bodyPr>
+          <a:lstStyle/>
+          <a:p>
+            <a:pPr marL="0" marR="0" lvl="0" indent="0" algn="l" defTabSz="914400" rtl="0" eaLnBrk="0" fontAlgn="base" latinLnBrk="0" hangingPunct="0">
+              <a:lnSpc>
+                <a:spcPct val="100000"/>
+              </a:lnSpc>
+              <a:spcBef>
+                <a:spcPct val="0"/>
+              </a:spcBef>
+              <a:spcAft>
+                <a:spcPct val="0"/>
+              </a:spcAft>
+              <a:buClrTx/>
+              <a:buSzTx/>
+              <a:buFontTx/>
+              <a:buNone/>
+              <a:tabLst/>
+            </a:pPr>
+            <a:r>
+              <a:rPr kumimoji="0" lang="en-US" altLang="en-US" sz="1200" b="0" i="1" u="none" strike="noStrike" cap="none" normalizeH="0" baseline="0" dirty="0">
+                <a:ln>
+                  <a:noFill/>
+                </a:ln>
+                <a:solidFill>
+                  <a:schemeClr val="tx1"/>
+                </a:solidFill>
+                <a:effectLst/>
+                <a:latin typeface="Arial" panose="020B0604020202020204" pitchFamily="34" charset="0"/>
+                <a:ea typeface="Times New Roman" panose="02020603050405020304" pitchFamily="18" charset="0"/>
+              </a:rPr>
+              <a:t>M</a:t>
+            </a:r>
+            <a:endParaRPr kumimoji="0" lang="en-US" altLang="en-US" sz="1800" b="0" i="0" u="none" strike="noStrike" cap="none" normalizeH="0" baseline="0" dirty="0">
+              <a:ln>
+                <a:noFill/>
+              </a:ln>
+              <a:solidFill>
+                <a:schemeClr val="tx1"/>
+              </a:solidFill>
+              <a:effectLst/>
+              <a:latin typeface="Arial" panose="020B0604020202020204" pitchFamily="34" charset="0"/>
+            </a:endParaRPr>
+          </a:p>
+        </p:txBody>
+      </p:sp>
+      <p:sp>
+        <p:nvSpPr>
+          <p:cNvPr id="74" name="Text Box 14">
+            <a:extLst>
+              <a:ext uri="{FF2B5EF4-FFF2-40B4-BE49-F238E27FC236}">
+                <a16:creationId xmlns:a16="http://schemas.microsoft.com/office/drawing/2014/main" id="{B367A308-62B0-431B-B269-CBF7CC6D58D7}"/>
+              </a:ext>
+            </a:extLst>
+          </p:cNvPr>
+          <p:cNvSpPr txBox="1">
+            <a:spLocks noChangeArrowheads="1"/>
+          </p:cNvSpPr>
+          <p:nvPr/>
+        </p:nvSpPr>
+        <p:spPr bwMode="auto">
+          <a:xfrm>
+            <a:off x="8552950" y="1615672"/>
+            <a:ext cx="382211" cy="382211"/>
+          </a:xfrm>
+          <a:prstGeom prst="rect">
+            <a:avLst/>
+          </a:prstGeom>
+          <a:noFill/>
+          <a:ln>
+            <a:noFill/>
+          </a:ln>
+          <a:extLst>
+            <a:ext uri="{909E8E84-426E-40DD-AFC4-6F175D3DCCD1}">
+              <a14:hiddenFill xmlns:a14="http://schemas.microsoft.com/office/drawing/2010/main">
+                <a:solidFill>
+                  <a:srgbClr val="FFFFFF"/>
+                </a:solidFill>
+              </a14:hiddenFill>
+            </a:ext>
+            <a:ext uri="{91240B29-F687-4F45-9708-019B960494DF}">
+              <a14:hiddenLine xmlns:a14="http://schemas.microsoft.com/office/drawing/2010/main" w="9525">
+                <a:solidFill>
+                  <a:srgbClr val="000000"/>
+                </a:solidFill>
+                <a:miter lim="800000"/>
+                <a:headEnd/>
+                <a:tailEnd/>
+              </a14:hiddenLine>
+            </a:ext>
+          </a:extLst>
+        </p:spPr>
+        <p:txBody>
+          <a:bodyPr vert="horz" wrap="square" lIns="91440" tIns="45720" rIns="91440" bIns="45720" numCol="1" anchor="t" anchorCtr="0" compatLnSpc="1">
+            <a:prstTxWarp prst="textNoShape">
+              <a:avLst/>
+            </a:prstTxWarp>
+          </a:bodyPr>
+          <a:lstStyle/>
+          <a:p>
+            <a:pPr marL="0" marR="0" lvl="0" indent="0" algn="l" defTabSz="914400" rtl="0" eaLnBrk="0" fontAlgn="base" latinLnBrk="0" hangingPunct="0">
+              <a:lnSpc>
+                <a:spcPct val="100000"/>
+              </a:lnSpc>
+              <a:spcBef>
+                <a:spcPct val="0"/>
+              </a:spcBef>
+              <a:spcAft>
+                <a:spcPct val="0"/>
+              </a:spcAft>
+              <a:buClrTx/>
+              <a:buSzTx/>
+              <a:buFontTx/>
+              <a:buNone/>
+              <a:tabLst/>
+            </a:pPr>
+            <a:r>
+              <a:rPr kumimoji="0" lang="en-US" altLang="en-US" sz="1200" b="0" i="1" u="none" strike="noStrike" cap="none" normalizeH="0" baseline="0" dirty="0">
+                <a:ln>
+                  <a:noFill/>
+                </a:ln>
+                <a:solidFill>
+                  <a:schemeClr val="tx1"/>
+                </a:solidFill>
+                <a:effectLst/>
+                <a:latin typeface="Arial" panose="020B0604020202020204" pitchFamily="34" charset="0"/>
+                <a:ea typeface="Times New Roman" panose="02020603050405020304" pitchFamily="18" charset="0"/>
+              </a:rPr>
+              <a:t>F</a:t>
+            </a:r>
+            <a:endParaRPr kumimoji="0" lang="en-US" altLang="en-US" sz="1800" b="0" i="0" u="none" strike="noStrike" cap="none" normalizeH="0" baseline="0" dirty="0">
+              <a:ln>
+                <a:noFill/>
+              </a:ln>
+              <a:solidFill>
+                <a:schemeClr val="tx1"/>
+              </a:solidFill>
+              <a:effectLst/>
+              <a:latin typeface="Arial" panose="020B0604020202020204" pitchFamily="34" charset="0"/>
+            </a:endParaRPr>
+          </a:p>
+        </p:txBody>
+      </p:sp>
+      <p:sp>
+        <p:nvSpPr>
+          <p:cNvPr id="75" name="Text Box 13">
+            <a:extLst>
+              <a:ext uri="{FF2B5EF4-FFF2-40B4-BE49-F238E27FC236}">
+                <a16:creationId xmlns:a16="http://schemas.microsoft.com/office/drawing/2014/main" id="{FE18A03C-453B-4B68-968E-F02CC56332B2}"/>
+              </a:ext>
+            </a:extLst>
+          </p:cNvPr>
+          <p:cNvSpPr txBox="1">
+            <a:spLocks noChangeArrowheads="1"/>
+          </p:cNvSpPr>
+          <p:nvPr/>
+        </p:nvSpPr>
+        <p:spPr bwMode="auto">
+          <a:xfrm>
+            <a:off x="7992936" y="5266330"/>
+            <a:ext cx="382211" cy="382211"/>
+          </a:xfrm>
+          <a:prstGeom prst="rect">
+            <a:avLst/>
+          </a:prstGeom>
+          <a:noFill/>
+          <a:ln>
+            <a:noFill/>
+          </a:ln>
+          <a:extLst>
+            <a:ext uri="{909E8E84-426E-40DD-AFC4-6F175D3DCCD1}">
+              <a14:hiddenFill xmlns:a14="http://schemas.microsoft.com/office/drawing/2010/main">
+                <a:solidFill>
+                  <a:srgbClr val="FFFFFF"/>
+                </a:solidFill>
+              </a14:hiddenFill>
+            </a:ext>
+            <a:ext uri="{91240B29-F687-4F45-9708-019B960494DF}">
+              <a14:hiddenLine xmlns:a14="http://schemas.microsoft.com/office/drawing/2010/main" w="9525">
+                <a:solidFill>
+                  <a:srgbClr val="000000"/>
+                </a:solidFill>
+                <a:miter lim="800000"/>
+                <a:headEnd/>
+                <a:tailEnd/>
+              </a14:hiddenLine>
+            </a:ext>
+          </a:extLst>
+        </p:spPr>
+        <p:txBody>
+          <a:bodyPr vert="horz" wrap="square" lIns="91440" tIns="45720" rIns="91440" bIns="45720" numCol="1" anchor="t" anchorCtr="0" compatLnSpc="1">
+            <a:prstTxWarp prst="textNoShape">
+              <a:avLst/>
+            </a:prstTxWarp>
+          </a:bodyPr>
+          <a:lstStyle/>
+          <a:p>
+            <a:pPr marL="0" marR="0" lvl="0" indent="0" algn="l" defTabSz="914400" rtl="0" eaLnBrk="0" fontAlgn="base" latinLnBrk="0" hangingPunct="0">
+              <a:lnSpc>
+                <a:spcPct val="100000"/>
+              </a:lnSpc>
+              <a:spcBef>
+                <a:spcPct val="0"/>
+              </a:spcBef>
+              <a:spcAft>
+                <a:spcPct val="0"/>
+              </a:spcAft>
+              <a:buClrTx/>
+              <a:buSzTx/>
+              <a:buFontTx/>
+              <a:buNone/>
+              <a:tabLst/>
+            </a:pPr>
+            <a:r>
+              <a:rPr kumimoji="0" lang="en-US" altLang="en-US" sz="1200" b="0" i="1" u="none" strike="noStrike" cap="none" normalizeH="0" baseline="0" dirty="0">
+                <a:ln>
+                  <a:noFill/>
+                </a:ln>
+                <a:solidFill>
+                  <a:schemeClr val="tx1"/>
+                </a:solidFill>
+                <a:effectLst/>
+                <a:latin typeface="Arial" panose="020B0604020202020204" pitchFamily="34" charset="0"/>
+                <a:ea typeface="Times New Roman" panose="02020603050405020304" pitchFamily="18" charset="0"/>
+              </a:rPr>
+              <a:t>S</a:t>
+            </a:r>
+            <a:endParaRPr kumimoji="0" lang="en-US" altLang="en-US" sz="1800" b="0" i="0" u="none" strike="noStrike" cap="none" normalizeH="0" baseline="0" dirty="0">
+              <a:ln>
+                <a:noFill/>
+              </a:ln>
+              <a:solidFill>
+                <a:schemeClr val="tx1"/>
+              </a:solidFill>
+              <a:effectLst/>
+              <a:latin typeface="Arial" panose="020B0604020202020204" pitchFamily="34" charset="0"/>
+            </a:endParaRPr>
+          </a:p>
+        </p:txBody>
+      </p:sp>
+      <p:sp>
+        <p:nvSpPr>
+          <p:cNvPr id="76" name="Text Box 13">
+            <a:extLst>
+              <a:ext uri="{FF2B5EF4-FFF2-40B4-BE49-F238E27FC236}">
+                <a16:creationId xmlns:a16="http://schemas.microsoft.com/office/drawing/2014/main" id="{F0A92860-F492-44B7-99D9-C7E997EC6851}"/>
+              </a:ext>
+            </a:extLst>
+          </p:cNvPr>
+          <p:cNvSpPr txBox="1">
+            <a:spLocks noChangeArrowheads="1"/>
+          </p:cNvSpPr>
+          <p:nvPr/>
+        </p:nvSpPr>
+        <p:spPr bwMode="auto">
+          <a:xfrm>
+            <a:off x="4492996" y="5745394"/>
+            <a:ext cx="382211" cy="382211"/>
+          </a:xfrm>
+          <a:prstGeom prst="rect">
+            <a:avLst/>
+          </a:prstGeom>
+          <a:noFill/>
+          <a:ln>
+            <a:noFill/>
+          </a:ln>
+          <a:extLst>
+            <a:ext uri="{909E8E84-426E-40DD-AFC4-6F175D3DCCD1}">
+              <a14:hiddenFill xmlns:a14="http://schemas.microsoft.com/office/drawing/2010/main">
+                <a:solidFill>
+                  <a:srgbClr val="FFFFFF"/>
+                </a:solidFill>
+              </a14:hiddenFill>
+            </a:ext>
+            <a:ext uri="{91240B29-F687-4F45-9708-019B960494DF}">
+              <a14:hiddenLine xmlns:a14="http://schemas.microsoft.com/office/drawing/2010/main" w="9525">
+                <a:solidFill>
+                  <a:srgbClr val="000000"/>
+                </a:solidFill>
+                <a:miter lim="800000"/>
+                <a:headEnd/>
+                <a:tailEnd/>
+              </a14:hiddenLine>
+            </a:ext>
+          </a:extLst>
+        </p:spPr>
+        <p:txBody>
+          <a:bodyPr vert="horz" wrap="square" lIns="91440" tIns="45720" rIns="91440" bIns="45720" numCol="1" anchor="t" anchorCtr="0" compatLnSpc="1">
+            <a:prstTxWarp prst="textNoShape">
+              <a:avLst/>
+            </a:prstTxWarp>
+          </a:bodyPr>
+          <a:lstStyle/>
+          <a:p>
+            <a:pPr marL="0" marR="0" lvl="0" indent="0" algn="l" defTabSz="914400" rtl="0" eaLnBrk="0" fontAlgn="base" latinLnBrk="0" hangingPunct="0">
+              <a:lnSpc>
+                <a:spcPct val="100000"/>
+              </a:lnSpc>
+              <a:spcBef>
+                <a:spcPct val="0"/>
+              </a:spcBef>
+              <a:spcAft>
+                <a:spcPct val="0"/>
+              </a:spcAft>
+              <a:buClrTx/>
+              <a:buSzTx/>
+              <a:buFontTx/>
+              <a:buNone/>
+              <a:tabLst/>
+            </a:pPr>
+            <a:r>
+              <a:rPr kumimoji="0" lang="en-US" altLang="en-US" sz="1200" b="0" i="1" u="none" strike="noStrike" cap="none" normalizeH="0" baseline="0" dirty="0">
+                <a:ln>
+                  <a:noFill/>
+                </a:ln>
+                <a:solidFill>
+                  <a:schemeClr val="tx1"/>
+                </a:solidFill>
+                <a:effectLst/>
+                <a:latin typeface="Arial" panose="020B0604020202020204" pitchFamily="34" charset="0"/>
+                <a:ea typeface="Times New Roman" panose="02020603050405020304" pitchFamily="18" charset="0"/>
+              </a:rPr>
+              <a:t>S</a:t>
+            </a:r>
+            <a:endParaRPr kumimoji="0" lang="en-US" altLang="en-US" sz="1800" b="0" i="0" u="none" strike="noStrike" cap="none" normalizeH="0" baseline="0" dirty="0">
+              <a:ln>
+                <a:noFill/>
+              </a:ln>
+              <a:solidFill>
+                <a:schemeClr val="tx1"/>
+              </a:solidFill>
+              <a:effectLst/>
+              <a:latin typeface="Arial" panose="020B0604020202020204" pitchFamily="34" charset="0"/>
+            </a:endParaRPr>
+          </a:p>
+        </p:txBody>
+      </p:sp>
+      <p:sp>
+        <p:nvSpPr>
+          <p:cNvPr id="77" name="Text Box 14">
+            <a:extLst>
+              <a:ext uri="{FF2B5EF4-FFF2-40B4-BE49-F238E27FC236}">
+                <a16:creationId xmlns:a16="http://schemas.microsoft.com/office/drawing/2014/main" id="{6B2A792B-9CE2-4B15-A6C6-857D8941F492}"/>
+              </a:ext>
+            </a:extLst>
+          </p:cNvPr>
+          <p:cNvSpPr txBox="1">
+            <a:spLocks noChangeArrowheads="1"/>
+          </p:cNvSpPr>
+          <p:nvPr/>
+        </p:nvSpPr>
+        <p:spPr bwMode="auto">
+          <a:xfrm>
+            <a:off x="3376797" y="5326454"/>
+            <a:ext cx="382211" cy="382211"/>
+          </a:xfrm>
+          <a:prstGeom prst="rect">
+            <a:avLst/>
+          </a:prstGeom>
+          <a:noFill/>
+          <a:ln>
+            <a:noFill/>
+          </a:ln>
+          <a:extLst>
+            <a:ext uri="{909E8E84-426E-40DD-AFC4-6F175D3DCCD1}">
+              <a14:hiddenFill xmlns:a14="http://schemas.microsoft.com/office/drawing/2010/main">
+                <a:solidFill>
+                  <a:srgbClr val="FFFFFF"/>
+                </a:solidFill>
+              </a14:hiddenFill>
+            </a:ext>
+            <a:ext uri="{91240B29-F687-4F45-9708-019B960494DF}">
+              <a14:hiddenLine xmlns:a14="http://schemas.microsoft.com/office/drawing/2010/main" w="9525">
+                <a:solidFill>
+                  <a:srgbClr val="000000"/>
+                </a:solidFill>
+                <a:miter lim="800000"/>
+                <a:headEnd/>
+                <a:tailEnd/>
+              </a14:hiddenLine>
+            </a:ext>
+          </a:extLst>
+        </p:spPr>
+        <p:txBody>
+          <a:bodyPr vert="horz" wrap="square" lIns="91440" tIns="45720" rIns="91440" bIns="45720" numCol="1" anchor="t" anchorCtr="0" compatLnSpc="1">
+            <a:prstTxWarp prst="textNoShape">
+              <a:avLst/>
+            </a:prstTxWarp>
+          </a:bodyPr>
+          <a:lstStyle/>
+          <a:p>
+            <a:pPr marL="0" marR="0" lvl="0" indent="0" algn="l" defTabSz="914400" rtl="0" eaLnBrk="0" fontAlgn="base" latinLnBrk="0" hangingPunct="0">
+              <a:lnSpc>
+                <a:spcPct val="100000"/>
+              </a:lnSpc>
+              <a:spcBef>
+                <a:spcPct val="0"/>
+              </a:spcBef>
+              <a:spcAft>
+                <a:spcPct val="0"/>
+              </a:spcAft>
+              <a:buClrTx/>
+              <a:buSzTx/>
+              <a:buFontTx/>
+              <a:buNone/>
+              <a:tabLst/>
+            </a:pPr>
+            <a:r>
+              <a:rPr kumimoji="0" lang="en-US" altLang="en-US" sz="1200" b="0" i="1" u="none" strike="noStrike" cap="none" normalizeH="0" baseline="0" dirty="0">
+                <a:ln>
+                  <a:noFill/>
+                </a:ln>
+                <a:solidFill>
+                  <a:schemeClr val="tx1"/>
+                </a:solidFill>
+                <a:effectLst/>
+                <a:latin typeface="Arial" panose="020B0604020202020204" pitchFamily="34" charset="0"/>
+                <a:ea typeface="Times New Roman" panose="02020603050405020304" pitchFamily="18" charset="0"/>
+              </a:rPr>
+              <a:t>F</a:t>
+            </a:r>
+            <a:endParaRPr kumimoji="0" lang="en-US" altLang="en-US" sz="1800" b="0" i="0" u="none" strike="noStrike" cap="none" normalizeH="0" baseline="0" dirty="0">
+              <a:ln>
+                <a:noFill/>
+              </a:ln>
+              <a:solidFill>
+                <a:schemeClr val="tx1"/>
+              </a:solidFill>
+              <a:effectLst/>
+              <a:latin typeface="Arial" panose="020B0604020202020204" pitchFamily="34" charset="0"/>
+            </a:endParaRPr>
+          </a:p>
+        </p:txBody>
+      </p:sp>
+      <p:sp>
+        <p:nvSpPr>
+          <p:cNvPr id="78" name="Text Box 14">
+            <a:extLst>
+              <a:ext uri="{FF2B5EF4-FFF2-40B4-BE49-F238E27FC236}">
+                <a16:creationId xmlns:a16="http://schemas.microsoft.com/office/drawing/2014/main" id="{CC2AC720-6910-4815-9473-4175C0D972A7}"/>
+              </a:ext>
+            </a:extLst>
+          </p:cNvPr>
+          <p:cNvSpPr txBox="1">
+            <a:spLocks noChangeArrowheads="1"/>
+          </p:cNvSpPr>
+          <p:nvPr/>
+        </p:nvSpPr>
+        <p:spPr bwMode="auto">
+          <a:xfrm>
+            <a:off x="7955892" y="4298794"/>
+            <a:ext cx="382211" cy="382211"/>
+          </a:xfrm>
+          <a:prstGeom prst="rect">
+            <a:avLst/>
+          </a:prstGeom>
+          <a:noFill/>
+          <a:ln>
+            <a:noFill/>
+          </a:ln>
+          <a:extLst>
+            <a:ext uri="{909E8E84-426E-40DD-AFC4-6F175D3DCCD1}">
+              <a14:hiddenFill xmlns:a14="http://schemas.microsoft.com/office/drawing/2010/main">
+                <a:solidFill>
+                  <a:srgbClr val="FFFFFF"/>
+                </a:solidFill>
+              </a14:hiddenFill>
+            </a:ext>
+            <a:ext uri="{91240B29-F687-4F45-9708-019B960494DF}">
+              <a14:hiddenLine xmlns:a14="http://schemas.microsoft.com/office/drawing/2010/main" w="9525">
+                <a:solidFill>
+                  <a:srgbClr val="000000"/>
+                </a:solidFill>
+                <a:miter lim="800000"/>
+                <a:headEnd/>
+                <a:tailEnd/>
+              </a14:hiddenLine>
+            </a:ext>
+          </a:extLst>
+        </p:spPr>
+        <p:txBody>
+          <a:bodyPr vert="horz" wrap="square" lIns="91440" tIns="45720" rIns="91440" bIns="45720" numCol="1" anchor="t" anchorCtr="0" compatLnSpc="1">
+            <a:prstTxWarp prst="textNoShape">
+              <a:avLst/>
+            </a:prstTxWarp>
+          </a:bodyPr>
+          <a:lstStyle/>
+          <a:p>
+            <a:pPr marL="0" marR="0" lvl="0" indent="0" algn="l" defTabSz="914400" rtl="0" eaLnBrk="0" fontAlgn="base" latinLnBrk="0" hangingPunct="0">
+              <a:lnSpc>
+                <a:spcPct val="100000"/>
+              </a:lnSpc>
+              <a:spcBef>
+                <a:spcPct val="0"/>
+              </a:spcBef>
+              <a:spcAft>
+                <a:spcPct val="0"/>
+              </a:spcAft>
+              <a:buClrTx/>
+              <a:buSzTx/>
+              <a:buFontTx/>
+              <a:buNone/>
+              <a:tabLst/>
+            </a:pPr>
+            <a:r>
+              <a:rPr kumimoji="0" lang="en-US" altLang="en-US" sz="1200" b="0" i="1" u="none" strike="noStrike" cap="none" normalizeH="0" baseline="0" dirty="0">
+                <a:ln>
+                  <a:noFill/>
+                </a:ln>
+                <a:solidFill>
+                  <a:schemeClr val="tx1"/>
+                </a:solidFill>
+                <a:effectLst/>
+                <a:latin typeface="Arial" panose="020B0604020202020204" pitchFamily="34" charset="0"/>
+                <a:ea typeface="Times New Roman" panose="02020603050405020304" pitchFamily="18" charset="0"/>
+              </a:rPr>
+              <a:t>F</a:t>
+            </a:r>
+            <a:endParaRPr kumimoji="0" lang="en-US" altLang="en-US" sz="1800" b="0" i="0" u="none" strike="noStrike" cap="none" normalizeH="0" baseline="0" dirty="0">
+              <a:ln>
+                <a:noFill/>
+              </a:ln>
+              <a:solidFill>
+                <a:schemeClr val="tx1"/>
+              </a:solidFill>
+              <a:effectLst/>
+              <a:latin typeface="Arial" panose="020B0604020202020204" pitchFamily="34" charset="0"/>
+            </a:endParaRPr>
           </a:p>
         </p:txBody>
       </p:sp>
@@ -10111,7 +12004,7 @@
         <p:spPr>
           <a:xfrm>
             <a:off x="5005627" y="5259288"/>
-            <a:ext cx="402931" cy="369332"/>
+            <a:ext cx="362856" cy="369332"/>
           </a:xfrm>
           <a:prstGeom prst="rect">
             <a:avLst/>
@@ -10126,9 +12019,13 @@
           <a:p>
             <a:r>
               <a:rPr lang="en-US" dirty="0"/>
-              <a:t>ko</a:t>
-            </a:r>
-            <a:endParaRPr lang="en-GB" dirty="0"/>
+              <a:t>k</a:t>
+            </a:r>
+            <a:r>
+              <a:rPr lang="en-US" baseline="-25000" dirty="0"/>
+              <a:t>o</a:t>
+            </a:r>
+            <a:endParaRPr lang="en-GB" baseline="-25000" dirty="0"/>
           </a:p>
         </p:txBody>
       </p:sp>
@@ -10147,7 +12044,7 @@
         <p:spPr>
           <a:xfrm>
             <a:off x="5373873" y="2831159"/>
-            <a:ext cx="410690" cy="369332"/>
+            <a:ext cx="369012" cy="369332"/>
           </a:xfrm>
           <a:prstGeom prst="rect">
             <a:avLst/>
@@ -10166,9 +12063,17 @@
                   <a:schemeClr val="accent6"/>
                 </a:solidFill>
               </a:rPr>
-              <a:t>kh</a:t>
-            </a:r>
-            <a:endParaRPr lang="en-GB" dirty="0">
+              <a:t>k</a:t>
+            </a:r>
+            <a:r>
+              <a:rPr lang="en-US" baseline="-25000" dirty="0" err="1">
+                <a:solidFill>
+                  <a:schemeClr val="accent6"/>
+                </a:solidFill>
+              </a:rPr>
+              <a:t>h</a:t>
+            </a:r>
+            <a:endParaRPr lang="en-GB" baseline="-25000" dirty="0">
               <a:solidFill>
                 <a:schemeClr val="accent6"/>
               </a:solidFill>
@@ -10329,7 +12234,7 @@
         <p:spPr>
           <a:xfrm>
             <a:off x="6976443" y="4999080"/>
-            <a:ext cx="451727" cy="369332"/>
+            <a:ext cx="411651" cy="369332"/>
           </a:xfrm>
           <a:prstGeom prst="rect">
             <a:avLst/>
@@ -10344,9 +12249,13 @@
           <a:p>
             <a:r>
               <a:rPr lang="en-US" dirty="0" err="1"/>
-              <a:t>k’o</a:t>
-            </a:r>
-            <a:endParaRPr lang="en-GB" dirty="0"/>
+              <a:t>k’</a:t>
+            </a:r>
+            <a:r>
+              <a:rPr lang="en-US" baseline="-25000" dirty="0" err="1"/>
+              <a:t>o</a:t>
+            </a:r>
+            <a:endParaRPr lang="en-GB" baseline="-25000" dirty="0"/>
           </a:p>
         </p:txBody>
       </p:sp>
@@ -10366,7 +12275,7 @@
         </p:nvSpPr>
         <p:spPr bwMode="auto">
           <a:xfrm flipH="1">
-            <a:off x="3240119" y="1481478"/>
+            <a:off x="3282735" y="1481478"/>
             <a:ext cx="1705132" cy="2149508"/>
           </a:xfrm>
           <a:prstGeom prst="line">
@@ -10453,8 +12362,8 @@
         </p:nvSpPr>
         <p:spPr bwMode="auto">
           <a:xfrm>
-            <a:off x="4953988" y="1481478"/>
-            <a:ext cx="2098796" cy="1943592"/>
+            <a:off x="4987867" y="1480639"/>
+            <a:ext cx="1950566" cy="1879059"/>
           </a:xfrm>
           <a:prstGeom prst="line">
             <a:avLst/>
@@ -10549,7 +12458,7 @@
         <p:spPr bwMode="auto">
           <a:xfrm>
             <a:off x="4957455" y="4264588"/>
-            <a:ext cx="2777366" cy="428289"/>
+            <a:ext cx="2925012" cy="428290"/>
           </a:xfrm>
           <a:prstGeom prst="line">
             <a:avLst/>
@@ -10557,7 +12466,7 @@
           <a:noFill/>
           <a:ln w="9525">
             <a:solidFill>
-              <a:srgbClr val="000000"/>
+              <a:srgbClr val="002060"/>
             </a:solidFill>
             <a:round/>
             <a:headEnd/>
@@ -10599,8 +12508,8 @@
         </p:nvSpPr>
         <p:spPr bwMode="auto">
           <a:xfrm>
-            <a:off x="4573445" y="4272556"/>
-            <a:ext cx="634276" cy="122327"/>
+            <a:off x="4702785" y="4253691"/>
+            <a:ext cx="634276" cy="103171"/>
           </a:xfrm>
           <a:prstGeom prst="line">
             <a:avLst/>
@@ -10608,7 +12517,7 @@
           <a:noFill/>
           <a:ln w="9525">
             <a:solidFill>
-              <a:srgbClr val="000000"/>
+              <a:srgbClr val="002060"/>
             </a:solidFill>
             <a:round/>
             <a:headEnd/>
@@ -10721,6 +12630,57 @@
               </a:solidFill>
               <a:latin typeface="Symbol" panose="05050102010706020507" pitchFamily="18" charset="2"/>
             </a:endParaRPr>
+          </a:p>
+        </p:txBody>
+      </p:sp>
+      <p:sp>
+        <p:nvSpPr>
+          <p:cNvPr id="28" name="Line 23">
+            <a:extLst>
+              <a:ext uri="{FF2B5EF4-FFF2-40B4-BE49-F238E27FC236}">
+                <a16:creationId xmlns:a16="http://schemas.microsoft.com/office/drawing/2014/main" id="{6CED2D6F-6832-4659-9068-6B6C7B99F236}"/>
+              </a:ext>
+            </a:extLst>
+          </p:cNvPr>
+          <p:cNvSpPr>
+            <a:spLocks noChangeShapeType="1"/>
+          </p:cNvSpPr>
+          <p:nvPr/>
+        </p:nvSpPr>
+        <p:spPr bwMode="auto">
+          <a:xfrm>
+            <a:off x="5113502" y="4250584"/>
+            <a:ext cx="433391" cy="60979"/>
+          </a:xfrm>
+          <a:prstGeom prst="line">
+            <a:avLst/>
+          </a:prstGeom>
+          <a:noFill/>
+          <a:ln w="9525">
+            <a:solidFill>
+              <a:srgbClr val="002060"/>
+            </a:solidFill>
+            <a:round/>
+            <a:headEnd/>
+            <a:tailEnd/>
+          </a:ln>
+          <a:extLst>
+            <a:ext uri="{909E8E84-426E-40DD-AFC4-6F175D3DCCD1}">
+              <a14:hiddenFill xmlns:a14="http://schemas.microsoft.com/office/drawing/2010/main">
+                <a:noFill/>
+              </a14:hiddenFill>
+            </a:ext>
+          </a:extLst>
+        </p:spPr>
+        <p:txBody>
+          <a:bodyPr vert="horz" wrap="square" lIns="91440" tIns="45720" rIns="91440" bIns="45720" numCol="1" anchor="t" anchorCtr="0" compatLnSpc="1">
+            <a:prstTxWarp prst="textNoShape">
+              <a:avLst/>
+            </a:prstTxWarp>
+          </a:bodyPr>
+          <a:lstStyle/>
+          <a:p>
+            <a:endParaRPr lang="en-GB"/>
           </a:p>
         </p:txBody>
       </p:sp>
@@ -11427,9 +13387,9 @@
           <p:nvPr/>
         </p:nvSpPr>
         <p:spPr bwMode="auto">
-          <a:xfrm>
-            <a:off x="3209283" y="3245011"/>
-            <a:ext cx="5356555" cy="0"/>
+          <a:xfrm flipV="1">
+            <a:off x="3209284" y="3242530"/>
+            <a:ext cx="5171846" cy="2481"/>
           </a:xfrm>
           <a:prstGeom prst="line">
             <a:avLst/>
@@ -11479,7 +13439,7 @@
         </p:nvSpPr>
         <p:spPr bwMode="auto">
           <a:xfrm>
-            <a:off x="5610497" y="843796"/>
+            <a:off x="5535191" y="843796"/>
             <a:ext cx="2401214" cy="3878885"/>
           </a:xfrm>
           <a:prstGeom prst="line">
@@ -11736,7 +13696,7 @@
         </p:nvSpPr>
         <p:spPr bwMode="auto">
           <a:xfrm>
-            <a:off x="4642901" y="2413822"/>
+            <a:off x="4552200" y="2380176"/>
             <a:ext cx="4148389" cy="2031795"/>
           </a:xfrm>
           <a:prstGeom prst="line">
@@ -12144,7 +14104,7 @@
         </p:nvSpPr>
         <p:spPr bwMode="auto">
           <a:xfrm>
-            <a:off x="6534041" y="2321467"/>
+            <a:off x="6574442" y="2233657"/>
             <a:ext cx="356188" cy="369332"/>
           </a:xfrm>
           <a:prstGeom prst="rect">
@@ -12211,7 +14171,7 @@
         </p:nvSpPr>
         <p:spPr bwMode="auto">
           <a:xfrm>
-            <a:off x="5610497" y="2321467"/>
+            <a:off x="6072269" y="2366404"/>
             <a:ext cx="554126" cy="554126"/>
           </a:xfrm>
           <a:prstGeom prst="rect">
@@ -12336,7 +14296,7 @@
         </p:nvSpPr>
         <p:spPr bwMode="auto">
           <a:xfrm flipV="1">
-            <a:off x="4871662" y="659088"/>
+            <a:off x="5774834" y="1151097"/>
             <a:ext cx="2401214" cy="1292962"/>
           </a:xfrm>
           <a:prstGeom prst="line">
@@ -12387,7 +14347,7 @@
         </p:nvSpPr>
         <p:spPr bwMode="auto">
           <a:xfrm>
-            <a:off x="7272876" y="474379"/>
+            <a:off x="7088168" y="1228595"/>
             <a:ext cx="285656" cy="369332"/>
           </a:xfrm>
           <a:prstGeom prst="rect">
@@ -12418,7 +14378,7 @@
           </a:extLst>
         </p:spPr>
         <p:txBody>
-          <a:bodyPr vert="horz" wrap="none" lIns="91440" tIns="45720" rIns="91440" bIns="45720" numCol="1" anchor="t" anchorCtr="0" compatLnSpc="1">
+          <a:bodyPr vert="horz" wrap="square" lIns="91440" tIns="45720" rIns="91440" bIns="45720" numCol="1" anchor="t" anchorCtr="0" compatLnSpc="1">
             <a:prstTxWarp prst="textNoShape">
               <a:avLst/>
             </a:prstTxWarp>
@@ -12505,8 +14465,8 @@
         </p:nvSpPr>
         <p:spPr bwMode="auto">
           <a:xfrm flipV="1">
-            <a:off x="6369705" y="2598529"/>
-            <a:ext cx="349046" cy="644002"/>
+            <a:off x="6369705" y="2652187"/>
+            <a:ext cx="328673" cy="590343"/>
           </a:xfrm>
           <a:prstGeom prst="line">
             <a:avLst/>
